--- a/ppt/hands-on16.pptx
+++ b/ppt/hands-on16.pptx
@@ -256,7 +256,7 @@
             <a:fld id="{7C3CB457-678B-4B95-BD07-5A0E057ADAAA}" type="datetimeFigureOut">
               <a:rPr lang="zh-CN" altLang="en-US" smtClean="0"/>
               <a:pPr/>
-              <a:t>2017/8/25 Friday</a:t>
+              <a:t>2017/9/12</a:t>
             </a:fld>
             <a:endParaRPr lang="zh-CN" altLang="en-US"/>
           </a:p>
@@ -425,7 +425,7 @@
     </p:spTree>
     <p:extLst>
       <p:ext uri="{BB962C8B-B14F-4D97-AF65-F5344CB8AC3E}">
-        <p14:creationId xmlns="" xmlns:p14="http://schemas.microsoft.com/office/powerpoint/2010/main" val="314394430"/>
+        <p14:creationId xmlns:p14="http://schemas.microsoft.com/office/powerpoint/2010/main" val="314394430"/>
       </p:ext>
     </p:extLst>
   </p:cSld>
@@ -707,7 +707,7 @@
             <a:fld id="{530820CF-B880-4189-942D-D702A7CBA730}" type="datetimeFigureOut">
               <a:rPr lang="zh-CN" altLang="en-US" smtClean="0"/>
               <a:pPr/>
-              <a:t>2017/8/25 Friday</a:t>
+              <a:t>2017/9/12</a:t>
             </a:fld>
             <a:endParaRPr lang="zh-CN" altLang="en-US"/>
           </a:p>
@@ -874,7 +874,7 @@
             <a:fld id="{530820CF-B880-4189-942D-D702A7CBA730}" type="datetimeFigureOut">
               <a:rPr lang="zh-CN" altLang="en-US" smtClean="0"/>
               <a:pPr/>
-              <a:t>2017/8/25 Friday</a:t>
+              <a:t>2017/9/12</a:t>
             </a:fld>
             <a:endParaRPr lang="zh-CN" altLang="en-US"/>
           </a:p>
@@ -1051,7 +1051,7 @@
             <a:fld id="{530820CF-B880-4189-942D-D702A7CBA730}" type="datetimeFigureOut">
               <a:rPr lang="zh-CN" altLang="en-US" smtClean="0"/>
               <a:pPr/>
-              <a:t>2017/8/25 Friday</a:t>
+              <a:t>2017/9/12</a:t>
             </a:fld>
             <a:endParaRPr lang="zh-CN" altLang="en-US"/>
           </a:p>
@@ -1218,7 +1218,7 @@
             <a:fld id="{530820CF-B880-4189-942D-D702A7CBA730}" type="datetimeFigureOut">
               <a:rPr lang="zh-CN" altLang="en-US" smtClean="0"/>
               <a:pPr/>
-              <a:t>2017/8/25 Friday</a:t>
+              <a:t>2017/9/12</a:t>
             </a:fld>
             <a:endParaRPr lang="zh-CN" altLang="en-US"/>
           </a:p>
@@ -1461,7 +1461,7 @@
             <a:fld id="{530820CF-B880-4189-942D-D702A7CBA730}" type="datetimeFigureOut">
               <a:rPr lang="zh-CN" altLang="en-US" smtClean="0"/>
               <a:pPr/>
-              <a:t>2017/8/25 Friday</a:t>
+              <a:t>2017/9/12</a:t>
             </a:fld>
             <a:endParaRPr lang="zh-CN" altLang="en-US"/>
           </a:p>
@@ -1746,7 +1746,7 @@
             <a:fld id="{530820CF-B880-4189-942D-D702A7CBA730}" type="datetimeFigureOut">
               <a:rPr lang="zh-CN" altLang="en-US" smtClean="0"/>
               <a:pPr/>
-              <a:t>2017/8/25 Friday</a:t>
+              <a:t>2017/9/12</a:t>
             </a:fld>
             <a:endParaRPr lang="zh-CN" altLang="en-US"/>
           </a:p>
@@ -2165,7 +2165,7 @@
             <a:fld id="{530820CF-B880-4189-942D-D702A7CBA730}" type="datetimeFigureOut">
               <a:rPr lang="zh-CN" altLang="en-US" smtClean="0"/>
               <a:pPr/>
-              <a:t>2017/8/25 Friday</a:t>
+              <a:t>2017/9/12</a:t>
             </a:fld>
             <a:endParaRPr lang="zh-CN" altLang="en-US"/>
           </a:p>
@@ -2280,7 +2280,7 @@
             <a:fld id="{530820CF-B880-4189-942D-D702A7CBA730}" type="datetimeFigureOut">
               <a:rPr lang="zh-CN" altLang="en-US" smtClean="0"/>
               <a:pPr/>
-              <a:t>2017/8/25 Friday</a:t>
+              <a:t>2017/9/12</a:t>
             </a:fld>
             <a:endParaRPr lang="zh-CN" altLang="en-US"/>
           </a:p>
@@ -2372,7 +2372,7 @@
             <a:fld id="{530820CF-B880-4189-942D-D702A7CBA730}" type="datetimeFigureOut">
               <a:rPr lang="zh-CN" altLang="en-US" smtClean="0"/>
               <a:pPr/>
-              <a:t>2017/8/25 Friday</a:t>
+              <a:t>2017/9/12</a:t>
             </a:fld>
             <a:endParaRPr lang="zh-CN" altLang="en-US"/>
           </a:p>
@@ -2646,7 +2646,7 @@
             <a:fld id="{530820CF-B880-4189-942D-D702A7CBA730}" type="datetimeFigureOut">
               <a:rPr lang="zh-CN" altLang="en-US" smtClean="0"/>
               <a:pPr/>
-              <a:t>2017/8/25 Friday</a:t>
+              <a:t>2017/9/12</a:t>
             </a:fld>
             <a:endParaRPr lang="zh-CN" altLang="en-US"/>
           </a:p>
@@ -2896,7 +2896,7 @@
             <a:fld id="{530820CF-B880-4189-942D-D702A7CBA730}" type="datetimeFigureOut">
               <a:rPr lang="zh-CN" altLang="en-US" smtClean="0"/>
               <a:pPr/>
-              <a:t>2017/8/25 Friday</a:t>
+              <a:t>2017/9/12</a:t>
             </a:fld>
             <a:endParaRPr lang="zh-CN" altLang="en-US"/>
           </a:p>
@@ -3106,7 +3106,7 @@
             <a:fld id="{530820CF-B880-4189-942D-D702A7CBA730}" type="datetimeFigureOut">
               <a:rPr lang="zh-CN" altLang="en-US" smtClean="0"/>
               <a:pPr/>
-              <a:t>2017/8/25 Friday</a:t>
+              <a:t>2017/9/12</a:t>
             </a:fld>
             <a:endParaRPr lang="zh-CN" altLang="en-US"/>
           </a:p>
@@ -3559,13 +3559,20 @@
     </p:spTree>
     <p:extLst>
       <p:ext uri="{BB962C8B-B14F-4D97-AF65-F5344CB8AC3E}">
-        <p14:creationId xmlns="" xmlns:p14="http://schemas.microsoft.com/office/powerpoint/2010/main" val="2854141284"/>
+        <p14:creationId xmlns:p14="http://schemas.microsoft.com/office/powerpoint/2010/main" val="2854141284"/>
       </p:ext>
     </p:extLst>
   </p:cSld>
   <p:clrMapOvr>
     <a:masterClrMapping/>
   </p:clrMapOvr>
+  <p:timing>
+    <p:tnLst>
+      <p:par>
+        <p:cTn id="1" dur="indefinite" restart="never" nodeType="tmRoot"/>
+      </p:par>
+    </p:tnLst>
+  </p:timing>
 </p:sld>
 </file>
 
@@ -3645,27 +3652,11 @@
             </a:r>
             <a:r>
               <a:rPr lang="en-US" altLang="zh-CN" i="1" dirty="0" smtClean="0"/>
-              <a:t> gym8 is a toolkit that provides a wide variety of simulated </a:t>
-            </a:r>
-            <a:r>
-              <a:rPr lang="en-US" altLang="zh-CN" i="1" dirty="0" smtClean="0"/>
-              <a:t>environments </a:t>
+              <a:t> gym8 is a toolkit that provides a wide variety of simulated environments </a:t>
             </a:r>
             <a:r>
               <a:rPr lang="en-US" altLang="zh-CN" dirty="0" smtClean="0"/>
-              <a:t>(Atari </a:t>
-            </a:r>
-            <a:r>
-              <a:rPr lang="en-US" altLang="zh-CN" dirty="0" smtClean="0"/>
-              <a:t>games, board games, 2D and 3D physical simulations, and so on), so you </a:t>
-            </a:r>
-            <a:r>
-              <a:rPr lang="en-US" altLang="zh-CN" dirty="0" smtClean="0"/>
-              <a:t>can train </a:t>
-            </a:r>
-            <a:r>
-              <a:rPr lang="en-US" altLang="zh-CN" dirty="0" smtClean="0"/>
-              <a:t>agents, compare them, or develop new RL algorithms.</a:t>
+              <a:t>(Atari games, board games, 2D and 3D physical simulations, and so on), so you can train agents, compare them, or develop new RL algorithms.</a:t>
             </a:r>
           </a:p>
           <a:p>
@@ -3687,27 +3678,19 @@
             </a:r>
             <a:r>
               <a:rPr lang="en-US" altLang="zh-CN" dirty="0" smtClean="0"/>
-              <a:t> gym installation, simply use pip</a:t>
-            </a:r>
+              <a:t> gym installation, simply use pip:</a:t>
+            </a:r>
+          </a:p>
+          <a:p>
+            <a:endParaRPr lang="en-US" altLang="zh-CN" dirty="0" smtClean="0"/>
+          </a:p>
+          <a:p>
+            <a:pPr>
+              <a:buNone/>
+            </a:pPr>
             <a:r>
               <a:rPr lang="en-US" altLang="zh-CN" dirty="0" smtClean="0"/>
-              <a:t>:</a:t>
-            </a:r>
-          </a:p>
-          <a:p>
-            <a:endParaRPr lang="en-US" altLang="zh-CN" dirty="0" smtClean="0"/>
-          </a:p>
-          <a:p>
-            <a:pPr>
-              <a:buNone/>
-            </a:pPr>
-            <a:r>
-              <a:rPr lang="en-US" altLang="zh-CN" dirty="0" smtClean="0"/>
-              <a:t>$ pip3 install --upgrade </a:t>
-            </a:r>
-            <a:r>
-              <a:rPr lang="en-US" altLang="zh-CN" dirty="0" smtClean="0"/>
-              <a:t>gym</a:t>
+              <a:t>$ pip3 install --upgrade gym</a:t>
             </a:r>
             <a:endParaRPr lang="zh-CN" altLang="en-US" b="1" dirty="0"/>
           </a:p>
@@ -3716,7 +3699,7 @@
     </p:spTree>
     <p:extLst>
       <p:ext uri="{BB962C8B-B14F-4D97-AF65-F5344CB8AC3E}">
-        <p14:creationId xmlns="" xmlns:p14="http://schemas.microsoft.com/office/powerpoint/2010/main" val="2556623258"/>
+        <p14:creationId xmlns:p14="http://schemas.microsoft.com/office/powerpoint/2010/main" val="2556623258"/>
       </p:ext>
     </p:extLst>
   </p:cSld>
@@ -3917,7 +3900,7 @@
     </p:spTree>
     <p:extLst>
       <p:ext uri="{BB962C8B-B14F-4D97-AF65-F5344CB8AC3E}">
-        <p14:creationId xmlns="" xmlns:p14="http://schemas.microsoft.com/office/powerpoint/2010/main" val="2556623258"/>
+        <p14:creationId xmlns:p14="http://schemas.microsoft.com/office/powerpoint/2010/main" val="2556623258"/>
       </p:ext>
     </p:extLst>
   </p:cSld>
@@ -4007,27 +3990,7 @@
             </a:r>
             <a:r>
               <a:rPr lang="en-US" altLang="zh-CN" sz="2800" dirty="0" smtClean="0"/>
-              <a:t> </a:t>
-            </a:r>
-            <a:r>
-              <a:rPr lang="en-US" altLang="zh-CN" sz="2800" dirty="0" smtClean="0"/>
-              <a:t>environment. This </a:t>
-            </a:r>
-            <a:r>
-              <a:rPr lang="en-US" altLang="zh-CN" sz="2800" dirty="0" smtClean="0"/>
-              <a:t>is a 2D simulation in which a cart can be accelerated left or right in order to </a:t>
-            </a:r>
-            <a:r>
-              <a:rPr lang="en-US" altLang="zh-CN" sz="2800" dirty="0" smtClean="0"/>
-              <a:t>balance a </a:t>
-            </a:r>
-            <a:r>
-              <a:rPr lang="en-US" altLang="zh-CN" sz="2800" dirty="0" smtClean="0"/>
-              <a:t>pole placed on top of </a:t>
-            </a:r>
-            <a:r>
-              <a:rPr lang="en-US" altLang="zh-CN" sz="2800" dirty="0" smtClean="0"/>
-              <a:t>it.</a:t>
+              <a:t> environment. This is a 2D simulation in which a cart can be accelerated left or right in order to balance a pole placed on top of it.</a:t>
             </a:r>
             <a:endParaRPr lang="zh-CN" altLang="en-US" sz="2800" b="1" dirty="0"/>
           </a:p>
@@ -4069,7 +4032,7 @@
     </p:spTree>
     <p:extLst>
       <p:ext uri="{BB962C8B-B14F-4D97-AF65-F5344CB8AC3E}">
-        <p14:creationId xmlns="" xmlns:p14="http://schemas.microsoft.com/office/powerpoint/2010/main" val="2556623258"/>
+        <p14:creationId xmlns:p14="http://schemas.microsoft.com/office/powerpoint/2010/main" val="2556623258"/>
       </p:ext>
     </p:extLst>
   </p:cSld>
@@ -4168,11 +4131,7 @@
             </a:pPr>
             <a:r>
               <a:rPr lang="en-US" altLang="zh-CN" sz="2400" dirty="0" smtClean="0"/>
-              <a:t>Discrete(2</a:t>
-            </a:r>
-            <a:r>
-              <a:rPr lang="en-US" altLang="zh-CN" sz="2400" dirty="0" smtClean="0"/>
-              <a:t>)</a:t>
+              <a:t>Discrete(2)</a:t>
             </a:r>
           </a:p>
           <a:p>
@@ -4302,7 +4261,7 @@
     </p:spTree>
     <p:extLst>
       <p:ext uri="{BB962C8B-B14F-4D97-AF65-F5344CB8AC3E}">
-        <p14:creationId xmlns="" xmlns:p14="http://schemas.microsoft.com/office/powerpoint/2010/main" val="2556623258"/>
+        <p14:creationId xmlns:p14="http://schemas.microsoft.com/office/powerpoint/2010/main" val="2556623258"/>
       </p:ext>
     </p:extLst>
   </p:cSld>
@@ -4381,11 +4340,7 @@
             </a:pPr>
             <a:r>
               <a:rPr lang="en-US" altLang="zh-CN" sz="2400" dirty="0" smtClean="0"/>
-              <a:t>    angle </a:t>
-            </a:r>
-            <a:r>
-              <a:rPr lang="en-US" altLang="zh-CN" sz="2400" dirty="0" smtClean="0"/>
-              <a:t>= </a:t>
+              <a:t>    angle = </a:t>
             </a:r>
             <a:r>
               <a:rPr lang="en-US" altLang="zh-CN" sz="2400" dirty="0" err="1" smtClean="0"/>
@@ -4402,11 +4357,7 @@
             </a:pPr>
             <a:r>
               <a:rPr lang="en-US" altLang="zh-CN" sz="2400" b="1" dirty="0" smtClean="0"/>
-              <a:t>    return </a:t>
-            </a:r>
-            <a:r>
-              <a:rPr lang="en-US" altLang="zh-CN" sz="2400" b="1" dirty="0" smtClean="0"/>
-              <a:t>0 if angle &lt; 0 else 1</a:t>
+              <a:t>    return 0 if angle &lt; 0 else 1</a:t>
             </a:r>
           </a:p>
           <a:p>
@@ -4441,11 +4392,7 @@
             </a:r>
             <a:r>
               <a:rPr lang="en-US" altLang="zh-CN" sz="2400" dirty="0" smtClean="0"/>
-              <a:t> </a:t>
-            </a:r>
-            <a:r>
-              <a:rPr lang="en-US" altLang="zh-CN" sz="2400" dirty="0" smtClean="0"/>
-              <a:t>= 0</a:t>
+              <a:t> = 0</a:t>
             </a:r>
           </a:p>
           <a:p>
@@ -4462,11 +4409,7 @@
             </a:r>
             <a:r>
               <a:rPr lang="en-US" altLang="zh-CN" sz="2400" dirty="0" smtClean="0"/>
-              <a:t> </a:t>
-            </a:r>
-            <a:r>
-              <a:rPr lang="en-US" altLang="zh-CN" sz="2400" dirty="0" smtClean="0"/>
-              <a:t>= </a:t>
+              <a:t> = </a:t>
             </a:r>
             <a:r>
               <a:rPr lang="en-US" altLang="zh-CN" sz="2400" dirty="0" err="1" smtClean="0"/>
@@ -4483,103 +4426,87 @@
             </a:pPr>
             <a:r>
               <a:rPr lang="en-US" altLang="zh-CN" sz="2400" b="1" dirty="0" smtClean="0"/>
-              <a:t>    for </a:t>
-            </a:r>
+              <a:t>    for step in range(1000): </a:t>
+            </a:r>
+            <a:r>
+              <a:rPr lang="en-US" altLang="zh-CN" sz="2400" b="1" i="1" dirty="0" smtClean="0"/>
+              <a:t># 1000 steps max</a:t>
+            </a:r>
+          </a:p>
+          <a:p>
+            <a:pPr>
+              <a:buNone/>
+            </a:pPr>
+            <a:r>
+              <a:rPr lang="en-US" altLang="zh-CN" sz="2400" dirty="0" smtClean="0"/>
+              <a:t>        action = </a:t>
+            </a:r>
+            <a:r>
+              <a:rPr lang="en-US" altLang="zh-CN" sz="2400" dirty="0" err="1" smtClean="0"/>
+              <a:t>basic_policy</a:t>
+            </a:r>
+            <a:r>
+              <a:rPr lang="en-US" altLang="zh-CN" sz="2400" dirty="0" smtClean="0"/>
+              <a:t>(</a:t>
+            </a:r>
+            <a:r>
+              <a:rPr lang="en-US" altLang="zh-CN" sz="2400" dirty="0" err="1" smtClean="0"/>
+              <a:t>obs</a:t>
+            </a:r>
+            <a:r>
+              <a:rPr lang="en-US" altLang="zh-CN" sz="2400" dirty="0" smtClean="0"/>
+              <a:t>)</a:t>
+            </a:r>
+          </a:p>
+          <a:p>
+            <a:pPr>
+              <a:buNone/>
+            </a:pPr>
+            <a:r>
+              <a:rPr lang="en-US" altLang="zh-CN" sz="2400" dirty="0" smtClean="0"/>
+              <a:t>        </a:t>
+            </a:r>
+            <a:r>
+              <a:rPr lang="en-US" altLang="zh-CN" sz="2400" dirty="0" err="1" smtClean="0"/>
+              <a:t>obs</a:t>
+            </a:r>
+            <a:r>
+              <a:rPr lang="en-US" altLang="zh-CN" sz="2400" dirty="0" smtClean="0"/>
+              <a:t>, reward, done, info = </a:t>
+            </a:r>
+            <a:r>
+              <a:rPr lang="en-US" altLang="zh-CN" sz="2400" dirty="0" err="1" smtClean="0"/>
+              <a:t>env.step</a:t>
+            </a:r>
+            <a:r>
+              <a:rPr lang="en-US" altLang="zh-CN" sz="2400" dirty="0" smtClean="0"/>
+              <a:t>(action)</a:t>
+            </a:r>
+          </a:p>
+          <a:p>
+            <a:pPr>
+              <a:buNone/>
+            </a:pPr>
+            <a:r>
+              <a:rPr lang="en-US" altLang="zh-CN" sz="2400" dirty="0" smtClean="0"/>
+              <a:t>        </a:t>
+            </a:r>
+            <a:r>
+              <a:rPr lang="en-US" altLang="zh-CN" sz="2400" dirty="0" err="1" smtClean="0"/>
+              <a:t>episode_rewards</a:t>
+            </a:r>
+            <a:r>
+              <a:rPr lang="en-US" altLang="zh-CN" sz="2400" dirty="0" smtClean="0"/>
+              <a:t> += reward</a:t>
+            </a:r>
+          </a:p>
+          <a:p>
+            <a:pPr>
+              <a:buNone/>
+            </a:pPr>
             <a:r>
               <a:rPr lang="en-US" altLang="zh-CN" sz="2400" b="1" dirty="0" smtClean="0"/>
-              <a:t>step in range(1000): </a:t>
-            </a:r>
-            <a:r>
-              <a:rPr lang="en-US" altLang="zh-CN" sz="2400" b="1" i="1" dirty="0" smtClean="0"/>
-              <a:t># 1000 steps </a:t>
-            </a:r>
-            <a:r>
-              <a:rPr lang="en-US" altLang="zh-CN" sz="2400" b="1" i="1" dirty="0" smtClean="0"/>
-              <a:t>max</a:t>
-            </a:r>
-          </a:p>
-          <a:p>
-            <a:pPr>
-              <a:buNone/>
-            </a:pPr>
-            <a:r>
-              <a:rPr lang="en-US" altLang="zh-CN" sz="2400" dirty="0" smtClean="0"/>
-              <a:t>        action = </a:t>
-            </a:r>
-            <a:r>
-              <a:rPr lang="en-US" altLang="zh-CN" sz="2400" dirty="0" err="1" smtClean="0"/>
-              <a:t>basic_policy</a:t>
-            </a:r>
-            <a:r>
-              <a:rPr lang="en-US" altLang="zh-CN" sz="2400" dirty="0" smtClean="0"/>
-              <a:t>(</a:t>
-            </a:r>
-            <a:r>
-              <a:rPr lang="en-US" altLang="zh-CN" sz="2400" dirty="0" err="1" smtClean="0"/>
-              <a:t>obs</a:t>
-            </a:r>
-            <a:r>
-              <a:rPr lang="en-US" altLang="zh-CN" sz="2400" dirty="0" smtClean="0"/>
-              <a:t>)</a:t>
-            </a:r>
-          </a:p>
-          <a:p>
-            <a:pPr>
-              <a:buNone/>
-            </a:pPr>
-            <a:r>
-              <a:rPr lang="en-US" altLang="zh-CN" sz="2400" dirty="0" smtClean="0"/>
-              <a:t>        </a:t>
-            </a:r>
-            <a:r>
-              <a:rPr lang="en-US" altLang="zh-CN" sz="2400" dirty="0" err="1" smtClean="0"/>
-              <a:t>obs</a:t>
-            </a:r>
-            <a:r>
-              <a:rPr lang="en-US" altLang="zh-CN" sz="2400" dirty="0" smtClean="0"/>
-              <a:t>, reward, done, info = </a:t>
-            </a:r>
-            <a:r>
-              <a:rPr lang="en-US" altLang="zh-CN" sz="2400" dirty="0" err="1" smtClean="0"/>
-              <a:t>env.step</a:t>
-            </a:r>
-            <a:r>
-              <a:rPr lang="en-US" altLang="zh-CN" sz="2400" dirty="0" smtClean="0"/>
-              <a:t>(action)</a:t>
-            </a:r>
-          </a:p>
-          <a:p>
-            <a:pPr>
-              <a:buNone/>
-            </a:pPr>
-            <a:r>
-              <a:rPr lang="en-US" altLang="zh-CN" sz="2400" dirty="0" smtClean="0"/>
-              <a:t>        </a:t>
-            </a:r>
-            <a:r>
-              <a:rPr lang="en-US" altLang="zh-CN" sz="2400" dirty="0" err="1" smtClean="0"/>
-              <a:t>episode_rewards</a:t>
-            </a:r>
-            <a:r>
-              <a:rPr lang="en-US" altLang="zh-CN" sz="2400" dirty="0" smtClean="0"/>
-              <a:t> </a:t>
-            </a:r>
-            <a:r>
-              <a:rPr lang="en-US" altLang="zh-CN" sz="2400" dirty="0" smtClean="0"/>
-              <a:t>+= reward</a:t>
-            </a:r>
-          </a:p>
-          <a:p>
-            <a:pPr>
-              <a:buNone/>
-            </a:pPr>
-            <a:r>
-              <a:rPr lang="en-US" altLang="zh-CN" sz="2400" b="1" dirty="0" smtClean="0"/>
-              <a:t>        if </a:t>
-            </a:r>
-            <a:r>
-              <a:rPr lang="en-US" altLang="zh-CN" sz="2400" b="1" dirty="0" smtClean="0"/>
-              <a:t>done:</a:t>
+              <a:t>        if done:</a:t>
             </a:r>
           </a:p>
           <a:p>
@@ -4590,7 +4517,6 @@
               <a:rPr lang="en-US" altLang="zh-CN" sz="2400" b="1" dirty="0" smtClean="0"/>
               <a:t>            break</a:t>
             </a:r>
-            <a:endParaRPr lang="en-US" altLang="zh-CN" sz="2400" b="1" dirty="0" smtClean="0"/>
           </a:p>
           <a:p>
             <a:pPr>
@@ -4649,7 +4575,7 @@
     </p:spTree>
     <p:extLst>
       <p:ext uri="{BB962C8B-B14F-4D97-AF65-F5344CB8AC3E}">
-        <p14:creationId xmlns="" xmlns:p14="http://schemas.microsoft.com/office/powerpoint/2010/main" val="2556623258"/>
+        <p14:creationId xmlns:p14="http://schemas.microsoft.com/office/powerpoint/2010/main" val="2556623258"/>
       </p:ext>
     </p:extLst>
   </p:cSld>
@@ -4723,39 +4649,7 @@
           <a:p>
             <a:r>
               <a:rPr lang="en-US" altLang="zh-CN" sz="2800" dirty="0" smtClean="0"/>
-              <a:t>Let’s create a neural network policy. Just like the policy we hardcoded earlier, </a:t>
-            </a:r>
-            <a:r>
-              <a:rPr lang="en-US" altLang="zh-CN" sz="2800" dirty="0" smtClean="0"/>
-              <a:t>this neural </a:t>
-            </a:r>
-            <a:r>
-              <a:rPr lang="en-US" altLang="zh-CN" sz="2800" dirty="0" smtClean="0"/>
-              <a:t>network will take an observation as input, and it will output the action to </a:t>
-            </a:r>
-            <a:r>
-              <a:rPr lang="en-US" altLang="zh-CN" sz="2800" dirty="0" smtClean="0"/>
-              <a:t>be executed</a:t>
-            </a:r>
-            <a:r>
-              <a:rPr lang="en-US" altLang="zh-CN" sz="2800" dirty="0" smtClean="0"/>
-              <a:t>. More precisely, it will estimate a probability for each action, and then </a:t>
-            </a:r>
-            <a:r>
-              <a:rPr lang="en-US" altLang="zh-CN" sz="2800" dirty="0" smtClean="0"/>
-              <a:t>we will </a:t>
-            </a:r>
-            <a:r>
-              <a:rPr lang="en-US" altLang="zh-CN" sz="2800" dirty="0" smtClean="0"/>
-              <a:t>select an action randomly according to the estimated </a:t>
-            </a:r>
-            <a:r>
-              <a:rPr lang="en-US" altLang="zh-CN" sz="2800" dirty="0" smtClean="0"/>
-              <a:t>probabilities. </a:t>
-            </a:r>
-            <a:r>
-              <a:rPr lang="en-US" altLang="zh-CN" sz="2800" dirty="0" smtClean="0"/>
-              <a:t>In the case of the </a:t>
+              <a:t>Let’s create a neural network policy. Just like the policy we hardcoded earlier, this neural network will take an observation as input, and it will output the action to be executed. More precisely, it will estimate a probability for each action, and then we will select an action randomly according to the estimated probabilities. In the case of the </a:t>
             </a:r>
             <a:r>
               <a:rPr lang="en-US" altLang="zh-CN" sz="2800" dirty="0" err="1" smtClean="0"/>
@@ -4763,47 +4657,15 @@
             </a:r>
             <a:r>
               <a:rPr lang="en-US" altLang="zh-CN" sz="2800" dirty="0" smtClean="0"/>
-              <a:t> environment, there are just two </a:t>
+              <a:t> environment, there are just two possible actions (left or right), so we only need one output neuron. It will output the probability </a:t>
+            </a:r>
+            <a:r>
+              <a:rPr lang="en-US" altLang="zh-CN" sz="2800" i="1" dirty="0" smtClean="0"/>
+              <a:t>p of action 0 (left), and of course the probability of action 1 (right) will be 1 – p. </a:t>
             </a:r>
             <a:r>
               <a:rPr lang="en-US" altLang="zh-CN" sz="2800" dirty="0" smtClean="0"/>
-              <a:t>possible actions </a:t>
-            </a:r>
-            <a:r>
-              <a:rPr lang="en-US" altLang="zh-CN" sz="2800" dirty="0" smtClean="0"/>
-              <a:t>(left or right), so we only need one output neuron. It will output the </a:t>
-            </a:r>
-            <a:r>
-              <a:rPr lang="en-US" altLang="zh-CN" sz="2800" dirty="0" smtClean="0"/>
-              <a:t>probability </a:t>
-            </a:r>
-            <a:r>
-              <a:rPr lang="en-US" altLang="zh-CN" sz="2800" i="1" dirty="0" smtClean="0"/>
-              <a:t>p </a:t>
-            </a:r>
-            <a:r>
-              <a:rPr lang="en-US" altLang="zh-CN" sz="2800" i="1" dirty="0" smtClean="0"/>
-              <a:t>of action 0 (left), and of course the probability of action 1 (right) will be 1 – </a:t>
-            </a:r>
-            <a:r>
-              <a:rPr lang="en-US" altLang="zh-CN" sz="2800" i="1" dirty="0" smtClean="0"/>
-              <a:t>p. </a:t>
-            </a:r>
-            <a:r>
-              <a:rPr lang="en-US" altLang="zh-CN" sz="2800" dirty="0" smtClean="0"/>
-              <a:t>For </a:t>
-            </a:r>
-            <a:r>
-              <a:rPr lang="en-US" altLang="zh-CN" sz="2800" dirty="0" smtClean="0"/>
-              <a:t>example, if it outputs 0.7, then we will pick action 0 with 70% probability, </a:t>
-            </a:r>
-            <a:r>
-              <a:rPr lang="en-US" altLang="zh-CN" sz="2800" dirty="0" smtClean="0"/>
-              <a:t>and action </a:t>
-            </a:r>
-            <a:r>
-              <a:rPr lang="en-US" altLang="zh-CN" sz="2800" dirty="0" smtClean="0"/>
-              <a:t>1 with 30% probability.</a:t>
+              <a:t>For example, if it outputs 0.7, then we will pick action 0 with 70% probability, and action 1 with 30% probability.</a:t>
             </a:r>
             <a:endParaRPr lang="zh-CN" altLang="en-US" sz="2800" b="1" dirty="0"/>
           </a:p>
@@ -4812,7 +4674,7 @@
     </p:spTree>
     <p:extLst>
       <p:ext uri="{BB962C8B-B14F-4D97-AF65-F5344CB8AC3E}">
-        <p14:creationId xmlns="" xmlns:p14="http://schemas.microsoft.com/office/powerpoint/2010/main" val="2556623258"/>
+        <p14:creationId xmlns:p14="http://schemas.microsoft.com/office/powerpoint/2010/main" val="2556623258"/>
       </p:ext>
     </p:extLst>
   </p:cSld>
@@ -4886,39 +4748,7 @@
           <a:p>
             <a:r>
               <a:rPr lang="en-US" altLang="zh-CN" sz="2800" dirty="0" smtClean="0"/>
-              <a:t>Let’s create a neural network policy. Just like the policy we hardcoded earlier, </a:t>
-            </a:r>
-            <a:r>
-              <a:rPr lang="en-US" altLang="zh-CN" sz="2800" dirty="0" smtClean="0"/>
-              <a:t>this neural </a:t>
-            </a:r>
-            <a:r>
-              <a:rPr lang="en-US" altLang="zh-CN" sz="2800" dirty="0" smtClean="0"/>
-              <a:t>network will take an observation as input, and it will output the action to </a:t>
-            </a:r>
-            <a:r>
-              <a:rPr lang="en-US" altLang="zh-CN" sz="2800" dirty="0" smtClean="0"/>
-              <a:t>be executed</a:t>
-            </a:r>
-            <a:r>
-              <a:rPr lang="en-US" altLang="zh-CN" sz="2800" dirty="0" smtClean="0"/>
-              <a:t>. More precisely, it will estimate a probability for each action, and then </a:t>
-            </a:r>
-            <a:r>
-              <a:rPr lang="en-US" altLang="zh-CN" sz="2800" dirty="0" smtClean="0"/>
-              <a:t>we will </a:t>
-            </a:r>
-            <a:r>
-              <a:rPr lang="en-US" altLang="zh-CN" sz="2800" dirty="0" smtClean="0"/>
-              <a:t>select an action randomly according to the estimated </a:t>
-            </a:r>
-            <a:r>
-              <a:rPr lang="en-US" altLang="zh-CN" sz="2800" dirty="0" smtClean="0"/>
-              <a:t>probabilities. </a:t>
-            </a:r>
-            <a:r>
-              <a:rPr lang="en-US" altLang="zh-CN" sz="2800" dirty="0" smtClean="0"/>
-              <a:t>In the case of the </a:t>
+              <a:t>Let’s create a neural network policy. Just like the policy we hardcoded earlier, this neural network will take an observation as input, and it will output the action to be executed. More precisely, it will estimate a probability for each action, and then we will select an action randomly according to the estimated probabilities. In the case of the </a:t>
             </a:r>
             <a:r>
               <a:rPr lang="en-US" altLang="zh-CN" sz="2800" dirty="0" err="1" smtClean="0"/>
@@ -4926,47 +4756,19 @@
             </a:r>
             <a:r>
               <a:rPr lang="en-US" altLang="zh-CN" sz="2800" dirty="0" smtClean="0"/>
-              <a:t> environment, there are just two </a:t>
+              <a:t> environment, there are just two possible actions (left or right), so we only need one output neuron. It will output the probability </a:t>
+            </a:r>
+            <a:r>
+              <a:rPr lang="en-US" altLang="zh-CN" sz="2800" i="1" dirty="0" smtClean="0"/>
+              <a:t>p of action 0 (left), and of course the probability of action 1 (right) will be 1 – p. </a:t>
             </a:r>
             <a:r>
               <a:rPr lang="en-US" altLang="zh-CN" sz="2800" dirty="0" smtClean="0"/>
-              <a:t>possible actions </a:t>
-            </a:r>
-            <a:r>
-              <a:rPr lang="en-US" altLang="zh-CN" sz="2800" dirty="0" smtClean="0"/>
-              <a:t>(left or right), so we only need one output neuron. It will output the </a:t>
-            </a:r>
-            <a:r>
-              <a:rPr lang="en-US" altLang="zh-CN" sz="2800" dirty="0" smtClean="0"/>
-              <a:t>probability </a:t>
-            </a:r>
-            <a:r>
-              <a:rPr lang="en-US" altLang="zh-CN" sz="2800" i="1" dirty="0" smtClean="0"/>
-              <a:t>p </a:t>
-            </a:r>
-            <a:r>
-              <a:rPr lang="en-US" altLang="zh-CN" sz="2800" i="1" dirty="0" smtClean="0"/>
-              <a:t>of action 0 (left), and of course the probability of action 1 (right) will be 1 – </a:t>
-            </a:r>
-            <a:r>
-              <a:rPr lang="en-US" altLang="zh-CN" sz="2800" i="1" dirty="0" smtClean="0"/>
-              <a:t>p. </a:t>
-            </a:r>
-            <a:r>
-              <a:rPr lang="en-US" altLang="zh-CN" sz="2800" dirty="0" smtClean="0"/>
-              <a:t>For </a:t>
-            </a:r>
-            <a:r>
-              <a:rPr lang="en-US" altLang="zh-CN" sz="2800" dirty="0" smtClean="0"/>
-              <a:t>example, if it outputs 0.7, then we will pick action 0 with 70% probability</a:t>
+              <a:t>For example, if it outputs 0.7, then we will pick action 0 with 70% probability</a:t>
             </a:r>
             <a:r>
               <a:rPr lang="en-US" altLang="zh-CN" sz="2800" smtClean="0"/>
-              <a:t>, </a:t>
-            </a:r>
-            <a:r>
-              <a:rPr lang="en-US" altLang="zh-CN" sz="2800" smtClean="0"/>
-              <a:t>and action </a:t>
+              <a:t>, and action </a:t>
             </a:r>
             <a:r>
               <a:rPr lang="en-US" altLang="zh-CN" sz="2800" dirty="0" smtClean="0"/>
@@ -5012,7 +4814,7 @@
     </p:spTree>
     <p:extLst>
       <p:ext uri="{BB962C8B-B14F-4D97-AF65-F5344CB8AC3E}">
-        <p14:creationId xmlns="" xmlns:p14="http://schemas.microsoft.com/office/powerpoint/2010/main" val="2556623258"/>
+        <p14:creationId xmlns:p14="http://schemas.microsoft.com/office/powerpoint/2010/main" val="2556623258"/>
       </p:ext>
     </p:extLst>
   </p:cSld>
@@ -5448,7 +5250,7 @@
     </p:spTree>
     <p:extLst>
       <p:ext uri="{BB962C8B-B14F-4D97-AF65-F5344CB8AC3E}">
-        <p14:creationId xmlns="" xmlns:p14="http://schemas.microsoft.com/office/powerpoint/2010/main" val="2556623258"/>
+        <p14:creationId xmlns:p14="http://schemas.microsoft.com/office/powerpoint/2010/main" val="2556623258"/>
       </p:ext>
     </p:extLst>
   </p:cSld>
@@ -5524,39 +5326,7 @@
           <a:p>
             <a:r>
               <a:rPr lang="en-US" altLang="zh-CN" dirty="0" smtClean="0"/>
-              <a:t>If we knew what the best action was at each step, we could train the neural network </a:t>
-            </a:r>
-            <a:r>
-              <a:rPr lang="en-US" altLang="zh-CN" dirty="0" smtClean="0"/>
-              <a:t>as usual</a:t>
-            </a:r>
-            <a:r>
-              <a:rPr lang="en-US" altLang="zh-CN" dirty="0" smtClean="0"/>
-              <a:t>, by minimizing the cross entropy between the estimated probability and the </a:t>
-            </a:r>
-            <a:r>
-              <a:rPr lang="en-US" altLang="zh-CN" dirty="0" smtClean="0"/>
-              <a:t>target probability</a:t>
-            </a:r>
-            <a:r>
-              <a:rPr lang="en-US" altLang="zh-CN" dirty="0" smtClean="0"/>
-              <a:t>. It would just be regular supervised learning. However, in </a:t>
-            </a:r>
-            <a:r>
-              <a:rPr lang="en-US" altLang="zh-CN" dirty="0" smtClean="0"/>
-              <a:t>Reinforcement Learning </a:t>
-            </a:r>
-            <a:r>
-              <a:rPr lang="en-US" altLang="zh-CN" dirty="0" smtClean="0"/>
-              <a:t>the only guidance the agent gets is through rewards, and rewards </a:t>
-            </a:r>
-            <a:r>
-              <a:rPr lang="en-US" altLang="zh-CN" dirty="0" smtClean="0"/>
-              <a:t>are typically </a:t>
-            </a:r>
-            <a:r>
-              <a:rPr lang="en-US" altLang="zh-CN" dirty="0" smtClean="0"/>
-              <a:t>sparse and delayed.</a:t>
+              <a:t>If we knew what the best action was at each step, we could train the neural network as usual, by minimizing the cross entropy between the estimated probability and the target probability. It would just be regular supervised learning. However, in Reinforcement Learning the only guidance the agent gets is through rewards, and rewards are typically sparse and delayed.</a:t>
             </a:r>
             <a:endParaRPr lang="zh-CN" altLang="en-US" b="1" dirty="0"/>
           </a:p>
@@ -5565,7 +5335,7 @@
     </p:spTree>
     <p:extLst>
       <p:ext uri="{BB962C8B-B14F-4D97-AF65-F5344CB8AC3E}">
-        <p14:creationId xmlns="" xmlns:p14="http://schemas.microsoft.com/office/powerpoint/2010/main" val="2556623258"/>
+        <p14:creationId xmlns:p14="http://schemas.microsoft.com/office/powerpoint/2010/main" val="2556623258"/>
       </p:ext>
     </p:extLst>
   </p:cSld>
@@ -5641,71 +5411,23 @@
           <a:p>
             <a:r>
               <a:rPr lang="en-US" altLang="zh-CN" dirty="0" smtClean="0"/>
-              <a:t>To tackle this problem, a common strategy is to evaluate an action based on the </a:t>
+              <a:t>To tackle this problem, a common strategy is to evaluate an action based on the sum of all the rewards that come after it, usually applying a </a:t>
+            </a:r>
+            <a:r>
+              <a:rPr lang="en-US" altLang="zh-CN" i="1" dirty="0" smtClean="0"/>
+              <a:t>discount rate r at each step. For </a:t>
             </a:r>
             <a:r>
               <a:rPr lang="en-US" altLang="zh-CN" dirty="0" smtClean="0"/>
-              <a:t>sum of </a:t>
+              <a:t>example, if an agent decides to go right three times in a row and gets +10 reward after the first step, 0 after the second step, and finally –50 after the third step, then assuming we use a discount rate </a:t>
+            </a:r>
+            <a:r>
+              <a:rPr lang="en-US" altLang="zh-CN" i="1" dirty="0" smtClean="0"/>
+              <a:t>r = 0.8, the first action will have a total </a:t>
             </a:r>
             <a:r>
               <a:rPr lang="en-US" altLang="zh-CN" dirty="0" smtClean="0"/>
-              <a:t>all the rewards that come after it, usually applying a </a:t>
-            </a:r>
-            <a:r>
-              <a:rPr lang="en-US" altLang="zh-CN" i="1" dirty="0" smtClean="0"/>
-              <a:t>discount rate r at each step. </a:t>
-            </a:r>
-            <a:r>
-              <a:rPr lang="en-US" altLang="zh-CN" i="1" dirty="0" smtClean="0"/>
-              <a:t>For </a:t>
-            </a:r>
-            <a:r>
-              <a:rPr lang="en-US" altLang="zh-CN" dirty="0" smtClean="0"/>
-              <a:t>example, </a:t>
-            </a:r>
-            <a:r>
-              <a:rPr lang="en-US" altLang="zh-CN" dirty="0" smtClean="0"/>
-              <a:t>if an agent </a:t>
-            </a:r>
-            <a:r>
-              <a:rPr lang="en-US" altLang="zh-CN" dirty="0" smtClean="0"/>
-              <a:t>decides to </a:t>
-            </a:r>
-            <a:r>
-              <a:rPr lang="en-US" altLang="zh-CN" dirty="0" smtClean="0"/>
-              <a:t>go right three times in a row and </a:t>
-            </a:r>
-            <a:r>
-              <a:rPr lang="en-US" altLang="zh-CN" dirty="0" smtClean="0"/>
-              <a:t>gets +10 </a:t>
-            </a:r>
-            <a:r>
-              <a:rPr lang="en-US" altLang="zh-CN" dirty="0" smtClean="0"/>
-              <a:t>reward after the first step, 0 after the second step, and finally –50 after the </a:t>
-            </a:r>
-            <a:r>
-              <a:rPr lang="en-US" altLang="zh-CN" dirty="0" smtClean="0"/>
-              <a:t>third step</a:t>
-            </a:r>
-            <a:r>
-              <a:rPr lang="en-US" altLang="zh-CN" dirty="0" smtClean="0"/>
-              <a:t>, then assuming we use a discount rate </a:t>
-            </a:r>
-            <a:r>
-              <a:rPr lang="en-US" altLang="zh-CN" i="1" dirty="0" smtClean="0"/>
-              <a:t>r = 0.8, the first action will have a </a:t>
-            </a:r>
-            <a:r>
-              <a:rPr lang="en-US" altLang="zh-CN" i="1" dirty="0" smtClean="0"/>
-              <a:t>total </a:t>
-            </a:r>
-            <a:r>
-              <a:rPr lang="en-US" altLang="zh-CN" dirty="0" smtClean="0"/>
-              <a:t>score </a:t>
-            </a:r>
-            <a:r>
-              <a:rPr lang="en-US" altLang="zh-CN" dirty="0" smtClean="0"/>
-              <a:t>of 10 + </a:t>
+              <a:t>score of 10 + </a:t>
             </a:r>
             <a:r>
               <a:rPr lang="en-US" altLang="zh-CN" i="1" dirty="0" smtClean="0"/>
@@ -5718,7 +5440,7 @@
     </p:spTree>
     <p:extLst>
       <p:ext uri="{BB962C8B-B14F-4D97-AF65-F5344CB8AC3E}">
-        <p14:creationId xmlns="" xmlns:p14="http://schemas.microsoft.com/office/powerpoint/2010/main" val="2556623258"/>
+        <p14:creationId xmlns:p14="http://schemas.microsoft.com/office/powerpoint/2010/main" val="2556623258"/>
       </p:ext>
     </p:extLst>
   </p:cSld>
@@ -5762,11 +5484,7 @@
           <a:p>
             <a:r>
               <a:rPr lang="en-US" altLang="zh-CN" dirty="0" smtClean="0"/>
-              <a:t>CHAPTER </a:t>
-            </a:r>
-            <a:r>
-              <a:rPr lang="en-US" altLang="zh-CN" dirty="0" smtClean="0"/>
-              <a:t>16</a:t>
+              <a:t>CHAPTER 16</a:t>
             </a:r>
             <a:endParaRPr lang="zh-CN" altLang="en-US" dirty="0"/>
           </a:p>
@@ -5796,42 +5514,17 @@
           <a:p>
             <a:r>
               <a:rPr lang="en-US" altLang="zh-CN" sz="3600" dirty="0" smtClean="0"/>
-              <a:t>Reinforcement </a:t>
-            </a:r>
-            <a:r>
-              <a:rPr lang="en-US" altLang="zh-CN" sz="3600" dirty="0" smtClean="0"/>
-              <a:t>Learning</a:t>
-            </a:r>
-            <a:endParaRPr lang="en-US" altLang="zh-CN" sz="3600" dirty="0" smtClean="0"/>
+              <a:t>Reinforcement Learning</a:t>
+            </a:r>
           </a:p>
           <a:p>
             <a:r>
               <a:rPr lang="en-US" altLang="zh-CN" dirty="0" smtClean="0"/>
-              <a:t>In this chapter we will first explain what Reinforcement Learning </a:t>
-            </a:r>
-            <a:r>
-              <a:rPr lang="en-US" altLang="zh-CN" dirty="0" smtClean="0"/>
-              <a:t>is, </a:t>
-            </a:r>
-            <a:r>
-              <a:rPr lang="en-US" altLang="zh-CN" dirty="0" smtClean="0"/>
-              <a:t>and then we will present two of the most important </a:t>
-            </a:r>
-            <a:r>
-              <a:rPr lang="en-US" altLang="zh-CN" dirty="0" smtClean="0"/>
-              <a:t>techniques in </a:t>
-            </a:r>
-            <a:r>
-              <a:rPr lang="en-US" altLang="zh-CN" dirty="0" smtClean="0"/>
-              <a:t>deep Reinforcement Learning: </a:t>
+              <a:t>In this chapter we will first explain what Reinforcement Learning is, and then we will present two of the most important techniques in deep Reinforcement Learning: </a:t>
             </a:r>
             <a:r>
               <a:rPr lang="en-US" altLang="zh-CN" i="1" dirty="0" smtClean="0"/>
-              <a:t>policy gradients and deep Q-networks (DQN</a:t>
-            </a:r>
-            <a:r>
-              <a:rPr lang="en-US" altLang="zh-CN" i="1" dirty="0" smtClean="0"/>
-              <a:t>), </a:t>
+              <a:t>policy gradients and deep Q-networks (DQN), </a:t>
             </a:r>
             <a:r>
               <a:rPr lang="en-US" altLang="zh-CN" dirty="0" smtClean="0"/>
@@ -5839,43 +5532,11 @@
             </a:r>
             <a:r>
               <a:rPr lang="en-US" altLang="zh-CN" i="1" dirty="0" smtClean="0"/>
-              <a:t>Markov decision processes (MDP). We will use these </a:t>
-            </a:r>
-            <a:r>
-              <a:rPr lang="en-US" altLang="zh-CN" i="1" dirty="0" smtClean="0"/>
-              <a:t>techniques </a:t>
+              <a:t>Markov decision processes (MDP). We will use these techniques </a:t>
             </a:r>
             <a:r>
               <a:rPr lang="en-US" altLang="zh-CN" dirty="0" smtClean="0"/>
-              <a:t>to </a:t>
-            </a:r>
-            <a:r>
-              <a:rPr lang="en-US" altLang="zh-CN" dirty="0" smtClean="0"/>
-              <a:t>train a model to balance a pole on a moving cart, and another to play </a:t>
-            </a:r>
-            <a:r>
-              <a:rPr lang="en-US" altLang="zh-CN" dirty="0" smtClean="0"/>
-              <a:t>Atari games</a:t>
-            </a:r>
-            <a:r>
-              <a:rPr lang="en-US" altLang="zh-CN" dirty="0" smtClean="0"/>
-              <a:t>. The </a:t>
-            </a:r>
-            <a:r>
-              <a:rPr lang="en-US" altLang="zh-CN" dirty="0" smtClean="0"/>
-              <a:t>techniques </a:t>
-            </a:r>
-            <a:r>
-              <a:rPr lang="en-US" altLang="zh-CN" dirty="0" smtClean="0"/>
-              <a:t>can be used for a wide variety of tasks, from </a:t>
-            </a:r>
-            <a:r>
-              <a:rPr lang="en-US" altLang="zh-CN" dirty="0" smtClean="0"/>
-              <a:t>walking robots </a:t>
-            </a:r>
-            <a:r>
-              <a:rPr lang="en-US" altLang="zh-CN" dirty="0" smtClean="0"/>
-              <a:t>to self-driving cars.</a:t>
+              <a:t>to train a model to balance a pole on a moving cart, and another to play Atari games. The techniques can be used for a wide variety of tasks, from walking robots to self-driving cars.</a:t>
             </a:r>
             <a:endParaRPr lang="zh-CN" altLang="en-US" b="1" dirty="0"/>
           </a:p>
@@ -5884,13 +5545,20 @@
     </p:spTree>
     <p:extLst>
       <p:ext uri="{BB962C8B-B14F-4D97-AF65-F5344CB8AC3E}">
-        <p14:creationId xmlns="" xmlns:p14="http://schemas.microsoft.com/office/powerpoint/2010/main" val="2556623258"/>
+        <p14:creationId xmlns:p14="http://schemas.microsoft.com/office/powerpoint/2010/main" val="2556623258"/>
       </p:ext>
     </p:extLst>
   </p:cSld>
   <p:clrMapOvr>
     <a:masterClrMapping/>
   </p:clrMapOvr>
+  <p:timing>
+    <p:tnLst>
+      <p:par>
+        <p:cTn id="1" dur="indefinite" restart="never" nodeType="tmRoot"/>
+      </p:par>
+    </p:tnLst>
+  </p:timing>
 </p:sld>
 </file>
 
@@ -5960,55 +5628,15 @@
           <a:p>
             <a:r>
               <a:rPr lang="en-US" altLang="zh-CN" dirty="0" smtClean="0"/>
-              <a:t>To tackle this problem, a common strategy is to evaluate an action based on the </a:t>
+              <a:t>To tackle this problem, a common strategy is to evaluate an action based on the sum of all the rewards that come after it, usually applying a </a:t>
+            </a:r>
+            <a:r>
+              <a:rPr lang="en-US" altLang="zh-CN" i="1" dirty="0" smtClean="0"/>
+              <a:t>discount rate r at each step. For </a:t>
             </a:r>
             <a:r>
               <a:rPr lang="en-US" altLang="zh-CN" dirty="0" smtClean="0"/>
-              <a:t>sum of </a:t>
-            </a:r>
-            <a:r>
-              <a:rPr lang="en-US" altLang="zh-CN" dirty="0" smtClean="0"/>
-              <a:t>all the rewards that come after it, usually applying a </a:t>
-            </a:r>
-            <a:r>
-              <a:rPr lang="en-US" altLang="zh-CN" i="1" dirty="0" smtClean="0"/>
-              <a:t>discount rate r at each step. </a:t>
-            </a:r>
-            <a:r>
-              <a:rPr lang="en-US" altLang="zh-CN" i="1" dirty="0" smtClean="0"/>
-              <a:t>For </a:t>
-            </a:r>
-            <a:r>
-              <a:rPr lang="en-US" altLang="zh-CN" dirty="0" smtClean="0"/>
-              <a:t>example, </a:t>
-            </a:r>
-            <a:r>
-              <a:rPr lang="en-US" altLang="zh-CN" dirty="0" smtClean="0"/>
-              <a:t>if an agent </a:t>
-            </a:r>
-            <a:r>
-              <a:rPr lang="en-US" altLang="zh-CN" dirty="0" smtClean="0"/>
-              <a:t>decides to </a:t>
-            </a:r>
-            <a:r>
-              <a:rPr lang="en-US" altLang="zh-CN" dirty="0" smtClean="0"/>
-              <a:t>go right three times in a row and </a:t>
-            </a:r>
-            <a:r>
-              <a:rPr lang="en-US" altLang="zh-CN" dirty="0" smtClean="0"/>
-              <a:t>gets +10 </a:t>
-            </a:r>
-            <a:r>
-              <a:rPr lang="en-US" altLang="zh-CN" dirty="0" smtClean="0"/>
-              <a:t>reward after the first step, 0 after the second step, and finally –50 after the </a:t>
-            </a:r>
-            <a:r>
-              <a:rPr lang="en-US" altLang="zh-CN" dirty="0" smtClean="0"/>
-              <a:t>third step</a:t>
-            </a:r>
-            <a:r>
-              <a:rPr lang="en-US" altLang="zh-CN" dirty="0" smtClean="0"/>
-              <a:t>, then assuming we use a discount rate </a:t>
+              <a:t>example, if an agent decides to go right three times in a row and gets +10 reward after the first step, 0 after the second step, and finally –50 after the third step, then assuming we use a discount rate </a:t>
             </a:r>
             <a:r>
               <a:rPr lang="en-US" altLang="zh-CN" i="1" dirty="0" smtClean="0"/>
@@ -6016,11 +5644,7 @@
             </a:r>
             <a:r>
               <a:rPr lang="en-US" altLang="zh-CN" i="1" smtClean="0"/>
-              <a:t>a </a:t>
-            </a:r>
-            <a:r>
-              <a:rPr lang="en-US" altLang="zh-CN" i="1" smtClean="0"/>
-              <a:t>total </a:t>
+              <a:t>a total </a:t>
             </a:r>
             <a:r>
               <a:rPr lang="en-US" altLang="zh-CN" smtClean="0"/>
@@ -6074,7 +5698,7 @@
     </p:spTree>
     <p:extLst>
       <p:ext uri="{BB962C8B-B14F-4D97-AF65-F5344CB8AC3E}">
-        <p14:creationId xmlns="" xmlns:p14="http://schemas.microsoft.com/office/powerpoint/2010/main" val="2556623258"/>
+        <p14:creationId xmlns:p14="http://schemas.microsoft.com/office/powerpoint/2010/main" val="2556623258"/>
       </p:ext>
     </p:extLst>
   </p:cSld>
@@ -6150,73 +5774,21 @@
           <a:p>
             <a:r>
               <a:rPr lang="en-US" altLang="zh-CN" dirty="0" smtClean="0"/>
-              <a:t>As discussed earlier, PG algorithms optimize the parameters of a policy by </a:t>
+              <a:t>As discussed earlier, PG algorithms optimize the parameters of a policy by following the gradients toward higher rewards. One popular class of PG algorithms, called </a:t>
+            </a:r>
+            <a:r>
+              <a:rPr lang="en-US" altLang="zh-CN" i="1" dirty="0" smtClean="0"/>
+              <a:t>REINFORCE algorithms, was introduced back in 1992 by Ronald Williams. Here is </a:t>
             </a:r>
             <a:r>
               <a:rPr lang="en-US" altLang="zh-CN" dirty="0" smtClean="0"/>
-              <a:t>following the </a:t>
-            </a:r>
+              <a:t>one common variant:</a:t>
+            </a:r>
+          </a:p>
+          <a:p>
             <a:r>
               <a:rPr lang="en-US" altLang="zh-CN" dirty="0" smtClean="0"/>
-              <a:t>gradients toward higher rewards. One popular class of PG algorithms, </a:t>
-            </a:r>
-            <a:r>
-              <a:rPr lang="en-US" altLang="zh-CN" dirty="0" smtClean="0"/>
-              <a:t>called </a:t>
-            </a:r>
-            <a:r>
-              <a:rPr lang="en-US" altLang="zh-CN" i="1" dirty="0" smtClean="0"/>
-              <a:t>REINFORCE </a:t>
-            </a:r>
-            <a:r>
-              <a:rPr lang="en-US" altLang="zh-CN" i="1" dirty="0" smtClean="0"/>
-              <a:t>algorithms, was introduced back in </a:t>
-            </a:r>
-            <a:r>
-              <a:rPr lang="en-US" altLang="zh-CN" i="1" dirty="0" smtClean="0"/>
-              <a:t>1992 </a:t>
-            </a:r>
-            <a:r>
-              <a:rPr lang="en-US" altLang="zh-CN" i="1" dirty="0" smtClean="0"/>
-              <a:t>by Ronald Williams. Here </a:t>
-            </a:r>
-            <a:r>
-              <a:rPr lang="en-US" altLang="zh-CN" i="1" dirty="0" smtClean="0"/>
-              <a:t>is </a:t>
-            </a:r>
-            <a:r>
-              <a:rPr lang="en-US" altLang="zh-CN" dirty="0" smtClean="0"/>
-              <a:t>one </a:t>
-            </a:r>
-            <a:r>
-              <a:rPr lang="en-US" altLang="zh-CN" dirty="0" smtClean="0"/>
-              <a:t>common variant:</a:t>
-            </a:r>
-          </a:p>
-          <a:p>
-            <a:r>
-              <a:rPr lang="en-US" altLang="zh-CN" dirty="0" smtClean="0"/>
-              <a:t>First</a:t>
-            </a:r>
-            <a:r>
-              <a:rPr lang="en-US" altLang="zh-CN" dirty="0" smtClean="0"/>
-              <a:t>, let the neural network policy play the game several times and at each </a:t>
-            </a:r>
-            <a:r>
-              <a:rPr lang="en-US" altLang="zh-CN" dirty="0" smtClean="0"/>
-              <a:t>step compute </a:t>
-            </a:r>
-            <a:r>
-              <a:rPr lang="en-US" altLang="zh-CN" dirty="0" smtClean="0"/>
-              <a:t>the gradients that would make the chosen action even more likely, </a:t>
-            </a:r>
-            <a:r>
-              <a:rPr lang="en-US" altLang="zh-CN" dirty="0" smtClean="0"/>
-              <a:t>but don’t </a:t>
-            </a:r>
-            <a:r>
-              <a:rPr lang="en-US" altLang="zh-CN" dirty="0" smtClean="0"/>
-              <a:t>apply these gradients yet.</a:t>
+              <a:t>First, let the neural network policy play the game several times and at each step compute the gradients that would make the chosen action even more likely, but don’t apply these gradients yet.</a:t>
             </a:r>
             <a:endParaRPr lang="zh-CN" altLang="en-US" b="1" dirty="0"/>
           </a:p>
@@ -6225,7 +5797,7 @@
     </p:spTree>
     <p:extLst>
       <p:ext uri="{BB962C8B-B14F-4D97-AF65-F5344CB8AC3E}">
-        <p14:creationId xmlns="" xmlns:p14="http://schemas.microsoft.com/office/powerpoint/2010/main" val="2556623258"/>
+        <p14:creationId xmlns:p14="http://schemas.microsoft.com/office/powerpoint/2010/main" val="2556623258"/>
       </p:ext>
     </p:extLst>
   </p:cSld>
@@ -6301,46 +5873,13 @@
           <a:p>
             <a:r>
               <a:rPr lang="en-US" altLang="zh-CN" sz="2800" dirty="0" smtClean="0"/>
-              <a:t>Once you have run several episodes, compute each action’s </a:t>
-            </a:r>
+              <a:t>Once you have run several episodes, compute each action’s score.</a:t>
+            </a:r>
+          </a:p>
+          <a:p>
             <a:r>
               <a:rPr lang="en-US" altLang="zh-CN" sz="2800" dirty="0" smtClean="0"/>
-              <a:t>score.</a:t>
-            </a:r>
-            <a:endParaRPr lang="en-US" altLang="zh-CN" sz="2800" dirty="0" smtClean="0"/>
-          </a:p>
-          <a:p>
-            <a:r>
-              <a:rPr lang="en-US" altLang="zh-CN" sz="2800" dirty="0" smtClean="0"/>
-              <a:t>If </a:t>
-            </a:r>
-            <a:r>
-              <a:rPr lang="en-US" altLang="zh-CN" sz="2800" dirty="0" smtClean="0"/>
-              <a:t>an action’s score is positive, it means that the action was good and you want </a:t>
-            </a:r>
-            <a:r>
-              <a:rPr lang="en-US" altLang="zh-CN" sz="2800" dirty="0" smtClean="0"/>
-              <a:t>to apply </a:t>
-            </a:r>
-            <a:r>
-              <a:rPr lang="en-US" altLang="zh-CN" sz="2800" dirty="0" smtClean="0"/>
-              <a:t>the gradients computed earlier to make the action even more likely to </a:t>
-            </a:r>
-            <a:r>
-              <a:rPr lang="en-US" altLang="zh-CN" sz="2800" dirty="0" smtClean="0"/>
-              <a:t>be chosen </a:t>
-            </a:r>
-            <a:r>
-              <a:rPr lang="en-US" altLang="zh-CN" sz="2800" dirty="0" smtClean="0"/>
-              <a:t>in the future. However, if the score is negative, it means the action </a:t>
-            </a:r>
-            <a:r>
-              <a:rPr lang="en-US" altLang="zh-CN" sz="2800" dirty="0" smtClean="0"/>
-              <a:t>was bad </a:t>
-            </a:r>
-            <a:r>
-              <a:rPr lang="en-US" altLang="zh-CN" sz="2800" dirty="0" smtClean="0"/>
-              <a:t>and you want to apply the opposite gradients to make this action slightly </a:t>
+              <a:t>If an action’s score is positive, it means that the action was good and you want to apply the gradients computed earlier to make the action even more likely to be chosen in the future. However, if the score is negative, it means the action was bad and you want to apply the opposite gradients to make this action slightly </a:t>
             </a:r>
             <a:r>
               <a:rPr lang="en-US" altLang="zh-CN" sz="2800" i="1" dirty="0" smtClean="0"/>
@@ -6348,37 +5887,13 @@
             </a:r>
             <a:r>
               <a:rPr lang="en-US" altLang="zh-CN" sz="2800" dirty="0" smtClean="0"/>
-              <a:t>likely </a:t>
-            </a:r>
+              <a:t>likely in the future. The solution is simply to multiply each gradient vector by the corresponding action’s score.</a:t>
+            </a:r>
+          </a:p>
+          <a:p>
             <a:r>
               <a:rPr lang="en-US" altLang="zh-CN" sz="2800" dirty="0" smtClean="0"/>
-              <a:t>in the future. The solution is simply to multiply each gradient vector by </a:t>
-            </a:r>
-            <a:r>
-              <a:rPr lang="en-US" altLang="zh-CN" sz="2800" dirty="0" smtClean="0"/>
-              <a:t>the corresponding </a:t>
-            </a:r>
-            <a:r>
-              <a:rPr lang="en-US" altLang="zh-CN" sz="2800" dirty="0" smtClean="0"/>
-              <a:t>action’s score.</a:t>
-            </a:r>
-          </a:p>
-          <a:p>
-            <a:r>
-              <a:rPr lang="en-US" altLang="zh-CN" sz="2800" dirty="0" smtClean="0"/>
-              <a:t>Finally</a:t>
-            </a:r>
-            <a:r>
-              <a:rPr lang="en-US" altLang="zh-CN" sz="2800" dirty="0" smtClean="0"/>
-              <a:t>, compute the mean of all the resulting gradient vectors, and use it to </a:t>
-            </a:r>
-            <a:r>
-              <a:rPr lang="en-US" altLang="zh-CN" sz="2800" dirty="0" smtClean="0"/>
-              <a:t>perform a </a:t>
-            </a:r>
-            <a:r>
-              <a:rPr lang="en-US" altLang="zh-CN" sz="2800" dirty="0" smtClean="0"/>
-              <a:t>Gradient Descent step.</a:t>
+              <a:t>Finally, compute the mean of all the resulting gradient vectors, and use it to perform a Gradient Descent step.</a:t>
             </a:r>
             <a:endParaRPr lang="zh-CN" altLang="en-US" sz="2800" b="1" dirty="0"/>
           </a:p>
@@ -6387,7 +5902,7 @@
     </p:spTree>
     <p:extLst>
       <p:ext uri="{BB962C8B-B14F-4D97-AF65-F5344CB8AC3E}">
-        <p14:creationId xmlns="" xmlns:p14="http://schemas.microsoft.com/office/powerpoint/2010/main" val="2556623258"/>
+        <p14:creationId xmlns:p14="http://schemas.microsoft.com/office/powerpoint/2010/main" val="2556623258"/>
       </p:ext>
     </p:extLst>
   </p:cSld>
@@ -6719,20 +6234,15 @@
             </a:r>
             <a:r>
               <a:rPr lang="en-US" altLang="zh-CN" sz="2400" dirty="0" smtClean="0"/>
-              <a:t>=1</a:t>
-            </a:r>
-            <a:r>
-              <a:rPr lang="en-US" altLang="zh-CN" sz="2400" dirty="0" smtClean="0"/>
-              <a:t>)</a:t>
-            </a:r>
-            <a:endParaRPr lang="en-US" altLang="zh-CN" sz="2400" dirty="0" smtClean="0"/>
+              <a:t>=1)</a:t>
+            </a:r>
           </a:p>
         </p:txBody>
       </p:sp>
     </p:spTree>
     <p:extLst>
       <p:ext uri="{BB962C8B-B14F-4D97-AF65-F5344CB8AC3E}">
-        <p14:creationId xmlns="" xmlns:p14="http://schemas.microsoft.com/office/powerpoint/2010/main" val="2556623258"/>
+        <p14:creationId xmlns:p14="http://schemas.microsoft.com/office/powerpoint/2010/main" val="2556623258"/>
       </p:ext>
     </p:extLst>
   </p:cSld>
@@ -6815,11 +6325,7 @@
             </a:r>
             <a:r>
               <a:rPr lang="en-US" altLang="zh-CN" sz="2400" dirty="0" smtClean="0"/>
-              <a:t>(labels=y</a:t>
-            </a:r>
-            <a:r>
-              <a:rPr lang="en-US" altLang="zh-CN" sz="2400" dirty="0" smtClean="0"/>
-              <a:t>, </a:t>
+              <a:t>(labels=y, </a:t>
             </a:r>
             <a:r>
               <a:rPr lang="en-US" altLang="zh-CN" sz="2400" dirty="0" err="1" smtClean="0"/>
@@ -6970,11 +6476,7 @@
             </a:r>
             <a:r>
               <a:rPr lang="en-US" altLang="zh-CN" sz="2400" dirty="0" smtClean="0"/>
-              <a:t> </a:t>
-            </a:r>
-            <a:r>
-              <a:rPr lang="en-US" altLang="zh-CN" sz="2400" dirty="0" smtClean="0"/>
-              <a:t>= </a:t>
+              <a:t> = </a:t>
             </a:r>
             <a:r>
               <a:rPr lang="en-US" altLang="zh-CN" sz="2400" dirty="0" err="1" smtClean="0"/>
@@ -6982,11 +6484,7 @@
             </a:r>
             <a:r>
               <a:rPr lang="en-US" altLang="zh-CN" sz="2400" dirty="0" smtClean="0"/>
-              <a:t>(tf.float32, </a:t>
-            </a:r>
-            <a:r>
-              <a:rPr lang="en-US" altLang="zh-CN" sz="2400" dirty="0" smtClean="0"/>
-              <a:t> </a:t>
+              <a:t>(tf.float32,  </a:t>
             </a:r>
             <a:br>
               <a:rPr lang="en-US" altLang="zh-CN" sz="2400" dirty="0" smtClean="0"/>
@@ -7123,7 +6621,7 @@
     </p:spTree>
     <p:extLst>
       <p:ext uri="{BB962C8B-B14F-4D97-AF65-F5344CB8AC3E}">
-        <p14:creationId xmlns="" xmlns:p14="http://schemas.microsoft.com/office/powerpoint/2010/main" val="2556623258"/>
+        <p14:creationId xmlns:p14="http://schemas.microsoft.com/office/powerpoint/2010/main" val="2556623258"/>
       </p:ext>
     </p:extLst>
   </p:cSld>
@@ -7210,11 +6708,7 @@
             </a:r>
             <a:r>
               <a:rPr lang="en-US" altLang="zh-CN" sz="2400" dirty="0" smtClean="0"/>
-              <a:t> </a:t>
-            </a:r>
-            <a:r>
-              <a:rPr lang="en-US" altLang="zh-CN" sz="2400" dirty="0" smtClean="0"/>
-              <a:t>= </a:t>
+              <a:t> = </a:t>
             </a:r>
             <a:r>
               <a:rPr lang="en-US" altLang="zh-CN" sz="2400" dirty="0" err="1" smtClean="0"/>
@@ -7247,11 +6741,7 @@
             </a:r>
             <a:r>
               <a:rPr lang="en-US" altLang="zh-CN" sz="2400" dirty="0" smtClean="0"/>
-              <a:t> </a:t>
-            </a:r>
-            <a:r>
-              <a:rPr lang="en-US" altLang="zh-CN" sz="2400" dirty="0" smtClean="0"/>
-              <a:t>= 0</a:t>
+              <a:t> = 0</a:t>
             </a:r>
           </a:p>
           <a:p>
@@ -7260,11 +6750,7 @@
             </a:pPr>
             <a:r>
               <a:rPr lang="en-US" altLang="zh-CN" sz="2400" b="1" dirty="0" smtClean="0"/>
-              <a:t>    for </a:t>
-            </a:r>
-            <a:r>
-              <a:rPr lang="en-US" altLang="zh-CN" sz="2400" b="1" dirty="0" smtClean="0"/>
-              <a:t>step in reversed(range(</a:t>
+              <a:t>    for step in reversed(range(</a:t>
             </a:r>
             <a:r>
               <a:rPr lang="en-US" altLang="zh-CN" sz="2400" b="1" dirty="0" err="1" smtClean="0"/>
@@ -7289,11 +6775,7 @@
             </a:r>
             <a:r>
               <a:rPr lang="en-US" altLang="zh-CN" sz="2400" dirty="0" smtClean="0"/>
-              <a:t> </a:t>
-            </a:r>
-            <a:r>
-              <a:rPr lang="en-US" altLang="zh-CN" sz="2400" dirty="0" smtClean="0"/>
-              <a:t>= rewards[step] + </a:t>
+              <a:t> = rewards[step] + </a:t>
             </a:r>
             <a:r>
               <a:rPr lang="en-US" altLang="zh-CN" sz="2400" dirty="0" err="1" smtClean="0"/>
@@ -7301,11 +6783,7 @@
             </a:r>
             <a:r>
               <a:rPr lang="en-US" altLang="zh-CN" sz="2400" dirty="0" smtClean="0"/>
-              <a:t> * </a:t>
-            </a:r>
-            <a:r>
-              <a:rPr lang="en-US" altLang="zh-CN" sz="2400" dirty="0" smtClean="0"/>
-              <a:t>  </a:t>
+              <a:t> *   </a:t>
             </a:r>
             <a:br>
               <a:rPr lang="en-US" altLang="zh-CN" sz="2400" dirty="0" smtClean="0"/>
@@ -7334,11 +6812,7 @@
             </a:r>
             <a:r>
               <a:rPr lang="en-US" altLang="zh-CN" sz="2400" dirty="0" smtClean="0"/>
-              <a:t>[step</a:t>
-            </a:r>
-            <a:r>
-              <a:rPr lang="en-US" altLang="zh-CN" sz="2400" dirty="0" smtClean="0"/>
-              <a:t>] = </a:t>
+              <a:t>[step] = </a:t>
             </a:r>
             <a:r>
               <a:rPr lang="en-US" altLang="zh-CN" sz="2400" dirty="0" err="1" smtClean="0"/>
@@ -7407,11 +6881,7 @@
             </a:r>
             <a:r>
               <a:rPr lang="en-US" altLang="zh-CN" sz="2400" dirty="0" smtClean="0"/>
-              <a:t> </a:t>
-            </a:r>
-            <a:r>
-              <a:rPr lang="en-US" altLang="zh-CN" sz="2400" dirty="0" smtClean="0"/>
-              <a:t>= [</a:t>
+              <a:t> = [</a:t>
             </a:r>
             <a:r>
               <a:rPr lang="en-US" altLang="zh-CN" sz="2400" dirty="0" err="1" smtClean="0"/>
@@ -7423,15 +6893,7 @@
             </a:r>
             <a:r>
               <a:rPr lang="en-US" altLang="zh-CN" sz="2400" b="1" dirty="0" smtClean="0"/>
-              <a:t>for </a:t>
-            </a:r>
-            <a:r>
-              <a:rPr lang="en-US" altLang="zh-CN" sz="2400" b="1" dirty="0" smtClean="0"/>
-              <a:t>rewards in </a:t>
-            </a:r>
-            <a:r>
-              <a:rPr lang="en-US" altLang="zh-CN" sz="2400" b="1" dirty="0" smtClean="0"/>
-              <a:t/>
+              <a:t>for rewards in </a:t>
             </a:r>
             <a:br>
               <a:rPr lang="en-US" altLang="zh-CN" sz="2400" b="1" dirty="0" smtClean="0"/>
@@ -7463,11 +6925,7 @@
             </a:r>
             <a:r>
               <a:rPr lang="en-US" altLang="zh-CN" sz="2400" dirty="0" smtClean="0"/>
-              <a:t> </a:t>
-            </a:r>
-            <a:r>
-              <a:rPr lang="en-US" altLang="zh-CN" sz="2400" dirty="0" smtClean="0"/>
-              <a:t>= </a:t>
+              <a:t> = </a:t>
             </a:r>
             <a:r>
               <a:rPr lang="en-US" altLang="zh-CN" sz="2400" dirty="0" err="1" smtClean="0"/>
@@ -7500,11 +6958,7 @@
             </a:r>
             <a:r>
               <a:rPr lang="en-US" altLang="zh-CN" sz="2400" dirty="0" smtClean="0"/>
-              <a:t> </a:t>
-            </a:r>
-            <a:r>
-              <a:rPr lang="en-US" altLang="zh-CN" sz="2400" dirty="0" smtClean="0"/>
-              <a:t>= </a:t>
+              <a:t> = </a:t>
             </a:r>
             <a:r>
               <a:rPr lang="en-US" altLang="zh-CN" sz="2400" dirty="0" err="1" smtClean="0"/>
@@ -7529,11 +6983,7 @@
             </a:r>
             <a:r>
               <a:rPr lang="en-US" altLang="zh-CN" sz="2400" dirty="0" smtClean="0"/>
-              <a:t> </a:t>
-            </a:r>
-            <a:r>
-              <a:rPr lang="en-US" altLang="zh-CN" sz="2400" dirty="0" smtClean="0"/>
-              <a:t>= flat_rewards.std()</a:t>
+              <a:t> = flat_rewards.std()</a:t>
             </a:r>
           </a:p>
           <a:p>
@@ -7542,11 +6992,7 @@
             </a:pPr>
             <a:r>
               <a:rPr lang="en-US" altLang="zh-CN" sz="2400" b="1" dirty="0" smtClean="0"/>
-              <a:t>    return </a:t>
-            </a:r>
-            <a:r>
-              <a:rPr lang="en-US" altLang="zh-CN" sz="2400" b="1" dirty="0" smtClean="0"/>
-              <a:t>[(</a:t>
+              <a:t>    return [(</a:t>
             </a:r>
             <a:r>
               <a:rPr lang="en-US" altLang="zh-CN" sz="2400" b="1" dirty="0" err="1" smtClean="0"/>
@@ -7585,11 +7031,7 @@
             </a:r>
             <a:r>
               <a:rPr lang="en-US" altLang="zh-CN" sz="2400" b="1" dirty="0" smtClean="0"/>
-              <a:t> </a:t>
-            </a:r>
-            <a:r>
-              <a:rPr lang="en-US" altLang="zh-CN" sz="2400" b="1" dirty="0" smtClean="0"/>
-              <a:t>in </a:t>
+              <a:t> in </a:t>
             </a:r>
             <a:r>
               <a:rPr lang="en-US" altLang="zh-CN" sz="2400" b="1" dirty="0" err="1" smtClean="0"/>
@@ -7606,7 +7048,7 @@
     </p:spTree>
     <p:extLst>
       <p:ext uri="{BB962C8B-B14F-4D97-AF65-F5344CB8AC3E}">
-        <p14:creationId xmlns="" xmlns:p14="http://schemas.microsoft.com/office/powerpoint/2010/main" val="2556623258"/>
+        <p14:creationId xmlns:p14="http://schemas.microsoft.com/office/powerpoint/2010/main" val="2556623258"/>
       </p:ext>
     </p:extLst>
   </p:cSld>
@@ -7704,10 +7146,6 @@
               <a:rPr lang="en-US" altLang="zh-CN" sz="2400" b="1" dirty="0" smtClean="0"/>
               <a:t>([[10, 0, -50], [10, 20]], </a:t>
             </a:r>
-            <a:r>
-              <a:rPr lang="en-US" altLang="zh-CN" sz="2400" b="1" dirty="0" smtClean="0"/>
-              <a:t/>
-            </a:r>
             <a:br>
               <a:rPr lang="en-US" altLang="zh-CN" sz="2400" b="1" dirty="0" smtClean="0"/>
             </a:br>
@@ -7721,11 +7159,7 @@
             </a:r>
             <a:r>
               <a:rPr lang="en-US" altLang="zh-CN" sz="2400" b="1" dirty="0" smtClean="0"/>
-              <a:t>=0.8</a:t>
-            </a:r>
-            <a:r>
-              <a:rPr lang="en-US" altLang="zh-CN" sz="2400" b="1" dirty="0" smtClean="0"/>
-              <a:t>)</a:t>
+              <a:t>=0.8)</a:t>
             </a:r>
           </a:p>
           <a:p>
@@ -7752,7 +7186,7 @@
     </p:spTree>
     <p:extLst>
       <p:ext uri="{BB962C8B-B14F-4D97-AF65-F5344CB8AC3E}">
-        <p14:creationId xmlns="" xmlns:p14="http://schemas.microsoft.com/office/powerpoint/2010/main" val="2556623258"/>
+        <p14:creationId xmlns:p14="http://schemas.microsoft.com/office/powerpoint/2010/main" val="2556623258"/>
       </p:ext>
     </p:extLst>
   </p:cSld>
@@ -7878,20 +7312,15 @@
             </a:r>
             <a:r>
               <a:rPr lang="en-US" altLang="zh-CN" sz="2400" dirty="0" smtClean="0"/>
-              <a:t> = </a:t>
-            </a:r>
-            <a:r>
-              <a:rPr lang="en-US" altLang="zh-CN" sz="2400" dirty="0" smtClean="0"/>
-              <a:t>0.95</a:t>
-            </a:r>
-            <a:endParaRPr lang="en-US" altLang="zh-CN" sz="2400" dirty="0" smtClean="0"/>
+              <a:t> = 0.95</a:t>
+            </a:r>
           </a:p>
         </p:txBody>
       </p:sp>
     </p:spTree>
     <p:extLst>
       <p:ext uri="{BB962C8B-B14F-4D97-AF65-F5344CB8AC3E}">
-        <p14:creationId xmlns="" xmlns:p14="http://schemas.microsoft.com/office/powerpoint/2010/main" val="2556623258"/>
+        <p14:creationId xmlns:p14="http://schemas.microsoft.com/office/powerpoint/2010/main" val="2556623258"/>
       </p:ext>
     </p:extLst>
   </p:cSld>
@@ -7982,11 +7411,7 @@
             </a:pPr>
             <a:r>
               <a:rPr lang="en-US" altLang="zh-CN" sz="2400" b="1" dirty="0" smtClean="0"/>
-              <a:t>    for </a:t>
-            </a:r>
-            <a:r>
-              <a:rPr lang="en-US" altLang="zh-CN" sz="2400" b="1" dirty="0" smtClean="0"/>
-              <a:t>iteration in range(</a:t>
+              <a:t>    for iteration in range(</a:t>
             </a:r>
             <a:r>
               <a:rPr lang="en-US" altLang="zh-CN" sz="2400" b="1" dirty="0" err="1" smtClean="0"/>
@@ -8011,11 +7436,7 @@
             </a:r>
             <a:r>
               <a:rPr lang="en-US" altLang="zh-CN" sz="2400" dirty="0" smtClean="0"/>
-              <a:t> </a:t>
-            </a:r>
-            <a:r>
-              <a:rPr lang="en-US" altLang="zh-CN" sz="2400" dirty="0" smtClean="0"/>
-              <a:t>= [] </a:t>
+              <a:t> = [] </a:t>
             </a:r>
             <a:r>
               <a:rPr lang="en-US" altLang="zh-CN" sz="2400" i="1" dirty="0" smtClean="0"/>
@@ -8036,11 +7457,7 @@
             </a:r>
             <a:r>
               <a:rPr lang="en-US" altLang="zh-CN" sz="2400" dirty="0" smtClean="0"/>
-              <a:t> </a:t>
-            </a:r>
-            <a:r>
-              <a:rPr lang="en-US" altLang="zh-CN" sz="2400" dirty="0" smtClean="0"/>
-              <a:t>= [] </a:t>
+              <a:t> = [] </a:t>
             </a:r>
             <a:r>
               <a:rPr lang="en-US" altLang="zh-CN" sz="2400" i="1" dirty="0" smtClean="0"/>
@@ -8053,11 +7470,7 @@
             </a:pPr>
             <a:r>
               <a:rPr lang="en-US" altLang="zh-CN" sz="2400" b="1" dirty="0" smtClean="0"/>
-              <a:t>        for </a:t>
-            </a:r>
-            <a:r>
-              <a:rPr lang="en-US" altLang="zh-CN" sz="2400" b="1" dirty="0" smtClean="0"/>
-              <a:t>game in range(</a:t>
+              <a:t>        for game in range(</a:t>
             </a:r>
             <a:r>
               <a:rPr lang="en-US" altLang="zh-CN" sz="2400" b="1" dirty="0" err="1" smtClean="0"/>
@@ -8082,11 +7495,7 @@
             </a:r>
             <a:r>
               <a:rPr lang="en-US" altLang="zh-CN" sz="2400" dirty="0" smtClean="0"/>
-              <a:t> </a:t>
-            </a:r>
-            <a:r>
-              <a:rPr lang="en-US" altLang="zh-CN" sz="2400" dirty="0" smtClean="0"/>
-              <a:t>= [] </a:t>
+              <a:t> = [] </a:t>
             </a:r>
             <a:r>
               <a:rPr lang="en-US" altLang="zh-CN" sz="2400" i="1" dirty="0" smtClean="0"/>
@@ -8107,19 +7516,11 @@
             </a:r>
             <a:r>
               <a:rPr lang="en-US" altLang="zh-CN" sz="2400" dirty="0" smtClean="0"/>
-              <a:t> </a:t>
-            </a:r>
-            <a:r>
-              <a:rPr lang="en-US" altLang="zh-CN" sz="2400" dirty="0" smtClean="0"/>
-              <a:t>= [] </a:t>
+              <a:t> = [] </a:t>
             </a:r>
             <a:r>
               <a:rPr lang="en-US" altLang="zh-CN" sz="2400" i="1" dirty="0" smtClean="0"/>
-              <a:t># all gradients from the current </a:t>
-            </a:r>
-            <a:r>
-              <a:rPr lang="en-US" altLang="zh-CN" sz="2400" i="1" dirty="0" smtClean="0"/>
-              <a:t>episode</a:t>
+              <a:t># all gradients from the current episode</a:t>
             </a:r>
           </a:p>
           <a:p>
@@ -8136,11 +7537,7 @@
             </a:r>
             <a:r>
               <a:rPr lang="en-US" altLang="zh-CN" sz="2400" dirty="0" smtClean="0"/>
-              <a:t> </a:t>
-            </a:r>
-            <a:r>
-              <a:rPr lang="en-US" altLang="zh-CN" sz="2400" dirty="0" smtClean="0"/>
-              <a:t>= </a:t>
+              <a:t> = </a:t>
             </a:r>
             <a:r>
               <a:rPr lang="en-US" altLang="zh-CN" sz="2400" dirty="0" err="1" smtClean="0"/>
@@ -8157,11 +7554,7 @@
             </a:pPr>
             <a:r>
               <a:rPr lang="en-US" altLang="zh-CN" sz="2400" b="1" dirty="0" smtClean="0"/>
-              <a:t>            for </a:t>
-            </a:r>
-            <a:r>
-              <a:rPr lang="en-US" altLang="zh-CN" sz="2400" b="1" dirty="0" smtClean="0"/>
-              <a:t>step in range(</a:t>
+              <a:t>            for step in range(</a:t>
             </a:r>
             <a:r>
               <a:rPr lang="en-US" altLang="zh-CN" sz="2400" b="1" dirty="0" err="1" smtClean="0"/>
@@ -8202,11 +7595,7 @@
             </a:r>
             <a:r>
               <a:rPr lang="en-US" altLang="zh-CN" sz="2400" dirty="0" smtClean="0"/>
-              <a:t>([</a:t>
-            </a:r>
-            <a:r>
-              <a:rPr lang="en-US" altLang="zh-CN" sz="2400" dirty="0" smtClean="0"/>
-              <a:t>action, gradients],</a:t>
+              <a:t>([action, gradients],</a:t>
             </a:r>
           </a:p>
           <a:p>
@@ -8298,11 +7687,7 @@
             </a:r>
             <a:r>
               <a:rPr lang="en-US" altLang="zh-CN" sz="2400" dirty="0" smtClean="0"/>
-              <a:t>(reward</a:t>
-            </a:r>
-            <a:r>
-              <a:rPr lang="en-US" altLang="zh-CN" sz="2400" dirty="0" smtClean="0"/>
-              <a:t>)</a:t>
+              <a:t>(reward)</a:t>
             </a:r>
           </a:p>
           <a:p>
@@ -8384,7 +7769,7 @@
     </p:spTree>
     <p:extLst>
       <p:ext uri="{BB962C8B-B14F-4D97-AF65-F5344CB8AC3E}">
-        <p14:creationId xmlns="" xmlns:p14="http://schemas.microsoft.com/office/powerpoint/2010/main" val="2556623258"/>
+        <p14:creationId xmlns:p14="http://schemas.microsoft.com/office/powerpoint/2010/main" val="2556623258"/>
       </p:ext>
     </p:extLst>
   </p:cSld>
@@ -8438,24 +7823,16 @@
             </a:pPr>
             <a:r>
               <a:rPr lang="en-US" altLang="zh-CN" sz="2400" i="1" dirty="0" smtClean="0"/>
-              <a:t>        # </a:t>
-            </a:r>
+              <a:t>        # At this point we have run the policy for 10 episodes, and we are</a:t>
+            </a:r>
+          </a:p>
+          <a:p>
+            <a:pPr>
+              <a:buNone/>
+            </a:pPr>
             <a:r>
               <a:rPr lang="en-US" altLang="zh-CN" sz="2400" i="1" dirty="0" smtClean="0"/>
-              <a:t>At this point we have run the policy for 10 episodes, and we are</a:t>
-            </a:r>
-          </a:p>
-          <a:p>
-            <a:pPr>
-              <a:buNone/>
-            </a:pPr>
-            <a:r>
-              <a:rPr lang="en-US" altLang="zh-CN" sz="2400" i="1" dirty="0" smtClean="0"/>
-              <a:t>        # </a:t>
-            </a:r>
-            <a:r>
-              <a:rPr lang="en-US" altLang="zh-CN" sz="2400" i="1" dirty="0" smtClean="0"/>
-              <a:t>ready for a policy update using the algorithm described earlier.</a:t>
+              <a:t>        # ready for a policy update using the algorithm described earlier.</a:t>
             </a:r>
           </a:p>
           <a:p>
@@ -8472,11 +7849,7 @@
             </a:r>
             <a:r>
               <a:rPr lang="en-US" altLang="zh-CN" sz="2400" dirty="0" smtClean="0"/>
-              <a:t> </a:t>
-            </a:r>
-            <a:r>
-              <a:rPr lang="en-US" altLang="zh-CN" sz="2400" dirty="0" smtClean="0"/>
-              <a:t>= </a:t>
+              <a:t> = </a:t>
             </a:r>
             <a:r>
               <a:rPr lang="en-US" altLang="zh-CN" sz="2400" dirty="0" err="1" smtClean="0"/>
@@ -8509,11 +7882,7 @@
             </a:r>
             <a:r>
               <a:rPr lang="en-US" altLang="zh-CN" sz="2400" dirty="0" smtClean="0"/>
-              <a:t> </a:t>
-            </a:r>
-            <a:r>
-              <a:rPr lang="en-US" altLang="zh-CN" sz="2400" dirty="0" smtClean="0"/>
-              <a:t>= {}</a:t>
+              <a:t> = {}</a:t>
             </a:r>
           </a:p>
           <a:p>
@@ -8539,10 +7908,6 @@
             <a:r>
               <a:rPr lang="en-US" altLang="zh-CN" sz="2400" b="1" dirty="0" smtClean="0"/>
               <a:t> in </a:t>
-            </a:r>
-            <a:r>
-              <a:rPr lang="en-US" altLang="zh-CN" sz="2400" b="1" dirty="0" smtClean="0"/>
-              <a:t/>
             </a:r>
             <a:br>
               <a:rPr lang="en-US" altLang="zh-CN" sz="2400" b="1" dirty="0" smtClean="0"/>
@@ -8566,11 +7931,7 @@
             </a:pPr>
             <a:r>
               <a:rPr lang="en-US" altLang="zh-CN" sz="2400" i="1" dirty="0" smtClean="0"/>
-              <a:t>     # </a:t>
-            </a:r>
-            <a:r>
-              <a:rPr lang="en-US" altLang="zh-CN" sz="2400" i="1" dirty="0" smtClean="0"/>
-              <a:t>multiply the gradients by the action scores, and compute the mean</a:t>
+              <a:t>     # multiply the gradients by the action scores, and compute the mean</a:t>
             </a:r>
           </a:p>
           <a:p>
@@ -8587,11 +7948,7 @@
             </a:r>
             <a:r>
               <a:rPr lang="en-US" altLang="zh-CN" sz="2400" dirty="0" smtClean="0"/>
-              <a:t> </a:t>
-            </a:r>
-            <a:r>
-              <a:rPr lang="en-US" altLang="zh-CN" sz="2400" dirty="0" smtClean="0"/>
-              <a:t>= </a:t>
+              <a:t> = </a:t>
             </a:r>
             <a:r>
               <a:rPr lang="en-US" altLang="zh-CN" sz="2400" dirty="0" err="1" smtClean="0"/>
@@ -8608,15 +7965,7 @@
             </a:pPr>
             <a:r>
               <a:rPr lang="en-US" altLang="zh-CN" sz="2400" dirty="0" smtClean="0"/>
-              <a:t> </a:t>
-            </a:r>
-            <a:r>
-              <a:rPr lang="en-US" altLang="zh-CN" sz="2400" dirty="0" smtClean="0"/>
-              <a:t>                    [</a:t>
-            </a:r>
-            <a:r>
-              <a:rPr lang="en-US" altLang="zh-CN" sz="2400" dirty="0" smtClean="0"/>
-              <a:t>reward * </a:t>
+              <a:t>                     [reward * </a:t>
             </a:r>
             <a:r>
               <a:rPr lang="en-US" altLang="zh-CN" sz="2400" dirty="0" err="1" smtClean="0"/>
@@ -8674,120 +8023,100 @@
             </a:pPr>
             <a:r>
               <a:rPr lang="en-US" altLang="zh-CN" sz="2400" b="1" dirty="0" smtClean="0"/>
-              <a:t>                     for </a:t>
-            </a:r>
+              <a:t>                     for step, reward in enumerate(rewards)],</a:t>
+            </a:r>
+          </a:p>
+          <a:p>
+            <a:pPr>
+              <a:buNone/>
+            </a:pPr>
             <a:r>
               <a:rPr lang="en-US" altLang="zh-CN" sz="2400" b="1" dirty="0" smtClean="0"/>
-              <a:t>step, reward in enumerate(rewards</a:t>
-            </a:r>
+              <a:t>                     </a:t>
+            </a:r>
+            <a:r>
+              <a:rPr lang="en-US" altLang="zh-CN" sz="2400" dirty="0" smtClean="0"/>
+              <a:t>axis=0)</a:t>
+            </a:r>
+          </a:p>
+          <a:p>
+            <a:pPr>
+              <a:buNone/>
+            </a:pPr>
+            <a:r>
+              <a:rPr lang="en-US" altLang="zh-CN" sz="2400" dirty="0" smtClean="0"/>
+              <a:t>            </a:t>
+            </a:r>
+            <a:r>
+              <a:rPr lang="en-US" altLang="zh-CN" sz="2400" dirty="0" err="1" smtClean="0"/>
+              <a:t>feed_dict</a:t>
+            </a:r>
+            <a:r>
+              <a:rPr lang="en-US" altLang="zh-CN" sz="2400" dirty="0" smtClean="0"/>
+              <a:t>[</a:t>
+            </a:r>
+            <a:r>
+              <a:rPr lang="en-US" altLang="zh-CN" sz="2400" dirty="0" err="1" smtClean="0"/>
+              <a:t>grad_placeholder</a:t>
+            </a:r>
+            <a:r>
+              <a:rPr lang="en-US" altLang="zh-CN" sz="2400" dirty="0" smtClean="0"/>
+              <a:t>] = </a:t>
+            </a:r>
+            <a:r>
+              <a:rPr lang="en-US" altLang="zh-CN" sz="2400" dirty="0" err="1" smtClean="0"/>
+              <a:t>mean_gradients</a:t>
+            </a:r>
+            <a:endParaRPr lang="en-US" altLang="zh-CN" sz="2400" dirty="0" smtClean="0"/>
+          </a:p>
+          <a:p>
+            <a:pPr>
+              <a:buNone/>
+            </a:pPr>
+            <a:r>
+              <a:rPr lang="en-US" altLang="zh-CN" sz="2400" dirty="0" smtClean="0"/>
+              <a:t>        </a:t>
+            </a:r>
+            <a:r>
+              <a:rPr lang="en-US" altLang="zh-CN" sz="2400" dirty="0" err="1" smtClean="0"/>
+              <a:t>sess.run</a:t>
+            </a:r>
+            <a:r>
+              <a:rPr lang="en-US" altLang="zh-CN" sz="2400" dirty="0" smtClean="0"/>
+              <a:t>(</a:t>
+            </a:r>
+            <a:r>
+              <a:rPr lang="en-US" altLang="zh-CN" sz="2400" dirty="0" err="1" smtClean="0"/>
+              <a:t>training_op</a:t>
+            </a:r>
+            <a:r>
+              <a:rPr lang="en-US" altLang="zh-CN" sz="2400" dirty="0" smtClean="0"/>
+              <a:t>, </a:t>
+            </a:r>
+            <a:r>
+              <a:rPr lang="en-US" altLang="zh-CN" sz="2400" dirty="0" err="1" smtClean="0"/>
+              <a:t>feed_dict</a:t>
+            </a:r>
+            <a:r>
+              <a:rPr lang="en-US" altLang="zh-CN" sz="2400" dirty="0" smtClean="0"/>
+              <a:t>=</a:t>
+            </a:r>
+            <a:r>
+              <a:rPr lang="en-US" altLang="zh-CN" sz="2400" dirty="0" err="1" smtClean="0"/>
+              <a:t>feed_dict</a:t>
+            </a:r>
+            <a:r>
+              <a:rPr lang="en-US" altLang="zh-CN" sz="2400" dirty="0" smtClean="0"/>
+              <a:t>)</a:t>
+            </a:r>
+          </a:p>
+          <a:p>
+            <a:pPr>
+              <a:buNone/>
+            </a:pPr>
             <a:r>
               <a:rPr lang="en-US" altLang="zh-CN" sz="2400" b="1" dirty="0" smtClean="0"/>
-              <a:t>)],</a:t>
-            </a:r>
-          </a:p>
-          <a:p>
-            <a:pPr>
-              <a:buNone/>
-            </a:pPr>
-            <a:r>
-              <a:rPr lang="en-US" altLang="zh-CN" sz="2400" b="1" dirty="0" smtClean="0"/>
-              <a:t> </a:t>
-            </a:r>
-            <a:r>
-              <a:rPr lang="en-US" altLang="zh-CN" sz="2400" b="1" dirty="0" smtClean="0"/>
-              <a:t>                    </a:t>
-            </a:r>
-            <a:r>
-              <a:rPr lang="en-US" altLang="zh-CN" sz="2400" dirty="0" smtClean="0"/>
-              <a:t>axis=0</a:t>
-            </a:r>
-            <a:r>
-              <a:rPr lang="en-US" altLang="zh-CN" sz="2400" dirty="0" smtClean="0"/>
-              <a:t>)</a:t>
-            </a:r>
-          </a:p>
-          <a:p>
-            <a:pPr>
-              <a:buNone/>
-            </a:pPr>
-            <a:r>
-              <a:rPr lang="en-US" altLang="zh-CN" sz="2400" dirty="0" smtClean="0"/>
-              <a:t>            </a:t>
-            </a:r>
-            <a:r>
-              <a:rPr lang="en-US" altLang="zh-CN" sz="2400" dirty="0" err="1" smtClean="0"/>
-              <a:t>feed_dict</a:t>
-            </a:r>
-            <a:r>
-              <a:rPr lang="en-US" altLang="zh-CN" sz="2400" dirty="0" smtClean="0"/>
-              <a:t>[</a:t>
-            </a:r>
-            <a:r>
-              <a:rPr lang="en-US" altLang="zh-CN" sz="2400" dirty="0" err="1" smtClean="0"/>
-              <a:t>grad_placeholder</a:t>
-            </a:r>
-            <a:r>
-              <a:rPr lang="en-US" altLang="zh-CN" sz="2400" dirty="0" smtClean="0"/>
-              <a:t>] = </a:t>
-            </a:r>
-            <a:r>
-              <a:rPr lang="en-US" altLang="zh-CN" sz="2400" dirty="0" err="1" smtClean="0"/>
-              <a:t>mean_gradients</a:t>
-            </a:r>
-            <a:endParaRPr lang="en-US" altLang="zh-CN" sz="2400" dirty="0" smtClean="0"/>
-          </a:p>
-          <a:p>
-            <a:pPr>
-              <a:buNone/>
-            </a:pPr>
-            <a:r>
-              <a:rPr lang="en-US" altLang="zh-CN" sz="2400" dirty="0" smtClean="0"/>
-              <a:t>        </a:t>
-            </a:r>
-            <a:r>
-              <a:rPr lang="en-US" altLang="zh-CN" sz="2400" dirty="0" err="1" smtClean="0"/>
-              <a:t>sess.run</a:t>
-            </a:r>
-            <a:r>
-              <a:rPr lang="en-US" altLang="zh-CN" sz="2400" dirty="0" smtClean="0"/>
-              <a:t>(</a:t>
-            </a:r>
-            <a:r>
-              <a:rPr lang="en-US" altLang="zh-CN" sz="2400" dirty="0" err="1" smtClean="0"/>
-              <a:t>training_op</a:t>
-            </a:r>
-            <a:r>
-              <a:rPr lang="en-US" altLang="zh-CN" sz="2400" dirty="0" smtClean="0"/>
-              <a:t>, </a:t>
-            </a:r>
-            <a:r>
-              <a:rPr lang="en-US" altLang="zh-CN" sz="2400" dirty="0" err="1" smtClean="0"/>
-              <a:t>feed_dict</a:t>
-            </a:r>
-            <a:r>
-              <a:rPr lang="en-US" altLang="zh-CN" sz="2400" dirty="0" smtClean="0"/>
-              <a:t>=</a:t>
-            </a:r>
-            <a:r>
-              <a:rPr lang="en-US" altLang="zh-CN" sz="2400" dirty="0" err="1" smtClean="0"/>
-              <a:t>feed_dict</a:t>
-            </a:r>
-            <a:r>
-              <a:rPr lang="en-US" altLang="zh-CN" sz="2400" dirty="0" smtClean="0"/>
-              <a:t>)</a:t>
-            </a:r>
-          </a:p>
-          <a:p>
-            <a:pPr>
-              <a:buNone/>
-            </a:pPr>
-            <a:r>
-              <a:rPr lang="en-US" altLang="zh-CN" sz="2400" b="1" dirty="0" smtClean="0"/>
-              <a:t>        if </a:t>
-            </a:r>
-            <a:r>
-              <a:rPr lang="en-US" altLang="zh-CN" sz="2400" b="1" dirty="0" smtClean="0"/>
-              <a:t>iteration % </a:t>
+              <a:t>        if iteration % </a:t>
             </a:r>
             <a:r>
               <a:rPr lang="en-US" altLang="zh-CN" sz="2400" b="1" dirty="0" err="1" smtClean="0"/>
@@ -8837,7 +8166,7 @@
     </p:spTree>
     <p:extLst>
       <p:ext uri="{BB962C8B-B14F-4D97-AF65-F5344CB8AC3E}">
-        <p14:creationId xmlns="" xmlns:p14="http://schemas.microsoft.com/office/powerpoint/2010/main" val="2556623258"/>
+        <p14:creationId xmlns:p14="http://schemas.microsoft.com/office/powerpoint/2010/main" val="2556623258"/>
       </p:ext>
     </p:extLst>
   </p:cSld>
@@ -8915,71 +8244,27 @@
             </a:r>
             <a:r>
               <a:rPr lang="en-US" altLang="zh-CN" i="1" dirty="0" smtClean="0"/>
-              <a:t>agent makes observations and takes </a:t>
+              <a:t>agent makes observations and takes actions </a:t>
+            </a:r>
+            <a:r>
+              <a:rPr lang="en-US" altLang="zh-CN" dirty="0" smtClean="0"/>
+              <a:t>within an </a:t>
             </a:r>
             <a:r>
               <a:rPr lang="en-US" altLang="zh-CN" i="1" dirty="0" smtClean="0"/>
-              <a:t>actions </a:t>
+              <a:t>environment, and in return it receives rewards. Its objective is to learn to act </a:t>
             </a:r>
             <a:r>
               <a:rPr lang="en-US" altLang="zh-CN" dirty="0" smtClean="0"/>
-              <a:t>within </a:t>
+              <a:t>in a way that will maximize its expected long-term rewards. If you don’t mind a bit of anthropomorphism, you can think of positive rewards as pleasure, and negative rewards as </a:t>
             </a:r>
             <a:r>
               <a:rPr lang="en-US" altLang="zh-CN" dirty="0" smtClean="0"/>
-              <a:t>an </a:t>
-            </a:r>
-            <a:r>
-              <a:rPr lang="en-US" altLang="zh-CN" i="1" dirty="0" smtClean="0"/>
-              <a:t>environment, and in return it receives rewards. Its objective is to learn to </a:t>
-            </a:r>
-            <a:r>
-              <a:rPr lang="en-US" altLang="zh-CN" i="1" dirty="0" smtClean="0"/>
-              <a:t>act </a:t>
+              <a:t>pain. </a:t>
             </a:r>
             <a:r>
               <a:rPr lang="en-US" altLang="zh-CN" dirty="0" smtClean="0"/>
-              <a:t>in </a:t>
-            </a:r>
-            <a:r>
-              <a:rPr lang="en-US" altLang="zh-CN" dirty="0" smtClean="0"/>
-              <a:t>a way that will maximize its expected long-term rewards. If you don’t mind a bit </a:t>
-            </a:r>
-            <a:r>
-              <a:rPr lang="en-US" altLang="zh-CN" dirty="0" smtClean="0"/>
-              <a:t>of anthropomorphism</a:t>
-            </a:r>
-            <a:r>
-              <a:rPr lang="en-US" altLang="zh-CN" dirty="0" smtClean="0"/>
-              <a:t>, you can think of positive rewards as pleasure, and </a:t>
-            </a:r>
-            <a:r>
-              <a:rPr lang="en-US" altLang="zh-CN" dirty="0" smtClean="0"/>
-              <a:t>negative rewards </a:t>
-            </a:r>
-            <a:r>
-              <a:rPr lang="en-US" altLang="zh-CN" dirty="0" smtClean="0"/>
-              <a:t>as pain (the term “reward” is a bit misleading in this case). In short, the </a:t>
-            </a:r>
-            <a:r>
-              <a:rPr lang="en-US" altLang="zh-CN" dirty="0" smtClean="0"/>
-              <a:t>agent acts </a:t>
-            </a:r>
-            <a:r>
-              <a:rPr lang="en-US" altLang="zh-CN" dirty="0" smtClean="0"/>
-              <a:t>in the environment and learns by trial and error to maximize its pleasure </a:t>
-            </a:r>
-            <a:r>
-              <a:rPr lang="en-US" altLang="zh-CN" dirty="0" smtClean="0"/>
-              <a:t>and minimize </a:t>
-            </a:r>
-            <a:r>
-              <a:rPr lang="en-US" altLang="zh-CN" dirty="0" smtClean="0"/>
-              <a:t>its </a:t>
-            </a:r>
-            <a:r>
-              <a:rPr lang="en-US" altLang="zh-CN" dirty="0" smtClean="0"/>
-              <a:t>pain.</a:t>
+              <a:t>In short, the agent acts in the environment and learns by trial and error to maximize its pleasure and minimize its pain.</a:t>
             </a:r>
             <a:endParaRPr lang="zh-CN" altLang="en-US" sz="2800" b="1" dirty="0"/>
           </a:p>
@@ -8988,13 +8273,20 @@
     </p:spTree>
     <p:extLst>
       <p:ext uri="{BB962C8B-B14F-4D97-AF65-F5344CB8AC3E}">
-        <p14:creationId xmlns="" xmlns:p14="http://schemas.microsoft.com/office/powerpoint/2010/main" val="2556623258"/>
+        <p14:creationId xmlns:p14="http://schemas.microsoft.com/office/powerpoint/2010/main" val="2556623258"/>
       </p:ext>
     </p:extLst>
   </p:cSld>
   <p:clrMapOvr>
     <a:masterClrMapping/>
   </p:clrMapOvr>
+  <p:timing>
+    <p:tnLst>
+      <p:par>
+        <p:cTn id="1" dur="indefinite" restart="never" nodeType="tmRoot"/>
+      </p:par>
+    </p:tnLst>
+  </p:timing>
 </p:sld>
 </file>
 
@@ -9064,47 +8356,7 @@
           <a:p>
             <a:r>
               <a:rPr lang="en-US" altLang="zh-CN" sz="2800" dirty="0" smtClean="0"/>
-              <a:t>We will now look at another popular family of algorithms. Whereas PG </a:t>
-            </a:r>
-            <a:r>
-              <a:rPr lang="en-US" altLang="zh-CN" sz="2800" dirty="0" smtClean="0"/>
-              <a:t>algorithms directly </a:t>
-            </a:r>
-            <a:r>
-              <a:rPr lang="en-US" altLang="zh-CN" sz="2800" dirty="0" smtClean="0"/>
-              <a:t>try to optimize the policy to increase rewards, the algorithms we will look </a:t>
-            </a:r>
-            <a:r>
-              <a:rPr lang="en-US" altLang="zh-CN" sz="2800" dirty="0" smtClean="0"/>
-              <a:t>at now </a:t>
-            </a:r>
-            <a:r>
-              <a:rPr lang="en-US" altLang="zh-CN" sz="2800" dirty="0" smtClean="0"/>
-              <a:t>are less direct: the agent learns to estimate the expected sum of discounted </a:t>
-            </a:r>
-            <a:r>
-              <a:rPr lang="en-US" altLang="zh-CN" sz="2800" dirty="0" smtClean="0"/>
-              <a:t>future rewards </a:t>
-            </a:r>
-            <a:r>
-              <a:rPr lang="en-US" altLang="zh-CN" sz="2800" dirty="0" smtClean="0"/>
-              <a:t>for each state, or the expected sum of discounted future rewards for </a:t>
-            </a:r>
-            <a:r>
-              <a:rPr lang="en-US" altLang="zh-CN" sz="2800" dirty="0" smtClean="0"/>
-              <a:t>each action </a:t>
-            </a:r>
-            <a:r>
-              <a:rPr lang="en-US" altLang="zh-CN" sz="2800" dirty="0" smtClean="0"/>
-              <a:t>in each state, then uses this knowledge to decide how to act. To </a:t>
-            </a:r>
-            <a:r>
-              <a:rPr lang="en-US" altLang="zh-CN" sz="2800" dirty="0" smtClean="0"/>
-              <a:t>understand these </a:t>
-            </a:r>
-            <a:r>
-              <a:rPr lang="en-US" altLang="zh-CN" sz="2800" dirty="0" smtClean="0"/>
-              <a:t>algorithms, we must first introduce </a:t>
+              <a:t>We will now look at another popular family of algorithms. Whereas PG algorithms directly try to optimize the policy to increase rewards, the algorithms we will look at now are less direct: the agent learns to estimate the expected sum of discounted future rewards for each state, or the expected sum of discounted future rewards for each action in each state, then uses this knowledge to decide how to act. To understand these algorithms, we must first introduce </a:t>
             </a:r>
             <a:r>
               <a:rPr lang="en-US" altLang="zh-CN" sz="2800" i="1" dirty="0" smtClean="0"/>
@@ -9117,7 +8369,7 @@
     </p:spTree>
     <p:extLst>
       <p:ext uri="{BB962C8B-B14F-4D97-AF65-F5344CB8AC3E}">
-        <p14:creationId xmlns="" xmlns:p14="http://schemas.microsoft.com/office/powerpoint/2010/main" val="2556623258"/>
+        <p14:creationId xmlns:p14="http://schemas.microsoft.com/office/powerpoint/2010/main" val="2556623258"/>
       </p:ext>
     </p:extLst>
   </p:cSld>
@@ -9201,39 +8453,15 @@
             </a:r>
             <a:r>
               <a:rPr lang="en-US" altLang="zh-CN" sz="2800" dirty="0" smtClean="0"/>
-              <a:t> Markov studied stochastic </a:t>
+              <a:t> Markov studied stochastic processes with no memory, called </a:t>
+            </a:r>
+            <a:r>
+              <a:rPr lang="en-US" altLang="zh-CN" sz="2800" i="1" dirty="0" smtClean="0"/>
+              <a:t>Markov chains. Such a process has a fixed number of </a:t>
             </a:r>
             <a:r>
               <a:rPr lang="en-US" altLang="zh-CN" sz="2800" dirty="0" smtClean="0"/>
-              <a:t>processes with </a:t>
-            </a:r>
-            <a:r>
-              <a:rPr lang="en-US" altLang="zh-CN" sz="2800" dirty="0" smtClean="0"/>
-              <a:t>no memory, called </a:t>
-            </a:r>
-            <a:r>
-              <a:rPr lang="en-US" altLang="zh-CN" sz="2800" i="1" dirty="0" smtClean="0"/>
-              <a:t>Markov chains. Such a process has a fixed number </a:t>
-            </a:r>
-            <a:r>
-              <a:rPr lang="en-US" altLang="zh-CN" sz="2800" i="1" dirty="0" smtClean="0"/>
-              <a:t>of </a:t>
-            </a:r>
-            <a:r>
-              <a:rPr lang="en-US" altLang="zh-CN" sz="2800" dirty="0" smtClean="0"/>
-              <a:t>states</a:t>
-            </a:r>
-            <a:r>
-              <a:rPr lang="en-US" altLang="zh-CN" sz="2800" dirty="0" smtClean="0"/>
-              <a:t>, and it randomly evolves from one state to another at each step. The </a:t>
-            </a:r>
-            <a:r>
-              <a:rPr lang="en-US" altLang="zh-CN" sz="2800" dirty="0" smtClean="0"/>
-              <a:t>probability for </a:t>
-            </a:r>
-            <a:r>
-              <a:rPr lang="en-US" altLang="zh-CN" sz="2800" dirty="0" smtClean="0"/>
-              <a:t>it to evolve from a state </a:t>
+              <a:t>states, and it randomly evolves from one state to another at each step. The probability for it to evolve from a state </a:t>
             </a:r>
             <a:r>
               <a:rPr lang="en-US" altLang="zh-CN" sz="2800" i="1" dirty="0" smtClean="0"/>
@@ -9249,11 +8477,7 @@
             </a:r>
             <a:r>
               <a:rPr lang="en-US" altLang="zh-CN" sz="2800" dirty="0" smtClean="0"/>
-              <a:t>not </a:t>
-            </a:r>
-            <a:r>
-              <a:rPr lang="en-US" altLang="zh-CN" sz="2800" dirty="0" smtClean="0"/>
-              <a:t>on past states (the system has no memory).</a:t>
+              <a:t>not on past states (the system has no memory).</a:t>
             </a:r>
             <a:endParaRPr lang="zh-CN" altLang="en-US" sz="2800" b="1" dirty="0"/>
           </a:p>
@@ -9262,7 +8486,7 @@
     </p:spTree>
     <p:extLst>
       <p:ext uri="{BB962C8B-B14F-4D97-AF65-F5344CB8AC3E}">
-        <p14:creationId xmlns="" xmlns:p14="http://schemas.microsoft.com/office/powerpoint/2010/main" val="2556623258"/>
+        <p14:creationId xmlns:p14="http://schemas.microsoft.com/office/powerpoint/2010/main" val="2556623258"/>
       </p:ext>
     </p:extLst>
   </p:cSld>
@@ -9346,39 +8570,15 @@
             </a:r>
             <a:r>
               <a:rPr lang="en-US" altLang="zh-CN" sz="2800" dirty="0" smtClean="0"/>
-              <a:t> Markov studied stochastic </a:t>
+              <a:t> Markov studied stochastic processes with no memory, called </a:t>
+            </a:r>
+            <a:r>
+              <a:rPr lang="en-US" altLang="zh-CN" sz="2800" i="1" dirty="0" smtClean="0"/>
+              <a:t>Markov chains. Such a process has a fixed number of </a:t>
             </a:r>
             <a:r>
               <a:rPr lang="en-US" altLang="zh-CN" sz="2800" dirty="0" smtClean="0"/>
-              <a:t>processes with </a:t>
-            </a:r>
-            <a:r>
-              <a:rPr lang="en-US" altLang="zh-CN" sz="2800" dirty="0" smtClean="0"/>
-              <a:t>no memory, called </a:t>
-            </a:r>
-            <a:r>
-              <a:rPr lang="en-US" altLang="zh-CN" sz="2800" i="1" dirty="0" smtClean="0"/>
-              <a:t>Markov chains. Such a process has a fixed number </a:t>
-            </a:r>
-            <a:r>
-              <a:rPr lang="en-US" altLang="zh-CN" sz="2800" i="1" dirty="0" smtClean="0"/>
-              <a:t>of </a:t>
-            </a:r>
-            <a:r>
-              <a:rPr lang="en-US" altLang="zh-CN" sz="2800" dirty="0" smtClean="0"/>
-              <a:t>states</a:t>
-            </a:r>
-            <a:r>
-              <a:rPr lang="en-US" altLang="zh-CN" sz="2800" dirty="0" smtClean="0"/>
-              <a:t>, and it randomly evolves from one state to another at each step. The </a:t>
-            </a:r>
-            <a:r>
-              <a:rPr lang="en-US" altLang="zh-CN" sz="2800" dirty="0" smtClean="0"/>
-              <a:t>probability for </a:t>
-            </a:r>
-            <a:r>
-              <a:rPr lang="en-US" altLang="zh-CN" sz="2800" dirty="0" smtClean="0"/>
-              <a:t>it to evolve from a state </a:t>
+              <a:t>states, and it randomly evolves from one state to another at each step. The probability for it to evolve from a state </a:t>
             </a:r>
             <a:r>
               <a:rPr lang="en-US" altLang="zh-CN" sz="2800" i="1" dirty="0" smtClean="0"/>
@@ -9440,7 +8640,7 @@
     </p:spTree>
     <p:extLst>
       <p:ext uri="{BB962C8B-B14F-4D97-AF65-F5344CB8AC3E}">
-        <p14:creationId xmlns="" xmlns:p14="http://schemas.microsoft.com/office/powerpoint/2010/main" val="2556623258"/>
+        <p14:creationId xmlns:p14="http://schemas.microsoft.com/office/powerpoint/2010/main" val="2556623258"/>
       </p:ext>
     </p:extLst>
   </p:cSld>
@@ -9516,39 +8716,7 @@
           <a:p>
             <a:r>
               <a:rPr lang="en-US" altLang="zh-CN" sz="2800" dirty="0" smtClean="0"/>
-              <a:t>Markov decision processes were first described in the 1950s by Richard </a:t>
-            </a:r>
-            <a:r>
-              <a:rPr lang="en-US" altLang="zh-CN" sz="2800" dirty="0" smtClean="0"/>
-              <a:t>Bellman. They </a:t>
-            </a:r>
-            <a:r>
-              <a:rPr lang="en-US" altLang="zh-CN" sz="2800" dirty="0" smtClean="0"/>
-              <a:t>resemble Markov chains but with a twist: at each step, an agent can choose </a:t>
-            </a:r>
-            <a:r>
-              <a:rPr lang="en-US" altLang="zh-CN" sz="2800" dirty="0" smtClean="0"/>
-              <a:t>one of </a:t>
-            </a:r>
-            <a:r>
-              <a:rPr lang="en-US" altLang="zh-CN" sz="2800" dirty="0" smtClean="0"/>
-              <a:t>several possible actions, and the transition probabilities depend on the </a:t>
-            </a:r>
-            <a:r>
-              <a:rPr lang="en-US" altLang="zh-CN" sz="2800" dirty="0" smtClean="0"/>
-              <a:t>chosen action</a:t>
-            </a:r>
-            <a:r>
-              <a:rPr lang="en-US" altLang="zh-CN" sz="2800" dirty="0" smtClean="0"/>
-              <a:t>. Moreover, some state transitions return some reward (positive or negative</a:t>
-            </a:r>
-            <a:r>
-              <a:rPr lang="en-US" altLang="zh-CN" sz="2800" dirty="0" smtClean="0"/>
-              <a:t>), and </a:t>
-            </a:r>
-            <a:r>
-              <a:rPr lang="en-US" altLang="zh-CN" sz="2800" dirty="0" smtClean="0"/>
-              <a:t>the agent’s goal is to find a policy that will maximize rewards over time.</a:t>
+              <a:t>Markov decision processes were first described in the 1950s by Richard Bellman. They resemble Markov chains but with a twist: at each step, an agent can choose one of several possible actions, and the transition probabilities depend on the chosen action. Moreover, some state transitions return some reward (positive or negative), and the agent’s goal is to find a policy that will maximize rewards over time.</a:t>
             </a:r>
             <a:endParaRPr lang="zh-CN" altLang="en-US" sz="2800" b="1" dirty="0"/>
           </a:p>
@@ -9557,7 +8725,7 @@
     </p:spTree>
     <p:extLst>
       <p:ext uri="{BB962C8B-B14F-4D97-AF65-F5344CB8AC3E}">
-        <p14:creationId xmlns="" xmlns:p14="http://schemas.microsoft.com/office/powerpoint/2010/main" val="2556623258"/>
+        <p14:creationId xmlns:p14="http://schemas.microsoft.com/office/powerpoint/2010/main" val="2556623258"/>
       </p:ext>
     </p:extLst>
   </p:cSld>
@@ -9633,39 +8801,7 @@
           <a:p>
             <a:r>
               <a:rPr lang="en-US" altLang="zh-CN" sz="2800" dirty="0" smtClean="0"/>
-              <a:t>Markov decision processes were first described in the 1950s by Richard </a:t>
-            </a:r>
-            <a:r>
-              <a:rPr lang="en-US" altLang="zh-CN" sz="2800" dirty="0" smtClean="0"/>
-              <a:t>Bellman. They </a:t>
-            </a:r>
-            <a:r>
-              <a:rPr lang="en-US" altLang="zh-CN" sz="2800" dirty="0" smtClean="0"/>
-              <a:t>resemble Markov chains but with a twist: at each step, an agent can choose </a:t>
-            </a:r>
-            <a:r>
-              <a:rPr lang="en-US" altLang="zh-CN" sz="2800" dirty="0" smtClean="0"/>
-              <a:t>one of </a:t>
-            </a:r>
-            <a:r>
-              <a:rPr lang="en-US" altLang="zh-CN" sz="2800" dirty="0" smtClean="0"/>
-              <a:t>several possible actions, and the transition probabilities depend on the </a:t>
-            </a:r>
-            <a:r>
-              <a:rPr lang="en-US" altLang="zh-CN" sz="2800" dirty="0" smtClean="0"/>
-              <a:t>chosen action</a:t>
-            </a:r>
-            <a:r>
-              <a:rPr lang="en-US" altLang="zh-CN" sz="2800" dirty="0" smtClean="0"/>
-              <a:t>. Moreover, some state transitions return some reward (positive or negative</a:t>
-            </a:r>
-            <a:r>
-              <a:rPr lang="en-US" altLang="zh-CN" sz="2800" dirty="0" smtClean="0"/>
-              <a:t>), and </a:t>
-            </a:r>
-            <a:r>
-              <a:rPr lang="en-US" altLang="zh-CN" sz="2800" dirty="0" smtClean="0"/>
-              <a:t>the agent’s goal is to find a policy that will maximize rewards over time.</a:t>
+              <a:t>Markov decision processes were first described in the 1950s by Richard Bellman. They resemble Markov chains but with a twist: at each step, an agent can choose one of several possible actions, and the transition probabilities depend on the chosen action. Moreover, some state transitions return some reward (positive or negative), and the agent’s goal is to find a policy that will maximize rewards over time.</a:t>
             </a:r>
             <a:endParaRPr lang="zh-CN" altLang="en-US" sz="2800" b="1" dirty="0"/>
           </a:p>
@@ -9707,7 +8843,7 @@
     </p:spTree>
     <p:extLst>
       <p:ext uri="{BB962C8B-B14F-4D97-AF65-F5344CB8AC3E}">
-        <p14:creationId xmlns="" xmlns:p14="http://schemas.microsoft.com/office/powerpoint/2010/main" val="2556623258"/>
+        <p14:creationId xmlns:p14="http://schemas.microsoft.com/office/powerpoint/2010/main" val="2556623258"/>
       </p:ext>
     </p:extLst>
   </p:cSld>
@@ -9792,83 +8928,27 @@
             </a:r>
             <a:r>
               <a:rPr lang="en-US" altLang="zh-CN" sz="2800" i="1" dirty="0" smtClean="0"/>
-              <a:t>optimal state value of any state s, noted V*(s</a:t>
+              <a:t>optimal state value of any state s, noted V*(s), </a:t>
+            </a:r>
+            <a:r>
+              <a:rPr lang="en-US" altLang="zh-CN" sz="2800" dirty="0" smtClean="0"/>
+              <a:t>which is the sum of all discounted future rewards the agent can expect on average after it reaches a state </a:t>
             </a:r>
             <a:r>
               <a:rPr lang="en-US" altLang="zh-CN" sz="2800" i="1" dirty="0" smtClean="0"/>
-              <a:t>), </a:t>
+              <a:t>s, assuming it acts optimally. He showed that if the agent acts </a:t>
             </a:r>
             <a:r>
               <a:rPr lang="en-US" altLang="zh-CN" sz="2800" dirty="0" smtClean="0"/>
-              <a:t>which </a:t>
+              <a:t>optimally, then the </a:t>
+            </a:r>
+            <a:r>
+              <a:rPr lang="en-US" altLang="zh-CN" sz="2800" i="1" dirty="0" smtClean="0"/>
+              <a:t>Bellman Optimality Equation applies (see Equation 16-1). This </a:t>
             </a:r>
             <a:r>
               <a:rPr lang="en-US" altLang="zh-CN" sz="2800" dirty="0" smtClean="0"/>
-              <a:t>is the sum of all discounted future rewards the agent can expect on </a:t>
-            </a:r>
-            <a:r>
-              <a:rPr lang="en-US" altLang="zh-CN" sz="2800" dirty="0" smtClean="0"/>
-              <a:t>average after </a:t>
-            </a:r>
-            <a:r>
-              <a:rPr lang="en-US" altLang="zh-CN" sz="2800" dirty="0" smtClean="0"/>
-              <a:t>it reaches a state </a:t>
-            </a:r>
-            <a:r>
-              <a:rPr lang="en-US" altLang="zh-CN" sz="2800" i="1" dirty="0" smtClean="0"/>
-              <a:t>s, assuming it acts optimally. He showed that if the agent </a:t>
-            </a:r>
-            <a:r>
-              <a:rPr lang="en-US" altLang="zh-CN" sz="2800" i="1" dirty="0" smtClean="0"/>
-              <a:t>acts </a:t>
-            </a:r>
-            <a:r>
-              <a:rPr lang="en-US" altLang="zh-CN" sz="2800" dirty="0" smtClean="0"/>
-              <a:t>optimally</a:t>
-            </a:r>
-            <a:r>
-              <a:rPr lang="en-US" altLang="zh-CN" sz="2800" dirty="0" smtClean="0"/>
-              <a:t>, then the </a:t>
-            </a:r>
-            <a:r>
-              <a:rPr lang="en-US" altLang="zh-CN" sz="2800" i="1" dirty="0" smtClean="0"/>
-              <a:t>Bellman Optimality Equation applies (see Equation 16-1). </a:t>
-            </a:r>
-            <a:r>
-              <a:rPr lang="en-US" altLang="zh-CN" sz="2800" i="1" dirty="0" smtClean="0"/>
-              <a:t>This </a:t>
-            </a:r>
-            <a:r>
-              <a:rPr lang="en-US" altLang="zh-CN" sz="2800" dirty="0" smtClean="0"/>
-              <a:t>recursive </a:t>
-            </a:r>
-            <a:r>
-              <a:rPr lang="en-US" altLang="zh-CN" sz="2800" dirty="0" smtClean="0"/>
-              <a:t>equation says that if the agent acts optimally, then the optimal value of </a:t>
-            </a:r>
-            <a:r>
-              <a:rPr lang="en-US" altLang="zh-CN" sz="2800" dirty="0" smtClean="0"/>
-              <a:t>the current </a:t>
-            </a:r>
-            <a:r>
-              <a:rPr lang="en-US" altLang="zh-CN" sz="2800" dirty="0" smtClean="0"/>
-              <a:t>state is equal to the reward it will get on average after taking one </a:t>
-            </a:r>
-            <a:r>
-              <a:rPr lang="en-US" altLang="zh-CN" sz="2800" dirty="0" smtClean="0"/>
-              <a:t>optimal action</a:t>
-            </a:r>
-            <a:r>
-              <a:rPr lang="en-US" altLang="zh-CN" sz="2800" dirty="0" smtClean="0"/>
-              <a:t>, plus the expected optimal value of all possible next states that this action </a:t>
-            </a:r>
-            <a:r>
-              <a:rPr lang="en-US" altLang="zh-CN" sz="2800" dirty="0" smtClean="0"/>
-              <a:t>can lead </a:t>
-            </a:r>
-            <a:r>
-              <a:rPr lang="en-US" altLang="zh-CN" sz="2800" dirty="0" smtClean="0"/>
-              <a:t>to.</a:t>
+              <a:t>recursive equation says that if the agent acts optimally, then the optimal value of the current state is equal to the reward it will get on average after taking one optimal action, plus the expected optimal value of all possible next states that this action can lead to.</a:t>
             </a:r>
             <a:endParaRPr lang="zh-CN" altLang="en-US" sz="2800" b="1" dirty="0"/>
           </a:p>
@@ -9910,7 +8990,7 @@
     </p:spTree>
     <p:extLst>
       <p:ext uri="{BB962C8B-B14F-4D97-AF65-F5344CB8AC3E}">
-        <p14:creationId xmlns="" xmlns:p14="http://schemas.microsoft.com/office/powerpoint/2010/main" val="2556623258"/>
+        <p14:creationId xmlns:p14="http://schemas.microsoft.com/office/powerpoint/2010/main" val="2556623258"/>
       </p:ext>
     </p:extLst>
   </p:cSld>
@@ -9991,47 +9071,15 @@
           <a:p>
             <a:r>
               <a:rPr lang="en-US" altLang="zh-CN" sz="2800" dirty="0" smtClean="0"/>
-              <a:t>This equation leads directly to an algorithm that can precisely estimate the </a:t>
+              <a:t>This equation leads directly to an algorithm that can precisely estimate the optimal state value of every possible state: you first initialize all the state value estimates to zero, and then you iteratively update them using the </a:t>
+            </a:r>
+            <a:r>
+              <a:rPr lang="en-US" altLang="zh-CN" sz="2800" i="1" dirty="0" smtClean="0"/>
+              <a:t>Value Iteration algorithm (see </a:t>
             </a:r>
             <a:r>
               <a:rPr lang="en-US" altLang="zh-CN" sz="2800" dirty="0" smtClean="0"/>
-              <a:t>optimal state </a:t>
-            </a:r>
-            <a:r>
-              <a:rPr lang="en-US" altLang="zh-CN" sz="2800" dirty="0" smtClean="0"/>
-              <a:t>value of every possible state: you first initialize all the state value estimates </a:t>
-            </a:r>
-            <a:r>
-              <a:rPr lang="en-US" altLang="zh-CN" sz="2800" dirty="0" smtClean="0"/>
-              <a:t>to zero</a:t>
-            </a:r>
-            <a:r>
-              <a:rPr lang="en-US" altLang="zh-CN" sz="2800" dirty="0" smtClean="0"/>
-              <a:t>, and then you iteratively update them using the </a:t>
-            </a:r>
-            <a:r>
-              <a:rPr lang="en-US" altLang="zh-CN" sz="2800" i="1" dirty="0" smtClean="0"/>
-              <a:t>Value Iteration algorithm (</a:t>
-            </a:r>
-            <a:r>
-              <a:rPr lang="en-US" altLang="zh-CN" sz="2800" i="1" dirty="0" smtClean="0"/>
-              <a:t>see </a:t>
-            </a:r>
-            <a:r>
-              <a:rPr lang="en-US" altLang="zh-CN" sz="2800" dirty="0" smtClean="0"/>
-              <a:t>Equation </a:t>
-            </a:r>
-            <a:r>
-              <a:rPr lang="en-US" altLang="zh-CN" sz="2800" dirty="0" smtClean="0"/>
-              <a:t>16-2). A remarkable result is that, given enough time, these estimates </a:t>
-            </a:r>
-            <a:r>
-              <a:rPr lang="en-US" altLang="zh-CN" sz="2800" dirty="0" smtClean="0"/>
-              <a:t>are </a:t>
-            </a:r>
-            <a:r>
-              <a:rPr lang="en-US" altLang="zh-CN" sz="2800" dirty="0" smtClean="0"/>
-              <a:t>guaranteed to converge to the optimal state values, corresponding to the optimal policy.</a:t>
+              <a:t>Equation 16-2). A remarkable result is that, given enough time, these estimates are guaranteed to converge to the optimal state values, corresponding to the optimal policy.</a:t>
             </a:r>
             <a:endParaRPr lang="zh-CN" altLang="en-US" sz="2800" b="1" dirty="0"/>
           </a:p>
@@ -10073,7 +9121,7 @@
     </p:spTree>
     <p:extLst>
       <p:ext uri="{BB962C8B-B14F-4D97-AF65-F5344CB8AC3E}">
-        <p14:creationId xmlns="" xmlns:p14="http://schemas.microsoft.com/office/powerpoint/2010/main" val="2556623258"/>
+        <p14:creationId xmlns:p14="http://schemas.microsoft.com/office/powerpoint/2010/main" val="2556623258"/>
       </p:ext>
     </p:extLst>
   </p:cSld>
@@ -10154,39 +9202,15 @@
           <a:p>
             <a:r>
               <a:rPr lang="en-US" altLang="zh-CN" sz="2800" dirty="0" smtClean="0"/>
-              <a:t>Knowing the optimal state values can be useful, in particular to evaluate a policy, </a:t>
+              <a:t>Knowing the optimal state values can be useful, in particular to evaluate a policy, but it does not tell the agent explicitly what to do. Luckily, Bellman found a very similar algorithm to estimate the optimal </a:t>
+            </a:r>
+            <a:r>
+              <a:rPr lang="en-US" altLang="zh-CN" sz="2800" i="1" dirty="0" smtClean="0"/>
+              <a:t>state-action values, generally called Q-Values. The </a:t>
             </a:r>
             <a:r>
               <a:rPr lang="en-US" altLang="zh-CN" sz="2800" dirty="0" smtClean="0"/>
-              <a:t>but it </a:t>
-            </a:r>
-            <a:r>
-              <a:rPr lang="en-US" altLang="zh-CN" sz="2800" dirty="0" smtClean="0"/>
-              <a:t>does not tell the agent explicitly what to do. Luckily, Bellman found a very </a:t>
-            </a:r>
-            <a:r>
-              <a:rPr lang="en-US" altLang="zh-CN" sz="2800" dirty="0" smtClean="0"/>
-              <a:t>similar algorithm </a:t>
-            </a:r>
-            <a:r>
-              <a:rPr lang="en-US" altLang="zh-CN" sz="2800" dirty="0" smtClean="0"/>
-              <a:t>to estimate the optimal </a:t>
-            </a:r>
-            <a:r>
-              <a:rPr lang="en-US" altLang="zh-CN" sz="2800" i="1" dirty="0" smtClean="0"/>
-              <a:t>state-action values, generally called Q-Values. </a:t>
-            </a:r>
-            <a:r>
-              <a:rPr lang="en-US" altLang="zh-CN" sz="2800" i="1" dirty="0" smtClean="0"/>
-              <a:t>The </a:t>
-            </a:r>
-            <a:r>
-              <a:rPr lang="en-US" altLang="zh-CN" sz="2800" dirty="0" smtClean="0"/>
-              <a:t>optimal </a:t>
-            </a:r>
-            <a:r>
-              <a:rPr lang="en-US" altLang="zh-CN" sz="2800" dirty="0" smtClean="0"/>
-              <a:t>Q-Value of the state-action pair (</a:t>
+              <a:t>optimal Q-Value of the state-action pair (</a:t>
             </a:r>
             <a:r>
               <a:rPr lang="en-US" altLang="zh-CN" sz="2800" i="1" dirty="0" err="1" smtClean="0"/>
@@ -10202,27 +9226,15 @@
             </a:r>
             <a:r>
               <a:rPr lang="en-US" altLang="zh-CN" sz="2800" i="1" dirty="0" smtClean="0"/>
-              <a:t>), is the sum of </a:t>
+              <a:t>), is the sum of discounted </a:t>
+            </a:r>
+            <a:r>
+              <a:rPr lang="en-US" altLang="zh-CN" sz="2800" dirty="0" smtClean="0"/>
+              <a:t>future rewards the agent can expect on average after it reaches the state </a:t>
             </a:r>
             <a:r>
               <a:rPr lang="en-US" altLang="zh-CN" sz="2800" i="1" dirty="0" smtClean="0"/>
-              <a:t>discounted </a:t>
-            </a:r>
-            <a:r>
-              <a:rPr lang="en-US" altLang="zh-CN" sz="2800" dirty="0" smtClean="0"/>
-              <a:t>future </a:t>
-            </a:r>
-            <a:r>
-              <a:rPr lang="en-US" altLang="zh-CN" sz="2800" dirty="0" smtClean="0"/>
-              <a:t>rewards the agent can expect on average after it reaches the state </a:t>
-            </a:r>
-            <a:r>
-              <a:rPr lang="en-US" altLang="zh-CN" sz="2800" i="1" dirty="0" smtClean="0"/>
-              <a:t>s and </a:t>
-            </a:r>
-            <a:r>
-              <a:rPr lang="en-US" altLang="zh-CN" sz="2800" i="1" dirty="0" smtClean="0"/>
-              <a:t>chooses </a:t>
+              <a:t>s and chooses </a:t>
             </a:r>
             <a:r>
               <a:rPr lang="en-US" altLang="zh-CN" sz="2800" dirty="0" smtClean="0"/>
@@ -10230,19 +9242,11 @@
             </a:r>
             <a:r>
               <a:rPr lang="en-US" altLang="zh-CN" sz="2800" i="1" dirty="0" smtClean="0"/>
-              <a:t>a, but before it sees the outcome of this action, assuming it acts optimally </a:t>
-            </a:r>
-            <a:r>
-              <a:rPr lang="en-US" altLang="zh-CN" sz="2800" i="1" dirty="0" smtClean="0"/>
-              <a:t>after </a:t>
+              <a:t>a, but before it sees the outcome of this action, assuming it acts optimally after </a:t>
             </a:r>
             <a:r>
               <a:rPr lang="en-US" altLang="zh-CN" sz="2800" dirty="0" smtClean="0"/>
-              <a:t>that </a:t>
-            </a:r>
-            <a:r>
-              <a:rPr lang="en-US" altLang="zh-CN" sz="2800" dirty="0" smtClean="0"/>
-              <a:t>action.</a:t>
+              <a:t>that action.</a:t>
             </a:r>
             <a:endParaRPr lang="zh-CN" altLang="en-US" sz="2800" b="1" dirty="0"/>
           </a:p>
@@ -10284,7 +9288,7 @@
     </p:spTree>
     <p:extLst>
       <p:ext uri="{BB962C8B-B14F-4D97-AF65-F5344CB8AC3E}">
-        <p14:creationId xmlns="" xmlns:p14="http://schemas.microsoft.com/office/powerpoint/2010/main" val="2556623258"/>
+        <p14:creationId xmlns:p14="http://schemas.microsoft.com/office/powerpoint/2010/main" val="2556623258"/>
       </p:ext>
     </p:extLst>
   </p:cSld>
@@ -10508,7 +9512,7 @@
     </p:spTree>
     <p:extLst>
       <p:ext uri="{BB962C8B-B14F-4D97-AF65-F5344CB8AC3E}">
-        <p14:creationId xmlns="" xmlns:p14="http://schemas.microsoft.com/office/powerpoint/2010/main" val="2556623258"/>
+        <p14:creationId xmlns:p14="http://schemas.microsoft.com/office/powerpoint/2010/main" val="2556623258"/>
       </p:ext>
     </p:extLst>
   </p:cSld>
@@ -10608,11 +9612,7 @@
             </a:pPr>
             <a:r>
               <a:rPr lang="en-US" altLang="zh-CN" sz="2400" dirty="0" smtClean="0"/>
-              <a:t>    Q[state</a:t>
-            </a:r>
-            <a:r>
-              <a:rPr lang="en-US" altLang="zh-CN" sz="2400" dirty="0" smtClean="0"/>
-              <a:t>, actions] = 0.0 </a:t>
+              <a:t>    Q[state, actions] = 0.0 </a:t>
             </a:r>
             <a:r>
               <a:rPr lang="en-US" altLang="zh-CN" sz="2400" i="1" dirty="0" smtClean="0"/>
@@ -10689,11 +9689,7 @@
             </a:r>
             <a:r>
               <a:rPr lang="en-US" altLang="zh-CN" sz="2400" dirty="0" smtClean="0"/>
-              <a:t> </a:t>
-            </a:r>
-            <a:r>
-              <a:rPr lang="en-US" altLang="zh-CN" sz="2400" dirty="0" smtClean="0"/>
-              <a:t>= </a:t>
+              <a:t> = </a:t>
             </a:r>
             <a:r>
               <a:rPr lang="en-US" altLang="zh-CN" sz="2400" dirty="0" err="1" smtClean="0"/>
@@ -10710,24 +9706,16 @@
             </a:pPr>
             <a:r>
               <a:rPr lang="en-US" altLang="zh-CN" sz="2400" b="1" dirty="0" smtClean="0"/>
-              <a:t>    for </a:t>
-            </a:r>
+              <a:t>    for s in range(3):</a:t>
+            </a:r>
+          </a:p>
+          <a:p>
+            <a:pPr>
+              <a:buNone/>
+            </a:pPr>
             <a:r>
               <a:rPr lang="en-US" altLang="zh-CN" sz="2400" b="1" dirty="0" smtClean="0"/>
-              <a:t>s in range(3):</a:t>
-            </a:r>
-          </a:p>
-          <a:p>
-            <a:pPr>
-              <a:buNone/>
-            </a:pPr>
-            <a:r>
-              <a:rPr lang="en-US" altLang="zh-CN" sz="2400" b="1" dirty="0" smtClean="0"/>
-              <a:t>        for </a:t>
-            </a:r>
-            <a:r>
-              <a:rPr lang="en-US" altLang="zh-CN" sz="2400" b="1" dirty="0" smtClean="0"/>
-              <a:t>a in </a:t>
+              <a:t>        for a in </a:t>
             </a:r>
             <a:r>
               <a:rPr lang="en-US" altLang="zh-CN" sz="2400" b="1" dirty="0" err="1" smtClean="0"/>
@@ -10744,24 +9732,16 @@
             </a:pPr>
             <a:r>
               <a:rPr lang="en-US" altLang="zh-CN" sz="2400" dirty="0" smtClean="0"/>
-              <a:t>            Q[s</a:t>
-            </a:r>
-            <a:r>
-              <a:rPr lang="en-US" altLang="zh-CN" sz="2400" dirty="0" smtClean="0"/>
-              <a:t>, a] = np.sum([</a:t>
-            </a:r>
-          </a:p>
-          <a:p>
-            <a:pPr>
-              <a:buNone/>
-            </a:pPr>
-            <a:r>
-              <a:rPr lang="en-US" altLang="zh-CN" sz="2400" dirty="0" smtClean="0"/>
-              <a:t>                T[s</a:t>
-            </a:r>
-            <a:r>
-              <a:rPr lang="en-US" altLang="zh-CN" sz="2400" dirty="0" smtClean="0"/>
-              <a:t>, a, sp] * (R[s, a, sp] + </a:t>
+              <a:t>            Q[s, a] = np.sum([</a:t>
+            </a:r>
+          </a:p>
+          <a:p>
+            <a:pPr>
+              <a:buNone/>
+            </a:pPr>
+            <a:r>
+              <a:rPr lang="en-US" altLang="zh-CN" sz="2400" dirty="0" smtClean="0"/>
+              <a:t>                T[s, a, sp] * (R[s, a, sp] + </a:t>
             </a:r>
             <a:r>
               <a:rPr lang="en-US" altLang="zh-CN" sz="2400" dirty="0" err="1" smtClean="0"/>
@@ -10786,11 +9766,7 @@
             </a:pPr>
             <a:r>
               <a:rPr lang="en-US" altLang="zh-CN" sz="2400" b="1" dirty="0" smtClean="0"/>
-              <a:t>                for </a:t>
-            </a:r>
-            <a:r>
-              <a:rPr lang="en-US" altLang="zh-CN" sz="2400" b="1" dirty="0" smtClean="0"/>
-              <a:t>sp in range(3)</a:t>
+              <a:t>                for sp in range(3)</a:t>
             </a:r>
           </a:p>
           <a:p>
@@ -10808,7 +9784,7 @@
     </p:spTree>
     <p:extLst>
       <p:ext uri="{BB962C8B-B14F-4D97-AF65-F5344CB8AC3E}">
-        <p14:creationId xmlns="" xmlns:p14="http://schemas.microsoft.com/office/powerpoint/2010/main" val="2556623258"/>
+        <p14:creationId xmlns:p14="http://schemas.microsoft.com/office/powerpoint/2010/main" val="2556623258"/>
       </p:ext>
     </p:extLst>
   </p:cSld>
@@ -10890,27 +9866,7 @@
             </a:r>
             <a:r>
               <a:rPr lang="en-US" altLang="zh-CN" dirty="0" smtClean="0"/>
-              <a:t>For </a:t>
-            </a:r>
-            <a:r>
-              <a:rPr lang="en-US" altLang="zh-CN" dirty="0" smtClean="0"/>
-              <a:t>example, the policy could be a neural network taking observations as inputs </a:t>
-            </a:r>
-            <a:r>
-              <a:rPr lang="en-US" altLang="zh-CN" dirty="0" smtClean="0"/>
-              <a:t>and outputting </a:t>
-            </a:r>
-            <a:r>
-              <a:rPr lang="en-US" altLang="zh-CN" dirty="0" smtClean="0"/>
-              <a:t>the action to </a:t>
-            </a:r>
-            <a:r>
-              <a:rPr lang="en-US" altLang="zh-CN" dirty="0" smtClean="0"/>
-              <a:t>take</a:t>
-            </a:r>
-            <a:r>
-              <a:rPr lang="en-US" altLang="zh-CN" dirty="0" smtClean="0"/>
-              <a:t>.</a:t>
+              <a:t>For example, the policy could be a neural network taking observations as inputs and outputting the action to take.</a:t>
             </a:r>
             <a:endParaRPr lang="zh-CN" altLang="en-US" sz="2800" b="1" dirty="0"/>
           </a:p>
@@ -10952,13 +9908,20 @@
     </p:spTree>
     <p:extLst>
       <p:ext uri="{BB962C8B-B14F-4D97-AF65-F5344CB8AC3E}">
-        <p14:creationId xmlns="" xmlns:p14="http://schemas.microsoft.com/office/powerpoint/2010/main" val="2556623258"/>
+        <p14:creationId xmlns:p14="http://schemas.microsoft.com/office/powerpoint/2010/main" val="2556623258"/>
       </p:ext>
     </p:extLst>
   </p:cSld>
   <p:clrMapOvr>
     <a:masterClrMapping/>
   </p:clrMapOvr>
+  <p:timing>
+    <p:tnLst>
+      <p:par>
+        <p:cTn id="1" dur="indefinite" restart="never" nodeType="tmRoot"/>
+      </p:par>
+    </p:tnLst>
+  </p:timing>
 </p:sld>
 </file>
 
@@ -11096,7 +10059,7 @@
     </p:spTree>
     <p:extLst>
       <p:ext uri="{BB962C8B-B14F-4D97-AF65-F5344CB8AC3E}">
-        <p14:creationId xmlns="" xmlns:p14="http://schemas.microsoft.com/office/powerpoint/2010/main" val="2556623258"/>
+        <p14:creationId xmlns:p14="http://schemas.microsoft.com/office/powerpoint/2010/main" val="2556623258"/>
       </p:ext>
     </p:extLst>
   </p:cSld>
@@ -11177,71 +10140,23 @@
           <a:p>
             <a:r>
               <a:rPr lang="en-US" altLang="zh-CN" dirty="0" smtClean="0"/>
-              <a:t>Reinforcement Learning problems with discrete actions can often be modeled </a:t>
+              <a:t>Reinforcement Learning problems with discrete actions can often be modeled as Markov decision processes, but the agent initially has no idea what the transition probabilities are (it does not know </a:t>
+            </a:r>
+            <a:r>
+              <a:rPr lang="en-US" altLang="zh-CN" i="1" dirty="0" smtClean="0"/>
+              <a:t>T(s, a, s′)), and it does not know what the rewards </a:t>
             </a:r>
             <a:r>
               <a:rPr lang="en-US" altLang="zh-CN" dirty="0" smtClean="0"/>
-              <a:t>as Markov </a:t>
+              <a:t>are going to be either (it does not know </a:t>
+            </a:r>
+            <a:r>
+              <a:rPr lang="en-US" altLang="zh-CN" i="1" dirty="0" smtClean="0"/>
+              <a:t>R(s, a, s′)). It must experience each state and </a:t>
             </a:r>
             <a:r>
               <a:rPr lang="en-US" altLang="zh-CN" dirty="0" smtClean="0"/>
-              <a:t>decision processes, but the agent initially has no idea what the </a:t>
-            </a:r>
-            <a:r>
-              <a:rPr lang="en-US" altLang="zh-CN" dirty="0" smtClean="0"/>
-              <a:t>transition probabilities </a:t>
-            </a:r>
-            <a:r>
-              <a:rPr lang="en-US" altLang="zh-CN" dirty="0" smtClean="0"/>
-              <a:t>are (it does not know </a:t>
-            </a:r>
-            <a:r>
-              <a:rPr lang="en-US" altLang="zh-CN" i="1" dirty="0" smtClean="0"/>
-              <a:t>T(s, a, s′)), and it does not know what the </a:t>
-            </a:r>
-            <a:r>
-              <a:rPr lang="en-US" altLang="zh-CN" i="1" dirty="0" smtClean="0"/>
-              <a:t>rewards </a:t>
-            </a:r>
-            <a:r>
-              <a:rPr lang="en-US" altLang="zh-CN" dirty="0" smtClean="0"/>
-              <a:t>are </a:t>
-            </a:r>
-            <a:r>
-              <a:rPr lang="en-US" altLang="zh-CN" dirty="0" smtClean="0"/>
-              <a:t>going to be either (it does not know </a:t>
-            </a:r>
-            <a:r>
-              <a:rPr lang="en-US" altLang="zh-CN" i="1" dirty="0" smtClean="0"/>
-              <a:t>R(s, a, s′)). It must experience each state </a:t>
-            </a:r>
-            <a:r>
-              <a:rPr lang="en-US" altLang="zh-CN" i="1" dirty="0" smtClean="0"/>
-              <a:t>and </a:t>
-            </a:r>
-            <a:r>
-              <a:rPr lang="en-US" altLang="zh-CN" dirty="0" smtClean="0"/>
-              <a:t>each </a:t>
-            </a:r>
-            <a:r>
-              <a:rPr lang="en-US" altLang="zh-CN" dirty="0" smtClean="0"/>
-              <a:t>transition at least once to know the rewards, and it must </a:t>
-            </a:r>
-            <a:r>
-              <a:rPr lang="en-US" altLang="zh-CN" dirty="0" smtClean="0"/>
-              <a:t>experience </a:t>
-            </a:r>
-            <a:r>
-              <a:rPr lang="en-US" altLang="zh-CN" dirty="0" smtClean="0"/>
-              <a:t>them </a:t>
-            </a:r>
-            <a:r>
-              <a:rPr lang="en-US" altLang="zh-CN" dirty="0" smtClean="0"/>
-              <a:t>multiple times </a:t>
-            </a:r>
-            <a:r>
-              <a:rPr lang="en-US" altLang="zh-CN" dirty="0" smtClean="0"/>
-              <a:t>if it is to have a reasonable estimate of the transition probabilities.</a:t>
+              <a:t>each transition at least once to know the rewards, and it must experience them multiple times if it is to have a reasonable estimate of the transition probabilities.</a:t>
             </a:r>
             <a:endParaRPr lang="zh-CN" altLang="en-US" b="1" dirty="0"/>
           </a:p>
@@ -11250,7 +10165,7 @@
     </p:spTree>
     <p:extLst>
       <p:ext uri="{BB962C8B-B14F-4D97-AF65-F5344CB8AC3E}">
-        <p14:creationId xmlns="" xmlns:p14="http://schemas.microsoft.com/office/powerpoint/2010/main" val="2556623258"/>
+        <p14:creationId xmlns:p14="http://schemas.microsoft.com/office/powerpoint/2010/main" val="2556623258"/>
       </p:ext>
     </p:extLst>
   </p:cSld>
@@ -11335,71 +10250,19 @@
             </a:r>
             <a:r>
               <a:rPr lang="en-US" altLang="zh-CN" i="1" dirty="0" smtClean="0"/>
-              <a:t>Temporal Difference Learning (TD Learning) algorithm is very similar to </a:t>
+              <a:t>Temporal Difference Learning (TD Learning) algorithm is very similar to the </a:t>
+            </a:r>
+            <a:r>
+              <a:rPr lang="en-US" altLang="zh-CN" dirty="0" smtClean="0"/>
+              <a:t>Value Iteration algorithm, but tweaked to take into account the fact that the agent has only partial knowledge of the MDP. In general we assume that the agent initially knows only the possible states and actions, and nothing more. The agent uses an </a:t>
             </a:r>
             <a:r>
               <a:rPr lang="en-US" altLang="zh-CN" i="1" dirty="0" smtClean="0"/>
-              <a:t>the </a:t>
+              <a:t>exploration policy—for example, a purely random policy—to explore the MDP, and as </a:t>
             </a:r>
             <a:r>
               <a:rPr lang="en-US" altLang="zh-CN" dirty="0" smtClean="0"/>
-              <a:t>Value </a:t>
-            </a:r>
-            <a:r>
-              <a:rPr lang="en-US" altLang="zh-CN" dirty="0" smtClean="0"/>
-              <a:t>Iteration algorithm, but tweaked to take into account the fact that the agent </a:t>
-            </a:r>
-            <a:r>
-              <a:rPr lang="en-US" altLang="zh-CN" dirty="0" smtClean="0"/>
-              <a:t>has only </a:t>
-            </a:r>
-            <a:r>
-              <a:rPr lang="en-US" altLang="zh-CN" dirty="0" smtClean="0"/>
-              <a:t>partial knowledge of the MDP. In general we assume that the agent </a:t>
-            </a:r>
-            <a:r>
-              <a:rPr lang="en-US" altLang="zh-CN" dirty="0" smtClean="0"/>
-              <a:t>initially knows </a:t>
-            </a:r>
-            <a:r>
-              <a:rPr lang="en-US" altLang="zh-CN" dirty="0" smtClean="0"/>
-              <a:t>only the possible states and actions, and nothing more. The agent uses </a:t>
-            </a:r>
-            <a:r>
-              <a:rPr lang="en-US" altLang="zh-CN" dirty="0" smtClean="0"/>
-              <a:t>an </a:t>
-            </a:r>
-            <a:r>
-              <a:rPr lang="en-US" altLang="zh-CN" i="1" dirty="0" smtClean="0"/>
-              <a:t>exploration </a:t>
-            </a:r>
-            <a:r>
-              <a:rPr lang="en-US" altLang="zh-CN" i="1" dirty="0" smtClean="0"/>
-              <a:t>policy—for example, a purely random policy—to explore the MDP, and </a:t>
-            </a:r>
-            <a:r>
-              <a:rPr lang="en-US" altLang="zh-CN" i="1" dirty="0" smtClean="0"/>
-              <a:t>as </a:t>
-            </a:r>
-            <a:r>
-              <a:rPr lang="en-US" altLang="zh-CN" dirty="0" smtClean="0"/>
-              <a:t>it </a:t>
-            </a:r>
-            <a:r>
-              <a:rPr lang="en-US" altLang="zh-CN" dirty="0" smtClean="0"/>
-              <a:t>progresses the TD Learning algorithm updates the estimates of the state </a:t>
-            </a:r>
-            <a:r>
-              <a:rPr lang="en-US" altLang="zh-CN" dirty="0" smtClean="0"/>
-              <a:t>values based </a:t>
-            </a:r>
-            <a:r>
-              <a:rPr lang="en-US" altLang="zh-CN" dirty="0" smtClean="0"/>
-              <a:t>on the transitions and rewards that are actually </a:t>
-            </a:r>
-            <a:r>
-              <a:rPr lang="en-US" altLang="zh-CN" dirty="0" smtClean="0"/>
-              <a:t>observed.</a:t>
+              <a:t>it progresses the TD Learning algorithm updates the estimates of the state values based on the transitions and rewards that are actually observed.</a:t>
             </a:r>
             <a:endParaRPr lang="zh-CN" altLang="en-US" b="1" dirty="0"/>
           </a:p>
@@ -11408,7 +10271,7 @@
     </p:spTree>
     <p:extLst>
       <p:ext uri="{BB962C8B-B14F-4D97-AF65-F5344CB8AC3E}">
-        <p14:creationId xmlns="" xmlns:p14="http://schemas.microsoft.com/office/powerpoint/2010/main" val="2556623258"/>
+        <p14:creationId xmlns:p14="http://schemas.microsoft.com/office/powerpoint/2010/main" val="2556623258"/>
       </p:ext>
     </p:extLst>
   </p:cSld>
@@ -11493,27 +10356,11 @@
             </a:r>
             <a:r>
               <a:rPr lang="en-US" altLang="zh-CN" i="1" dirty="0" smtClean="0"/>
-              <a:t>s, this algorithm simply keeps track of a running average of the </a:t>
-            </a:r>
-            <a:r>
-              <a:rPr lang="en-US" altLang="zh-CN" i="1" dirty="0" smtClean="0"/>
-              <a:t>immediate </a:t>
+              <a:t>s, this algorithm simply keeps track of a running average of the immediate </a:t>
             </a:r>
             <a:r>
               <a:rPr lang="en-US" altLang="zh-CN" dirty="0" smtClean="0"/>
-              <a:t>rewards </a:t>
-            </a:r>
-            <a:r>
-              <a:rPr lang="en-US" altLang="zh-CN" dirty="0" smtClean="0"/>
-              <a:t>the agent gets upon leaving that state, plus the rewards it expects to </a:t>
-            </a:r>
-            <a:r>
-              <a:rPr lang="en-US" altLang="zh-CN" dirty="0" smtClean="0"/>
-              <a:t>get later </a:t>
-            </a:r>
-            <a:r>
-              <a:rPr lang="en-US" altLang="zh-CN" dirty="0" smtClean="0"/>
-              <a:t>(assuming it acts optimally).</a:t>
+              <a:t>rewards the agent gets upon leaving that state, plus the rewards it expects to get later (assuming it acts optimally).</a:t>
             </a:r>
             <a:endParaRPr lang="zh-CN" altLang="en-US" b="1" dirty="0"/>
           </a:p>
@@ -11555,7 +10402,7 @@
     </p:spTree>
     <p:extLst>
       <p:ext uri="{BB962C8B-B14F-4D97-AF65-F5344CB8AC3E}">
-        <p14:creationId xmlns="" xmlns:p14="http://schemas.microsoft.com/office/powerpoint/2010/main" val="2556623258"/>
+        <p14:creationId xmlns:p14="http://schemas.microsoft.com/office/powerpoint/2010/main" val="2556623258"/>
       </p:ext>
     </p:extLst>
   </p:cSld>
@@ -11636,23 +10483,7 @@
           <a:p>
             <a:r>
               <a:rPr lang="en-US" altLang="zh-CN" dirty="0" smtClean="0"/>
-              <a:t>Similarly, the Q-Learning algorithm is an adaptation of the Q-Value Iteration </a:t>
-            </a:r>
-            <a:r>
-              <a:rPr lang="en-US" altLang="zh-CN" dirty="0" smtClean="0"/>
-              <a:t>algorithm to </a:t>
-            </a:r>
-            <a:r>
-              <a:rPr lang="en-US" altLang="zh-CN" dirty="0" smtClean="0"/>
-              <a:t>the situation where the transition probabilities and the rewards are </a:t>
-            </a:r>
-            <a:r>
-              <a:rPr lang="en-US" altLang="zh-CN" dirty="0" smtClean="0"/>
-              <a:t>initially unknown </a:t>
-            </a:r>
-            <a:r>
-              <a:rPr lang="en-US" altLang="zh-CN" dirty="0" smtClean="0"/>
-              <a:t>(see Equation 16-5).</a:t>
+              <a:t>Similarly, the Q-Learning algorithm is an adaptation of the Q-Value Iteration algorithm to the situation where the transition probabilities and the rewards are initially unknown (see Equation 16-5).</a:t>
             </a:r>
             <a:endParaRPr lang="zh-CN" altLang="en-US" b="1" dirty="0"/>
           </a:p>
@@ -11694,7 +10525,7 @@
     </p:spTree>
     <p:extLst>
       <p:ext uri="{BB962C8B-B14F-4D97-AF65-F5344CB8AC3E}">
-        <p14:creationId xmlns="" xmlns:p14="http://schemas.microsoft.com/office/powerpoint/2010/main" val="2556623258"/>
+        <p14:creationId xmlns:p14="http://schemas.microsoft.com/office/powerpoint/2010/main" val="2556623258"/>
       </p:ext>
     </p:extLst>
   </p:cSld>
@@ -11864,11 +10695,7 @@
             </a:pPr>
             <a:r>
               <a:rPr lang="en-US" altLang="zh-CN" sz="2400" dirty="0" smtClean="0"/>
-              <a:t>    Q[state</a:t>
-            </a:r>
-            <a:r>
-              <a:rPr lang="en-US" altLang="zh-CN" sz="2400" dirty="0" smtClean="0"/>
-              <a:t>, actions] = 0.0 </a:t>
+              <a:t>    Q[state, actions] = 0.0 </a:t>
             </a:r>
             <a:r>
               <a:rPr lang="en-US" altLang="zh-CN" sz="2400" i="1" dirty="0" smtClean="0"/>
@@ -11898,11 +10725,7 @@
             </a:pPr>
             <a:r>
               <a:rPr lang="en-US" altLang="zh-CN" sz="2400" dirty="0" smtClean="0"/>
-              <a:t>    a </a:t>
-            </a:r>
-            <a:r>
-              <a:rPr lang="en-US" altLang="zh-CN" sz="2400" dirty="0" smtClean="0"/>
-              <a:t>= </a:t>
+              <a:t>    a = </a:t>
             </a:r>
             <a:r>
               <a:rPr lang="en-US" altLang="zh-CN" sz="2400" dirty="0" err="1" smtClean="0"/>
@@ -11931,11 +10754,7 @@
             </a:pPr>
             <a:r>
               <a:rPr lang="en-US" altLang="zh-CN" sz="2400" dirty="0" smtClean="0"/>
-              <a:t>    sp </a:t>
-            </a:r>
-            <a:r>
-              <a:rPr lang="en-US" altLang="zh-CN" sz="2400" dirty="0" smtClean="0"/>
-              <a:t>= </a:t>
+              <a:t>    sp = </a:t>
             </a:r>
             <a:r>
               <a:rPr lang="en-US" altLang="zh-CN" sz="2400" dirty="0" err="1" smtClean="0"/>
@@ -11956,11 +10775,7 @@
             </a:pPr>
             <a:r>
               <a:rPr lang="en-US" altLang="zh-CN" sz="2400" dirty="0" smtClean="0"/>
-              <a:t>    reward </a:t>
-            </a:r>
-            <a:r>
-              <a:rPr lang="en-US" altLang="zh-CN" sz="2400" dirty="0" smtClean="0"/>
-              <a:t>= R[s, a, sp]</a:t>
+              <a:t>    reward = R[s, a, sp]</a:t>
             </a:r>
           </a:p>
           <a:p>
@@ -11977,11 +10792,7 @@
             </a:r>
             <a:r>
               <a:rPr lang="en-US" altLang="zh-CN" sz="2400" dirty="0" smtClean="0"/>
-              <a:t> </a:t>
-            </a:r>
-            <a:r>
-              <a:rPr lang="en-US" altLang="zh-CN" sz="2400" dirty="0" smtClean="0"/>
-              <a:t>= learning_rate0 / (1 + iteration * </a:t>
+              <a:t> = learning_rate0 / (1 + iteration * </a:t>
             </a:r>
             <a:r>
               <a:rPr lang="en-US" altLang="zh-CN" sz="2400" dirty="0" err="1" smtClean="0"/>
@@ -11998,11 +10809,7 @@
             </a:pPr>
             <a:r>
               <a:rPr lang="en-US" altLang="zh-CN" sz="2400" dirty="0" smtClean="0"/>
-              <a:t>    Q[s</a:t>
-            </a:r>
-            <a:r>
-              <a:rPr lang="en-US" altLang="zh-CN" sz="2400" dirty="0" smtClean="0"/>
-              <a:t>, a] = </a:t>
+              <a:t>    Q[s, a] = </a:t>
             </a:r>
             <a:r>
               <a:rPr lang="en-US" altLang="zh-CN" sz="2400" dirty="0" err="1" smtClean="0"/>
@@ -12027,11 +10834,7 @@
             </a:pPr>
             <a:r>
               <a:rPr lang="en-US" altLang="zh-CN" sz="2400" dirty="0" smtClean="0"/>
-              <a:t>            reward </a:t>
-            </a:r>
-            <a:r>
-              <a:rPr lang="en-US" altLang="zh-CN" sz="2400" dirty="0" smtClean="0"/>
-              <a:t>+ </a:t>
+              <a:t>            reward + </a:t>
             </a:r>
             <a:r>
               <a:rPr lang="en-US" altLang="zh-CN" sz="2400" dirty="0" err="1" smtClean="0"/>
@@ -12039,25 +10842,16 @@
             </a:r>
             <a:r>
               <a:rPr lang="en-US" altLang="zh-CN" sz="2400" dirty="0" smtClean="0"/>
-              <a:t> * np.max(Q[sp</a:t>
-            </a:r>
-            <a:r>
-              <a:rPr lang="en-US" altLang="zh-CN" sz="2400" dirty="0" smtClean="0"/>
-              <a:t>]))</a:t>
-            </a:r>
-            <a:endParaRPr lang="en-US" altLang="zh-CN" sz="2400" dirty="0" smtClean="0"/>
-          </a:p>
-          <a:p>
-            <a:pPr>
-              <a:buNone/>
-            </a:pPr>
-            <a:r>
-              <a:rPr lang="en-US" altLang="zh-CN" sz="2400" dirty="0" smtClean="0"/>
-              <a:t>    s </a:t>
-            </a:r>
-            <a:r>
-              <a:rPr lang="en-US" altLang="zh-CN" sz="2400" dirty="0" smtClean="0"/>
-              <a:t>= sp </a:t>
+              <a:t> * np.max(Q[sp]))</a:t>
+            </a:r>
+          </a:p>
+          <a:p>
+            <a:pPr>
+              <a:buNone/>
+            </a:pPr>
+            <a:r>
+              <a:rPr lang="en-US" altLang="zh-CN" sz="2400" dirty="0" smtClean="0"/>
+              <a:t>    s = sp </a:t>
             </a:r>
             <a:r>
               <a:rPr lang="en-US" altLang="zh-CN" sz="2400" i="1" dirty="0" smtClean="0"/>
@@ -12070,7 +10864,7 @@
     </p:spTree>
     <p:extLst>
       <p:ext uri="{BB962C8B-B14F-4D97-AF65-F5344CB8AC3E}">
-        <p14:creationId xmlns="" xmlns:p14="http://schemas.microsoft.com/office/powerpoint/2010/main" val="2556623258"/>
+        <p14:creationId xmlns:p14="http://schemas.microsoft.com/office/powerpoint/2010/main" val="2556623258"/>
       </p:ext>
     </p:extLst>
   </p:cSld>
@@ -12151,95 +10945,15 @@
           <a:p>
             <a:r>
               <a:rPr lang="en-US" altLang="zh-CN" sz="2800" dirty="0" smtClean="0"/>
-              <a:t>Of course Q-Learning can work only if the exploration policy explores the </a:t>
+              <a:t>Of course Q-Learning can work only if the exploration policy explores the MDP thoroughly enough. Although a purely random policy is guaranteed to eventually visit every state and every transition many times, it may take an extremely long time to do so. Therefore, a better option is to use the </a:t>
+            </a:r>
+            <a:r>
+              <a:rPr lang="en-US" altLang="zh-CN" sz="2800" i="1" dirty="0" smtClean="0"/>
+              <a:t>ε-greedy policy: at each step it acts </a:t>
             </a:r>
             <a:r>
               <a:rPr lang="en-US" altLang="zh-CN" sz="2800" dirty="0" smtClean="0"/>
-              <a:t>MDP thoroughly </a:t>
-            </a:r>
-            <a:r>
-              <a:rPr lang="en-US" altLang="zh-CN" sz="2800" dirty="0" smtClean="0"/>
-              <a:t>enough. Although a purely random policy is guaranteed to </a:t>
-            </a:r>
-            <a:r>
-              <a:rPr lang="en-US" altLang="zh-CN" sz="2800" dirty="0" smtClean="0"/>
-              <a:t>eventually visit </a:t>
-            </a:r>
-            <a:r>
-              <a:rPr lang="en-US" altLang="zh-CN" sz="2800" dirty="0" smtClean="0"/>
-              <a:t>every state and every transition many times, it may take an extremely long </a:t>
-            </a:r>
-            <a:r>
-              <a:rPr lang="en-US" altLang="zh-CN" sz="2800" dirty="0" smtClean="0"/>
-              <a:t>time to </a:t>
-            </a:r>
-            <a:r>
-              <a:rPr lang="en-US" altLang="zh-CN" sz="2800" dirty="0" smtClean="0"/>
-              <a:t>do so. Therefore, a better option is to use the </a:t>
-            </a:r>
-            <a:r>
-              <a:rPr lang="en-US" altLang="zh-CN" sz="2800" i="1" dirty="0" smtClean="0"/>
-              <a:t>ε-greedy policy: at each step it </a:t>
-            </a:r>
-            <a:r>
-              <a:rPr lang="en-US" altLang="zh-CN" sz="2800" i="1" dirty="0" smtClean="0"/>
-              <a:t>acts </a:t>
-            </a:r>
-            <a:r>
-              <a:rPr lang="en-US" altLang="zh-CN" sz="2800" dirty="0" smtClean="0"/>
-              <a:t>randomly </a:t>
-            </a:r>
-            <a:r>
-              <a:rPr lang="en-US" altLang="zh-CN" sz="2800" dirty="0" smtClean="0"/>
-              <a:t>with probability ε, or greedily </a:t>
-            </a:r>
-            <a:r>
-              <a:rPr lang="en-US" altLang="zh-CN" sz="2800" dirty="0" smtClean="0"/>
-              <a:t>with </a:t>
-            </a:r>
-            <a:r>
-              <a:rPr lang="en-US" altLang="zh-CN" sz="2800" dirty="0" smtClean="0"/>
-              <a:t>probability 1-ε. The advantage of the ε-greedy policy </a:t>
-            </a:r>
-            <a:r>
-              <a:rPr lang="en-US" altLang="zh-CN" sz="2800" dirty="0" smtClean="0"/>
-              <a:t>is </a:t>
-            </a:r>
-            <a:r>
-              <a:rPr lang="en-US" altLang="zh-CN" sz="2800" dirty="0" smtClean="0"/>
-              <a:t>that it will spend more and more time exploring </a:t>
-            </a:r>
-            <a:r>
-              <a:rPr lang="en-US" altLang="zh-CN" sz="2800" dirty="0" smtClean="0"/>
-              <a:t>the interesting </a:t>
-            </a:r>
-            <a:r>
-              <a:rPr lang="en-US" altLang="zh-CN" sz="2800" dirty="0" smtClean="0"/>
-              <a:t>parts of the environment, as the Q-Value estimates get better and </a:t>
-            </a:r>
-            <a:r>
-              <a:rPr lang="en-US" altLang="zh-CN" sz="2800" dirty="0" smtClean="0"/>
-              <a:t>better, while </a:t>
-            </a:r>
-            <a:r>
-              <a:rPr lang="en-US" altLang="zh-CN" sz="2800" dirty="0" smtClean="0"/>
-              <a:t>still spending some time visiting unknown regions of the MDP. It is quite </a:t>
-            </a:r>
-            <a:r>
-              <a:rPr lang="en-US" altLang="zh-CN" sz="2800" dirty="0" smtClean="0"/>
-              <a:t>common to </a:t>
-            </a:r>
-            <a:r>
-              <a:rPr lang="en-US" altLang="zh-CN" sz="2800" dirty="0" smtClean="0"/>
-              <a:t>start with a high value for ε (e.g., 1.0) and then gradually reduce it (e.g., </a:t>
-            </a:r>
-            <a:r>
-              <a:rPr lang="en-US" altLang="zh-CN" sz="2800" dirty="0" smtClean="0"/>
-              <a:t>down to </a:t>
-            </a:r>
-            <a:r>
-              <a:rPr lang="en-US" altLang="zh-CN" sz="2800" dirty="0" smtClean="0"/>
-              <a:t>0.05).</a:t>
+              <a:t>randomly with probability ε, or greedily with probability 1-ε. The advantage of the ε-greedy policy is that it will spend more and more time exploring the interesting parts of the environment, as the Q-Value estimates get better and better, while still spending some time visiting unknown regions of the MDP. It is quite common to start with a high value for ε (e.g., 1.0) and then gradually reduce it (e.g., down to 0.05).</a:t>
             </a:r>
             <a:endParaRPr lang="zh-CN" altLang="en-US" sz="2800" b="1" dirty="0"/>
           </a:p>
@@ -12248,7 +10962,7 @@
     </p:spTree>
     <p:extLst>
       <p:ext uri="{BB962C8B-B14F-4D97-AF65-F5344CB8AC3E}">
-        <p14:creationId xmlns="" xmlns:p14="http://schemas.microsoft.com/office/powerpoint/2010/main" val="2556623258"/>
+        <p14:creationId xmlns:p14="http://schemas.microsoft.com/office/powerpoint/2010/main" val="2556623258"/>
       </p:ext>
     </p:extLst>
   </p:cSld>
@@ -12329,27 +11043,7 @@
           <a:p>
             <a:r>
               <a:rPr lang="en-US" altLang="zh-CN" sz="2800" dirty="0" smtClean="0"/>
-              <a:t>Alternatively, rather than relying on chance for exploration, another approach is </a:t>
-            </a:r>
-            <a:r>
-              <a:rPr lang="en-US" altLang="zh-CN" sz="2800" dirty="0" smtClean="0"/>
-              <a:t>to encourage </a:t>
-            </a:r>
-            <a:r>
-              <a:rPr lang="en-US" altLang="zh-CN" sz="2800" dirty="0" smtClean="0"/>
-              <a:t>the exploration policy to try actions that it has not tried much before. </a:t>
-            </a:r>
-            <a:r>
-              <a:rPr lang="en-US" altLang="zh-CN" sz="2800" dirty="0" smtClean="0"/>
-              <a:t>This can </a:t>
-            </a:r>
-            <a:r>
-              <a:rPr lang="en-US" altLang="zh-CN" sz="2800" dirty="0" smtClean="0"/>
-              <a:t>be implemented as a bonus added to the Q-Value estimates, as shown in </a:t>
-            </a:r>
-            <a:r>
-              <a:rPr lang="en-US" altLang="zh-CN" sz="2800" dirty="0" smtClean="0"/>
-              <a:t>Equation 16-6.</a:t>
+              <a:t>Alternatively, rather than relying on chance for exploration, another approach is to encourage the exploration policy to try actions that it has not tried much before. This can be implemented as a bonus added to the Q-Value estimates, as shown in Equation 16-6.</a:t>
             </a:r>
           </a:p>
           <a:p>
@@ -12367,11 +11061,7 @@
           <a:p>
             <a:r>
               <a:rPr lang="en-US" altLang="zh-CN" sz="2800" i="1" dirty="0" smtClean="0"/>
-              <a:t>f(q, n) is an exploration function, such as f(q, n) = q + K/(1 + n), where K is </a:t>
-            </a:r>
-            <a:r>
-              <a:rPr lang="en-US" altLang="zh-CN" sz="2800" i="1" dirty="0" smtClean="0"/>
-              <a:t>a </a:t>
+              <a:t>f(q, n) is an exploration function, such as f(q, n) = q + K/(1 + n), where K is a </a:t>
             </a:r>
             <a:r>
               <a:rPr lang="en-US" altLang="zh-CN" sz="2800" dirty="0" smtClean="0"/>
@@ -12391,15 +11081,7 @@
             </a:r>
             <a:r>
               <a:rPr lang="en-US" altLang="zh-CN" sz="2800" dirty="0" smtClean="0"/>
-              <a:t> </a:t>
-            </a:r>
-            <a:r>
-              <a:rPr lang="en-US" altLang="zh-CN" sz="2800" dirty="0" smtClean="0"/>
-              <a:t>the unknown</a:t>
-            </a:r>
-            <a:r>
-              <a:rPr lang="en-US" altLang="zh-CN" sz="2800" dirty="0" smtClean="0"/>
-              <a:t>.</a:t>
+              <a:t> the unknown.</a:t>
             </a:r>
             <a:endParaRPr lang="zh-CN" altLang="en-US" sz="2800" b="1" dirty="0"/>
           </a:p>
@@ -12441,7 +11123,7 @@
     </p:spTree>
     <p:extLst>
       <p:ext uri="{BB962C8B-B14F-4D97-AF65-F5344CB8AC3E}">
-        <p14:creationId xmlns="" xmlns:p14="http://schemas.microsoft.com/office/powerpoint/2010/main" val="2556623258"/>
+        <p14:creationId xmlns:p14="http://schemas.microsoft.com/office/powerpoint/2010/main" val="2556623258"/>
       </p:ext>
     </p:extLst>
   </p:cSld>
@@ -12522,39 +11204,7 @@
           <a:p>
             <a:r>
               <a:rPr lang="en-US" altLang="zh-CN" sz="2800" dirty="0" smtClean="0"/>
-              <a:t>The main problem with Q-Learning is that it does not scale well to large (or </a:t>
-            </a:r>
-            <a:r>
-              <a:rPr lang="en-US" altLang="zh-CN" sz="2800" dirty="0" smtClean="0"/>
-              <a:t>even medium</a:t>
-            </a:r>
-            <a:r>
-              <a:rPr lang="en-US" altLang="zh-CN" sz="2800" dirty="0" smtClean="0"/>
-              <a:t>) MDPs with many states and actions. Consider trying to use Q-Learning </a:t>
-            </a:r>
-            <a:r>
-              <a:rPr lang="en-US" altLang="zh-CN" sz="2800" dirty="0" smtClean="0"/>
-              <a:t>to train </a:t>
-            </a:r>
-            <a:r>
-              <a:rPr lang="en-US" altLang="zh-CN" sz="2800" dirty="0" smtClean="0"/>
-              <a:t>an agent to play Ms. Pac-Man. There are over 250 pellets that Ms. Pac-Man </a:t>
-            </a:r>
-            <a:r>
-              <a:rPr lang="en-US" altLang="zh-CN" sz="2800" dirty="0" smtClean="0"/>
-              <a:t>can eat</a:t>
-            </a:r>
-            <a:r>
-              <a:rPr lang="en-US" altLang="zh-CN" sz="2800" dirty="0" smtClean="0"/>
-              <a:t>, each of which can be present or absent (i.e., already eaten). So the number of </a:t>
-            </a:r>
-            <a:r>
-              <a:rPr lang="en-US" altLang="zh-CN" sz="2800" dirty="0" smtClean="0"/>
-              <a:t>possible states </a:t>
-            </a:r>
-            <a:r>
-              <a:rPr lang="en-US" altLang="zh-CN" sz="2800" dirty="0" smtClean="0"/>
-              <a:t>is greater than 2</a:t>
+              <a:t>The main problem with Q-Learning is that it does not scale well to large (or even medium) MDPs with many states and actions. Consider trying to use Q-Learning to train an agent to play Ms. Pac-Man. There are over 250 pellets that Ms. Pac-Man can eat, each of which can be present or absent (i.e., already eaten). So the number of possible states is greater than 2</a:t>
             </a:r>
             <a:r>
               <a:rPr lang="en-US" altLang="zh-CN" sz="2800" baseline="30000" dirty="0" smtClean="0"/>
@@ -12570,23 +11220,7 @@
             </a:r>
             <a:r>
               <a:rPr lang="en-US" altLang="zh-CN" sz="2800" dirty="0" smtClean="0"/>
-              <a:t> (and that’s considering the possible states only </a:t>
-            </a:r>
-            <a:r>
-              <a:rPr lang="en-US" altLang="zh-CN" sz="2800" dirty="0" smtClean="0"/>
-              <a:t>of the </a:t>
-            </a:r>
-            <a:r>
-              <a:rPr lang="en-US" altLang="zh-CN" sz="2800" dirty="0" smtClean="0"/>
-              <a:t>pellets). This is way more than atoms in the observable universe, so there’s </a:t>
-            </a:r>
-            <a:r>
-              <a:rPr lang="en-US" altLang="zh-CN" sz="2800" dirty="0" smtClean="0"/>
-              <a:t>absolutely no </a:t>
-            </a:r>
-            <a:r>
-              <a:rPr lang="en-US" altLang="zh-CN" sz="2800" dirty="0" smtClean="0"/>
-              <a:t>way you can keep track of an estimate for every single Q-Value.</a:t>
+              <a:t> (and that’s considering the possible states only of the pellets). This is way more than atoms in the observable universe, so there’s absolutely no way you can keep track of an estimate for every single Q-Value.</a:t>
             </a:r>
             <a:endParaRPr lang="zh-CN" altLang="en-US" sz="2800" b="1" dirty="0"/>
           </a:p>
@@ -12595,7 +11229,7 @@
     </p:spTree>
     <p:extLst>
       <p:ext uri="{BB962C8B-B14F-4D97-AF65-F5344CB8AC3E}">
-        <p14:creationId xmlns="" xmlns:p14="http://schemas.microsoft.com/office/powerpoint/2010/main" val="2556623258"/>
+        <p14:creationId xmlns:p14="http://schemas.microsoft.com/office/powerpoint/2010/main" val="2556623258"/>
       </p:ext>
     </p:extLst>
   </p:cSld>
@@ -12676,39 +11310,15 @@
           <a:p>
             <a:r>
               <a:rPr lang="en-US" altLang="zh-CN" sz="2800" dirty="0" smtClean="0"/>
-              <a:t>The solution is to find a function that approximates the Q-Values using a </a:t>
+              <a:t>The solution is to find a function that approximates the Q-Values using a manageable number of parameters. This is called </a:t>
+            </a:r>
+            <a:r>
+              <a:rPr lang="en-US" altLang="zh-CN" sz="2800" i="1" dirty="0" smtClean="0"/>
+              <a:t>Approximate Q-Learning. For years it was recommended </a:t>
             </a:r>
             <a:r>
               <a:rPr lang="en-US" altLang="zh-CN" sz="2800" dirty="0" smtClean="0"/>
-              <a:t>manageable number </a:t>
-            </a:r>
-            <a:r>
-              <a:rPr lang="en-US" altLang="zh-CN" sz="2800" dirty="0" smtClean="0"/>
-              <a:t>of parameters. This is called </a:t>
-            </a:r>
-            <a:r>
-              <a:rPr lang="en-US" altLang="zh-CN" sz="2800" i="1" dirty="0" smtClean="0"/>
-              <a:t>Approximate Q-Learning. For years it was </a:t>
-            </a:r>
-            <a:r>
-              <a:rPr lang="en-US" altLang="zh-CN" sz="2800" i="1" dirty="0" smtClean="0"/>
-              <a:t>recommended </a:t>
-            </a:r>
-            <a:r>
-              <a:rPr lang="en-US" altLang="zh-CN" sz="2800" dirty="0" smtClean="0"/>
-              <a:t>to </a:t>
-            </a:r>
-            <a:r>
-              <a:rPr lang="en-US" altLang="zh-CN" sz="2800" dirty="0" smtClean="0"/>
-              <a:t>use linear combinations of hand-crafted features extracted from </a:t>
-            </a:r>
-            <a:r>
-              <a:rPr lang="en-US" altLang="zh-CN" sz="2800" dirty="0" smtClean="0"/>
-              <a:t>the state </a:t>
-            </a:r>
-            <a:r>
-              <a:rPr lang="en-US" altLang="zh-CN" sz="2800" dirty="0" smtClean="0"/>
-              <a:t>(e.g., distance of the closest ghosts, their directions, and so on) to estimate </a:t>
+              <a:t>to use linear combinations of hand-crafted features extracted from the state (e.g., distance of the closest ghosts, their directions, and so on) to estimate </a:t>
             </a:r>
             <a:r>
               <a:rPr lang="en-US" altLang="zh-CN" sz="2800" dirty="0" err="1" smtClean="0"/>
@@ -12724,39 +11334,15 @@
             </a:r>
             <a:r>
               <a:rPr lang="en-US" altLang="zh-CN" sz="2800" dirty="0" smtClean="0"/>
-              <a:t> showed that using deep neural networks can work much </a:t>
+              <a:t> showed that using deep neural networks can work much better, especially for complex problems, and it does not require any feature engineering. A DNN used to estimate Q-Values is called a </a:t>
+            </a:r>
+            <a:r>
+              <a:rPr lang="en-US" altLang="zh-CN" sz="2800" i="1" dirty="0" smtClean="0"/>
+              <a:t>deep Q-network (DQN), and using a </a:t>
             </a:r>
             <a:r>
               <a:rPr lang="en-US" altLang="zh-CN" sz="2800" dirty="0" smtClean="0"/>
-              <a:t>better, especially </a:t>
-            </a:r>
-            <a:r>
-              <a:rPr lang="en-US" altLang="zh-CN" sz="2800" dirty="0" smtClean="0"/>
-              <a:t>for complex problems, and it does not require any feature </a:t>
-            </a:r>
-            <a:r>
-              <a:rPr lang="en-US" altLang="zh-CN" sz="2800" dirty="0" smtClean="0"/>
-              <a:t>engineering. A </a:t>
-            </a:r>
-            <a:r>
-              <a:rPr lang="en-US" altLang="zh-CN" sz="2800" dirty="0" smtClean="0"/>
-              <a:t>DNN used to estimate Q-Values is called a </a:t>
-            </a:r>
-            <a:r>
-              <a:rPr lang="en-US" altLang="zh-CN" sz="2800" i="1" dirty="0" smtClean="0"/>
-              <a:t>deep Q-network (DQN), and using </a:t>
-            </a:r>
-            <a:r>
-              <a:rPr lang="en-US" altLang="zh-CN" sz="2800" i="1" dirty="0" smtClean="0"/>
-              <a:t>a </a:t>
-            </a:r>
-            <a:r>
-              <a:rPr lang="en-US" altLang="zh-CN" sz="2800" dirty="0" smtClean="0"/>
-              <a:t>DQN </a:t>
-            </a:r>
-            <a:r>
-              <a:rPr lang="en-US" altLang="zh-CN" sz="2800" dirty="0" smtClean="0"/>
-              <a:t>for Approximate Q-Learning is called </a:t>
+              <a:t>DQN for Approximate Q-Learning is called </a:t>
             </a:r>
             <a:r>
               <a:rPr lang="en-US" altLang="zh-CN" sz="2800" i="1" dirty="0" smtClean="0"/>
@@ -12769,7 +11355,7 @@
     </p:spTree>
     <p:extLst>
       <p:ext uri="{BB962C8B-B14F-4D97-AF65-F5344CB8AC3E}">
-        <p14:creationId xmlns="" xmlns:p14="http://schemas.microsoft.com/office/powerpoint/2010/main" val="2556623258"/>
+        <p14:creationId xmlns:p14="http://schemas.microsoft.com/office/powerpoint/2010/main" val="2556623258"/>
       </p:ext>
     </p:extLst>
   </p:cSld>
@@ -12843,63 +11429,15 @@
           <a:p>
             <a:r>
               <a:rPr lang="en-US" altLang="zh-CN" dirty="0" smtClean="0"/>
-              <a:t>The policy can be any algorithm </a:t>
+              <a:t>The policy can be any algorithm and it does not even have to be deterministic. For example, consider a robotic vacuum cleaner whose reward is the amount of dust it picks up in 30 minutes. Its policy could be to move forward with some probability </a:t>
+            </a:r>
+            <a:r>
+              <a:rPr lang="en-US" altLang="zh-CN" i="1" dirty="0" smtClean="0"/>
+              <a:t>p every second, or randomly rotate left or right with probability 1 – p. The rotation angle would be a random angle between –r and +r. Since this policy </a:t>
             </a:r>
             <a:r>
               <a:rPr lang="en-US" altLang="zh-CN" dirty="0" smtClean="0"/>
-              <a:t>and </a:t>
-            </a:r>
-            <a:r>
-              <a:rPr lang="en-US" altLang="zh-CN" dirty="0" smtClean="0"/>
-              <a:t>it does not even have to </a:t>
-            </a:r>
-            <a:r>
-              <a:rPr lang="en-US" altLang="zh-CN" dirty="0" smtClean="0"/>
-              <a:t>be deterministic</a:t>
-            </a:r>
-            <a:r>
-              <a:rPr lang="en-US" altLang="zh-CN" dirty="0" smtClean="0"/>
-              <a:t>. For example, consider a robotic vacuum cleaner whose reward is </a:t>
-            </a:r>
-            <a:r>
-              <a:rPr lang="en-US" altLang="zh-CN" dirty="0" smtClean="0"/>
-              <a:t>the amount </a:t>
-            </a:r>
-            <a:r>
-              <a:rPr lang="en-US" altLang="zh-CN" dirty="0" smtClean="0"/>
-              <a:t>of dust it picks up in 30 minutes. Its policy could be to move forward </a:t>
-            </a:r>
-            <a:r>
-              <a:rPr lang="en-US" altLang="zh-CN" dirty="0" smtClean="0"/>
-              <a:t>with some </a:t>
-            </a:r>
-            <a:r>
-              <a:rPr lang="en-US" altLang="zh-CN" dirty="0" smtClean="0"/>
-              <a:t>probability </a:t>
-            </a:r>
-            <a:r>
-              <a:rPr lang="en-US" altLang="zh-CN" i="1" dirty="0" smtClean="0"/>
-              <a:t>p every second, or randomly rotate left or right with probability 1 </a:t>
-            </a:r>
-            <a:r>
-              <a:rPr lang="en-US" altLang="zh-CN" i="1" dirty="0" smtClean="0"/>
-              <a:t>– p</a:t>
-            </a:r>
-            <a:r>
-              <a:rPr lang="en-US" altLang="zh-CN" i="1" dirty="0" smtClean="0"/>
-              <a:t>. The rotation angle would be a random angle between –r and +r. Since this </a:t>
-            </a:r>
-            <a:r>
-              <a:rPr lang="en-US" altLang="zh-CN" i="1" dirty="0" smtClean="0"/>
-              <a:t>policy </a:t>
-            </a:r>
-            <a:r>
-              <a:rPr lang="en-US" altLang="zh-CN" dirty="0" smtClean="0"/>
-              <a:t>involves </a:t>
-            </a:r>
-            <a:r>
-              <a:rPr lang="en-US" altLang="zh-CN" dirty="0" smtClean="0"/>
-              <a:t>some randomness, it is called a </a:t>
+              <a:t>involves some randomness, it is called a </a:t>
             </a:r>
             <a:r>
               <a:rPr lang="en-US" altLang="zh-CN" i="1" dirty="0" smtClean="0"/>
@@ -12912,13 +11450,20 @@
     </p:spTree>
     <p:extLst>
       <p:ext uri="{BB962C8B-B14F-4D97-AF65-F5344CB8AC3E}">
-        <p14:creationId xmlns="" xmlns:p14="http://schemas.microsoft.com/office/powerpoint/2010/main" val="2556623258"/>
+        <p14:creationId xmlns:p14="http://schemas.microsoft.com/office/powerpoint/2010/main" val="2556623258"/>
       </p:ext>
     </p:extLst>
   </p:cSld>
   <p:clrMapOvr>
     <a:masterClrMapping/>
   </p:clrMapOvr>
+  <p:timing>
+    <p:tnLst>
+      <p:par>
+        <p:cTn id="1" dur="indefinite" restart="never" nodeType="tmRoot"/>
+      </p:par>
+    </p:tnLst>
+  </p:timing>
 </p:sld>
 </file>
 
@@ -13001,15 +11546,7 @@
             </a:r>
             <a:r>
               <a:rPr lang="en-US" altLang="zh-CN" sz="2800" dirty="0" smtClean="0"/>
-              <a:t> gym’s </a:t>
-            </a:r>
-            <a:r>
-              <a:rPr lang="en-US" altLang="zh-CN" sz="2800" dirty="0" smtClean="0"/>
-              <a:t>Atari dependencies</a:t>
-            </a:r>
-            <a:r>
-              <a:rPr lang="en-US" altLang="zh-CN" sz="2800" dirty="0" smtClean="0"/>
-              <a:t>. While we’re at it, we will also install dependencies for other </a:t>
+              <a:t> gym’s Atari dependencies. While we’re at it, we will also install dependencies for other </a:t>
             </a:r>
             <a:r>
               <a:rPr lang="en-US" altLang="zh-CN" sz="2800" dirty="0" err="1" smtClean="0"/>
@@ -13017,11 +11554,7 @@
             </a:r>
             <a:r>
               <a:rPr lang="en-US" altLang="zh-CN" sz="2800" dirty="0" smtClean="0"/>
-              <a:t> gym </a:t>
-            </a:r>
-            <a:r>
-              <a:rPr lang="en-US" altLang="zh-CN" sz="2800" dirty="0" smtClean="0"/>
-              <a:t>environments that you may want to play with. On </a:t>
+              <a:t> gym environments that you may want to play with. On </a:t>
             </a:r>
             <a:r>
               <a:rPr lang="en-US" altLang="zh-CN" sz="2800" dirty="0" err="1" smtClean="0"/>
@@ -13029,19 +11562,7 @@
             </a:r>
             <a:r>
               <a:rPr lang="en-US" altLang="zh-CN" sz="2800" dirty="0" smtClean="0"/>
-              <a:t>, assuming you </a:t>
-            </a:r>
-            <a:r>
-              <a:rPr lang="en-US" altLang="zh-CN" sz="2800" dirty="0" smtClean="0"/>
-              <a:t>have installed </a:t>
-            </a:r>
-            <a:r>
-              <a:rPr lang="en-US" altLang="zh-CN" sz="2800" dirty="0" smtClean="0"/>
-              <a:t>Homebrew, you need to run</a:t>
-            </a:r>
-            <a:r>
-              <a:rPr lang="en-US" altLang="zh-CN" sz="2800" dirty="0" smtClean="0"/>
-              <a:t>:</a:t>
+              <a:t>, assuming you have installed Homebrew, you need to run:</a:t>
             </a:r>
           </a:p>
           <a:p>
@@ -13131,11 +11652,7 @@
             </a:r>
             <a:r>
               <a:rPr lang="en-US" altLang="zh-CN" sz="2800" dirty="0" smtClean="0"/>
-              <a:t>-all-dev libsdl2-dev </a:t>
-            </a:r>
-            <a:r>
-              <a:rPr lang="en-US" altLang="zh-CN" sz="2800" dirty="0" smtClean="0"/>
-              <a:t>swig</a:t>
+              <a:t>-all-dev libsdl2-dev swig</a:t>
             </a:r>
           </a:p>
           <a:p>
@@ -13153,7 +11670,7 @@
     </p:spTree>
     <p:extLst>
       <p:ext uri="{BB962C8B-B14F-4D97-AF65-F5344CB8AC3E}">
-        <p14:creationId xmlns="" xmlns:p14="http://schemas.microsoft.com/office/powerpoint/2010/main" val="2556623258"/>
+        <p14:creationId xmlns:p14="http://schemas.microsoft.com/office/powerpoint/2010/main" val="2556623258"/>
       </p:ext>
     </p:extLst>
   </p:cSld>
@@ -13331,11 +11848,7 @@
             </a:pPr>
             <a:r>
               <a:rPr lang="en-US" altLang="zh-CN" sz="2400" dirty="0" smtClean="0"/>
-              <a:t>Discrete(9</a:t>
-            </a:r>
-            <a:r>
-              <a:rPr lang="en-US" altLang="zh-CN" sz="2400" dirty="0" smtClean="0"/>
-              <a:t>)</a:t>
+              <a:t>Discrete(9)</a:t>
             </a:r>
           </a:p>
           <a:p>
@@ -13404,11 +11917,7 @@
             </a:r>
             <a:r>
               <a:rPr lang="en-US" altLang="zh-CN" sz="2400" dirty="0" smtClean="0"/>
-              <a:t> </a:t>
-            </a:r>
-            <a:r>
-              <a:rPr lang="en-US" altLang="zh-CN" sz="2400" dirty="0" smtClean="0"/>
-              <a:t>= </a:t>
+              <a:t> = </a:t>
             </a:r>
             <a:r>
               <a:rPr lang="en-US" altLang="zh-CN" sz="2400" dirty="0" err="1" smtClean="0"/>
@@ -13437,11 +11946,7 @@
             </a:r>
             <a:r>
               <a:rPr lang="en-US" altLang="zh-CN" sz="2400" dirty="0" smtClean="0"/>
-              <a:t> </a:t>
-            </a:r>
-            <a:r>
-              <a:rPr lang="en-US" altLang="zh-CN" sz="2400" dirty="0" smtClean="0"/>
-              <a:t>= </a:t>
+              <a:t> = </a:t>
             </a:r>
             <a:r>
               <a:rPr lang="en-US" altLang="zh-CN" sz="2400" dirty="0" err="1" smtClean="0"/>
@@ -13512,11 +12017,7 @@
             </a:r>
             <a:r>
               <a:rPr lang="en-US" altLang="zh-CN" sz="2400" dirty="0" smtClean="0"/>
-              <a:t> </a:t>
-            </a:r>
-            <a:r>
-              <a:rPr lang="en-US" altLang="zh-CN" sz="2400" dirty="0" smtClean="0"/>
-              <a:t>= (</a:t>
+              <a:t> = (</a:t>
             </a:r>
             <a:r>
               <a:rPr lang="en-US" altLang="zh-CN" sz="2400" dirty="0" err="1" smtClean="0"/>
@@ -13554,7 +12055,7 @@
     </p:spTree>
     <p:extLst>
       <p:ext uri="{BB962C8B-B14F-4D97-AF65-F5344CB8AC3E}">
-        <p14:creationId xmlns="" xmlns:p14="http://schemas.microsoft.com/office/powerpoint/2010/main" val="2556623258"/>
+        <p14:creationId xmlns:p14="http://schemas.microsoft.com/office/powerpoint/2010/main" val="2556623258"/>
       </p:ext>
     </p:extLst>
   </p:cSld>
@@ -13732,11 +12233,7 @@
             </a:pPr>
             <a:r>
               <a:rPr lang="en-US" altLang="zh-CN" sz="2400" dirty="0" smtClean="0"/>
-              <a:t>Discrete(9</a:t>
-            </a:r>
-            <a:r>
-              <a:rPr lang="en-US" altLang="zh-CN" sz="2400" dirty="0" smtClean="0"/>
-              <a:t>)</a:t>
+              <a:t>Discrete(9)</a:t>
             </a:r>
           </a:p>
           <a:p>
@@ -13805,11 +12302,7 @@
             </a:r>
             <a:r>
               <a:rPr lang="en-US" altLang="zh-CN" sz="2400" dirty="0" smtClean="0"/>
-              <a:t> </a:t>
-            </a:r>
-            <a:r>
-              <a:rPr lang="en-US" altLang="zh-CN" sz="2400" dirty="0" smtClean="0"/>
-              <a:t>= </a:t>
+              <a:t> = </a:t>
             </a:r>
             <a:r>
               <a:rPr lang="en-US" altLang="zh-CN" sz="2400" dirty="0" err="1" smtClean="0"/>
@@ -13838,11 +12331,7 @@
             </a:r>
             <a:r>
               <a:rPr lang="en-US" altLang="zh-CN" sz="2400" dirty="0" smtClean="0"/>
-              <a:t> </a:t>
-            </a:r>
-            <a:r>
-              <a:rPr lang="en-US" altLang="zh-CN" sz="2400" dirty="0" smtClean="0"/>
-              <a:t>= </a:t>
+              <a:t> = </a:t>
             </a:r>
             <a:r>
               <a:rPr lang="en-US" altLang="zh-CN" sz="2400" dirty="0" err="1" smtClean="0"/>
@@ -13913,11 +12402,7 @@
             </a:r>
             <a:r>
               <a:rPr lang="en-US" altLang="zh-CN" sz="2400" dirty="0" smtClean="0"/>
-              <a:t> </a:t>
-            </a:r>
-            <a:r>
-              <a:rPr lang="en-US" altLang="zh-CN" sz="2400" dirty="0" smtClean="0"/>
-              <a:t>= (</a:t>
+              <a:t> = (</a:t>
             </a:r>
             <a:r>
               <a:rPr lang="en-US" altLang="zh-CN" sz="2400" dirty="0" err="1" smtClean="0"/>
@@ -13988,7 +12473,7 @@
     </p:spTree>
     <p:extLst>
       <p:ext uri="{BB962C8B-B14F-4D97-AF65-F5344CB8AC3E}">
-        <p14:creationId xmlns="" xmlns:p14="http://schemas.microsoft.com/office/powerpoint/2010/main" val="2556623258"/>
+        <p14:creationId xmlns:p14="http://schemas.microsoft.com/office/powerpoint/2010/main" val="2556623258"/>
       </p:ext>
     </p:extLst>
   </p:cSld>
@@ -14077,19 +12562,11 @@
             </a:r>
             <a:r>
               <a:rPr lang="en-US" altLang="zh-CN" i="1" dirty="0" smtClean="0"/>
-              <a:t>) as input, and </a:t>
-            </a:r>
-            <a:r>
-              <a:rPr lang="en-US" altLang="zh-CN" i="1" dirty="0" smtClean="0"/>
-              <a:t>output </a:t>
+              <a:t>) as input, and output </a:t>
             </a:r>
             <a:r>
               <a:rPr lang="en-US" altLang="zh-CN" dirty="0" smtClean="0"/>
-              <a:t>an </a:t>
-            </a:r>
-            <a:r>
-              <a:rPr lang="en-US" altLang="zh-CN" dirty="0" smtClean="0"/>
-              <a:t>estimate of the corresponding Q-Value </a:t>
+              <a:t>an estimate of the corresponding Q-Value </a:t>
             </a:r>
             <a:r>
               <a:rPr lang="en-US" altLang="zh-CN" i="1" dirty="0" smtClean="0"/>
@@ -14101,39 +12578,19 @@
             </a:r>
             <a:r>
               <a:rPr lang="en-US" altLang="zh-CN" i="1" dirty="0" smtClean="0"/>
-              <a:t>), but since the actions are </a:t>
+              <a:t>), but since the actions are discrete </a:t>
+            </a:r>
+            <a:r>
+              <a:rPr lang="en-US" altLang="zh-CN" dirty="0" smtClean="0"/>
+              <a:t>it is more convenient to use a neural network that takes only a state </a:t>
             </a:r>
             <a:r>
               <a:rPr lang="en-US" altLang="zh-CN" i="1" dirty="0" smtClean="0"/>
-              <a:t>discrete </a:t>
+              <a:t>s as input </a:t>
             </a:r>
             <a:r>
               <a:rPr lang="en-US" altLang="zh-CN" dirty="0" smtClean="0"/>
-              <a:t>it </a:t>
-            </a:r>
-            <a:r>
-              <a:rPr lang="en-US" altLang="zh-CN" dirty="0" smtClean="0"/>
-              <a:t>is more convenient to use a neural network that takes only a state </a:t>
-            </a:r>
-            <a:r>
-              <a:rPr lang="en-US" altLang="zh-CN" i="1" dirty="0" smtClean="0"/>
-              <a:t>s as </a:t>
-            </a:r>
-            <a:r>
-              <a:rPr lang="en-US" altLang="zh-CN" i="1" dirty="0" smtClean="0"/>
-              <a:t>input </a:t>
-            </a:r>
-            <a:r>
-              <a:rPr lang="en-US" altLang="zh-CN" dirty="0" smtClean="0"/>
-              <a:t>and </a:t>
-            </a:r>
-            <a:r>
-              <a:rPr lang="en-US" altLang="zh-CN" dirty="0" smtClean="0"/>
-              <a:t>outputs one Q-Value estimate per action. The DQN will be composed of </a:t>
-            </a:r>
-            <a:r>
-              <a:rPr lang="en-US" altLang="zh-CN" dirty="0" smtClean="0"/>
-              <a:t>three </a:t>
+              <a:t>and outputs one Q-Value estimate per action. The DQN will be composed of three </a:t>
             </a:r>
             <a:r>
               <a:rPr lang="en-US" altLang="zh-CN" dirty="0" err="1" smtClean="0"/>
@@ -14141,19 +12598,7 @@
             </a:r>
             <a:r>
               <a:rPr lang="en-US" altLang="zh-CN" dirty="0" smtClean="0"/>
-              <a:t> </a:t>
-            </a:r>
-            <a:r>
-              <a:rPr lang="en-US" altLang="zh-CN" dirty="0" smtClean="0"/>
-              <a:t>layers, followed by two fully connected layers, including the </a:t>
-            </a:r>
-            <a:r>
-              <a:rPr lang="en-US" altLang="zh-CN" dirty="0" smtClean="0"/>
-              <a:t>output layer </a:t>
-            </a:r>
-            <a:r>
-              <a:rPr lang="en-US" altLang="zh-CN" dirty="0" smtClean="0"/>
-              <a:t>(see Figure 16-10).</a:t>
+              <a:t> layers, followed by two fully connected layers, including the output layer (see Figure 16-10).</a:t>
             </a:r>
             <a:endParaRPr lang="zh-CN" altLang="en-US" b="1" dirty="0"/>
           </a:p>
@@ -14162,7 +12607,7 @@
     </p:spTree>
     <p:extLst>
       <p:ext uri="{BB962C8B-B14F-4D97-AF65-F5344CB8AC3E}">
-        <p14:creationId xmlns="" xmlns:p14="http://schemas.microsoft.com/office/powerpoint/2010/main" val="2556623258"/>
+        <p14:creationId xmlns:p14="http://schemas.microsoft.com/office/powerpoint/2010/main" val="2556623258"/>
       </p:ext>
     </p:extLst>
   </p:cSld>
@@ -14225,7 +12670,7 @@
     </p:spTree>
     <p:extLst>
       <p:ext uri="{BB962C8B-B14F-4D97-AF65-F5344CB8AC3E}">
-        <p14:creationId xmlns="" xmlns:p14="http://schemas.microsoft.com/office/powerpoint/2010/main" val="2556623258"/>
+        <p14:creationId xmlns:p14="http://schemas.microsoft.com/office/powerpoint/2010/main" val="2556623258"/>
       </p:ext>
     </p:extLst>
   </p:cSld>
@@ -14507,7 +12952,7 @@
     </p:spTree>
     <p:extLst>
       <p:ext uri="{BB962C8B-B14F-4D97-AF65-F5344CB8AC3E}">
-        <p14:creationId xmlns="" xmlns:p14="http://schemas.microsoft.com/office/powerpoint/2010/main" val="2556623258"/>
+        <p14:creationId xmlns:p14="http://schemas.microsoft.com/office/powerpoint/2010/main" val="2556623258"/>
       </p:ext>
     </p:extLst>
   </p:cSld>
@@ -14594,11 +13039,7 @@
             </a:r>
             <a:r>
               <a:rPr lang="en-US" altLang="zh-CN" sz="2000" dirty="0" smtClean="0"/>
-              <a:t> </a:t>
-            </a:r>
-            <a:r>
-              <a:rPr lang="en-US" altLang="zh-CN" sz="2000" dirty="0" smtClean="0"/>
-              <a:t>= </a:t>
+              <a:t> = </a:t>
             </a:r>
             <a:r>
               <a:rPr lang="en-US" altLang="zh-CN" sz="2000" dirty="0" err="1" smtClean="0"/>
@@ -14620,11 +13061,7 @@
             </a:r>
             <a:r>
               <a:rPr lang="en-US" altLang="zh-CN" sz="2000" dirty="0" smtClean="0"/>
-              <a:t> </a:t>
-            </a:r>
-            <a:r>
-              <a:rPr lang="en-US" altLang="zh-CN" sz="2000" dirty="0" smtClean="0"/>
-              <a:t>= []</a:t>
+              <a:t> = []</a:t>
             </a:r>
           </a:p>
           <a:p>
@@ -14666,11 +13103,7 @@
             </a:r>
             <a:r>
               <a:rPr lang="en-US" altLang="zh-CN" sz="2000" dirty="0" smtClean="0"/>
-              <a:t>, stride, padding, activation in </a:t>
-            </a:r>
-            <a:r>
-              <a:rPr lang="en-US" altLang="zh-CN" sz="2000" dirty="0" smtClean="0"/>
-              <a:t>zip( </a:t>
+              <a:t>, stride, padding, activation in zip( </a:t>
             </a:r>
             <a:r>
               <a:rPr lang="en-US" altLang="zh-CN" sz="2000" dirty="0" err="1" smtClean="0"/>
@@ -14679,10 +13112,6 @@
             <a:r>
               <a:rPr lang="en-US" altLang="zh-CN" sz="2000" dirty="0" smtClean="0"/>
               <a:t>, </a:t>
-            </a:r>
-            <a:r>
-              <a:rPr lang="en-US" altLang="zh-CN" sz="2000" dirty="0" smtClean="0"/>
-              <a:t/>
             </a:r>
             <a:br>
               <a:rPr lang="en-US" altLang="zh-CN" sz="2000" dirty="0" smtClean="0"/>
@@ -14730,15 +13159,7 @@
             </a:r>
             <a:r>
               <a:rPr lang="en-US" altLang="zh-CN" sz="2000" dirty="0" smtClean="0"/>
-              <a:t> </a:t>
-            </a:r>
-            <a:r>
-              <a:rPr lang="en-US" altLang="zh-CN" sz="2000" dirty="0" smtClean="0"/>
-              <a:t>= </a:t>
-            </a:r>
-            <a:r>
-              <a:rPr lang="en-US" altLang="zh-CN" sz="2000" dirty="0" smtClean="0"/>
-              <a:t>convolution2d( </a:t>
+              <a:t> = convolution2d( </a:t>
             </a:r>
             <a:r>
               <a:rPr lang="en-US" altLang="zh-CN" sz="2000" dirty="0" err="1" smtClean="0"/>
@@ -14762,11 +13183,7 @@
             </a:r>
             <a:r>
               <a:rPr lang="en-US" altLang="zh-CN" sz="2000" dirty="0" smtClean="0"/>
-              <a:t>, </a:t>
-            </a:r>
-            <a:r>
-              <a:rPr lang="en-US" altLang="zh-CN" sz="2000" dirty="0" smtClean="0"/>
-              <a:t>  </a:t>
+              <a:t>,   </a:t>
             </a:r>
             <a:br>
               <a:rPr lang="en-US" altLang="zh-CN" sz="2000" dirty="0" smtClean="0"/>
@@ -14789,15 +13206,7 @@
             </a:r>
             <a:r>
               <a:rPr lang="en-US" altLang="zh-CN" sz="2000" dirty="0" smtClean="0"/>
-              <a:t>, stride=stride</a:t>
-            </a:r>
-            <a:r>
-              <a:rPr lang="en-US" altLang="zh-CN" sz="2000" dirty="0" smtClean="0"/>
-              <a:t>, padding=padding, </a:t>
-            </a:r>
-            <a:r>
-              <a:rPr lang="en-US" altLang="zh-CN" sz="2000" dirty="0" smtClean="0"/>
-              <a:t> </a:t>
+              <a:t>, stride=stride, padding=padding,  </a:t>
             </a:r>
             <a:br>
               <a:rPr lang="en-US" altLang="zh-CN" sz="2000" dirty="0" smtClean="0"/>
@@ -14870,11 +13279,7 @@
             </a:r>
             <a:r>
               <a:rPr lang="en-US" altLang="zh-CN" sz="2000" dirty="0" smtClean="0"/>
-              <a:t> </a:t>
-            </a:r>
-            <a:r>
-              <a:rPr lang="en-US" altLang="zh-CN" sz="2000" dirty="0" smtClean="0"/>
-              <a:t>= </a:t>
+              <a:t> = </a:t>
             </a:r>
             <a:r>
               <a:rPr lang="en-US" altLang="zh-CN" sz="2000" dirty="0" err="1" smtClean="0"/>
@@ -14907,11 +13312,7 @@
             </a:pPr>
             <a:r>
               <a:rPr lang="en-US" altLang="zh-CN" sz="2000" dirty="0" smtClean="0"/>
-              <a:t>        hidden </a:t>
-            </a:r>
-            <a:r>
-              <a:rPr lang="en-US" altLang="zh-CN" sz="2000" dirty="0" smtClean="0"/>
-              <a:t>= </a:t>
+              <a:t>        hidden = </a:t>
             </a:r>
             <a:r>
               <a:rPr lang="en-US" altLang="zh-CN" sz="2000" dirty="0" err="1" smtClean="0"/>
@@ -14936,10 +13337,6 @@
             <a:r>
               <a:rPr lang="en-US" altLang="zh-CN" sz="2000" dirty="0" smtClean="0"/>
               <a:t>, </a:t>
-            </a:r>
-            <a:r>
-              <a:rPr lang="en-US" altLang="zh-CN" sz="2000" dirty="0" smtClean="0"/>
-              <a:t/>
             </a:r>
             <a:br>
               <a:rPr lang="en-US" altLang="zh-CN" sz="2000" dirty="0" smtClean="0"/>
@@ -14987,11 +13384,7 @@
             </a:pPr>
             <a:r>
               <a:rPr lang="en-US" altLang="zh-CN" sz="2000" dirty="0" smtClean="0"/>
-              <a:t>        outputs </a:t>
-            </a:r>
-            <a:r>
-              <a:rPr lang="en-US" altLang="zh-CN" sz="2000" dirty="0" smtClean="0"/>
-              <a:t>= </a:t>
+              <a:t>        outputs = </a:t>
             </a:r>
             <a:r>
               <a:rPr lang="en-US" altLang="zh-CN" sz="2000" dirty="0" err="1" smtClean="0"/>
@@ -14999,7 +13392,11 @@
             </a:r>
             <a:r>
               <a:rPr lang="en-US" altLang="zh-CN" sz="2000" dirty="0" smtClean="0"/>
-              <a:t>( hidden</a:t>
+              <a:t>( hidden, </a:t>
+            </a:r>
+            <a:r>
+              <a:rPr lang="en-US" altLang="zh-CN" sz="2000" dirty="0" err="1" smtClean="0"/>
+              <a:t>n_outputs</a:t>
             </a:r>
             <a:r>
               <a:rPr lang="en-US" altLang="zh-CN" sz="2000" dirty="0" smtClean="0"/>
@@ -15007,14 +13404,6 @@
             </a:r>
             <a:r>
               <a:rPr lang="en-US" altLang="zh-CN" sz="2000" dirty="0" err="1" smtClean="0"/>
-              <a:t>n_outputs</a:t>
-            </a:r>
-            <a:r>
-              <a:rPr lang="en-US" altLang="zh-CN" sz="2000" dirty="0" smtClean="0"/>
-              <a:t>, </a:t>
-            </a:r>
-            <a:r>
-              <a:rPr lang="en-US" altLang="zh-CN" sz="2000" dirty="0" err="1" smtClean="0"/>
               <a:t>activation_fn</a:t>
             </a:r>
             <a:r>
@@ -15028,11 +13417,7 @@
             </a:pPr>
             <a:r>
               <a:rPr lang="en-US" altLang="zh-CN" sz="2000" dirty="0" smtClean="0"/>
-              <a:t> </a:t>
-            </a:r>
-            <a:r>
-              <a:rPr lang="en-US" altLang="zh-CN" sz="2000" dirty="0" smtClean="0"/>
-              <a:t>                         </a:t>
+              <a:t>                          </a:t>
             </a:r>
             <a:r>
               <a:rPr lang="en-US" altLang="zh-CN" sz="2000" dirty="0" err="1" smtClean="0"/>
@@ -15065,11 +13450,7 @@
             </a:r>
             <a:r>
               <a:rPr lang="en-US" altLang="zh-CN" sz="2000" dirty="0" smtClean="0"/>
-              <a:t> </a:t>
-            </a:r>
-            <a:r>
-              <a:rPr lang="en-US" altLang="zh-CN" sz="2000" dirty="0" smtClean="0"/>
-              <a:t>= </a:t>
+              <a:t> = </a:t>
             </a:r>
             <a:r>
               <a:rPr lang="en-US" altLang="zh-CN" sz="2000" dirty="0" err="1" smtClean="0"/>
@@ -15092,11 +13473,7 @@
             </a:br>
             <a:r>
               <a:rPr lang="en-US" altLang="zh-CN" sz="2000" dirty="0" smtClean="0"/>
-              <a:t>                            scope=scope.name</a:t>
-            </a:r>
-            <a:r>
-              <a:rPr lang="en-US" altLang="zh-CN" sz="2000" dirty="0" smtClean="0"/>
-              <a:t>)</a:t>
+              <a:t>                            scope=scope.name)</a:t>
             </a:r>
           </a:p>
           <a:p>
@@ -15113,11 +13490,7 @@
             </a:r>
             <a:r>
               <a:rPr lang="en-US" altLang="zh-CN" sz="2000" dirty="0" smtClean="0"/>
-              <a:t> </a:t>
-            </a:r>
-            <a:r>
-              <a:rPr lang="en-US" altLang="zh-CN" sz="2000" dirty="0" smtClean="0"/>
-              <a:t>= {var.name[</a:t>
+              <a:t> = {var.name[</a:t>
             </a:r>
             <a:r>
               <a:rPr lang="en-US" altLang="zh-CN" sz="2000" dirty="0" err="1" smtClean="0"/>
@@ -15142,10 +13515,6 @@
             <a:r>
               <a:rPr lang="en-US" altLang="zh-CN" sz="2000" dirty="0" smtClean="0"/>
               <a:t> in </a:t>
-            </a:r>
-            <a:r>
-              <a:rPr lang="en-US" altLang="zh-CN" sz="2000" dirty="0" smtClean="0"/>
-              <a:t/>
             </a:r>
             <a:br>
               <a:rPr lang="en-US" altLang="zh-CN" sz="2000" dirty="0" smtClean="0"/>
@@ -15169,11 +13538,7 @@
             </a:pPr>
             <a:r>
               <a:rPr lang="en-US" altLang="zh-CN" sz="2000" dirty="0" smtClean="0"/>
-              <a:t>    return </a:t>
-            </a:r>
-            <a:r>
-              <a:rPr lang="en-US" altLang="zh-CN" sz="2000" dirty="0" smtClean="0"/>
-              <a:t>outputs, </a:t>
+              <a:t>    return outputs, </a:t>
             </a:r>
             <a:r>
               <a:rPr lang="en-US" altLang="zh-CN" sz="2000" dirty="0" err="1" smtClean="0"/>
@@ -15186,7 +13551,7 @@
     </p:spTree>
     <p:extLst>
       <p:ext uri="{BB962C8B-B14F-4D97-AF65-F5344CB8AC3E}">
-        <p14:creationId xmlns="" xmlns:p14="http://schemas.microsoft.com/office/powerpoint/2010/main" val="2556623258"/>
+        <p14:creationId xmlns:p14="http://schemas.microsoft.com/office/powerpoint/2010/main" val="2556623258"/>
       </p:ext>
     </p:extLst>
   </p:cSld>
@@ -15456,7 +13821,7 @@
     </p:spTree>
     <p:extLst>
       <p:ext uri="{BB962C8B-B14F-4D97-AF65-F5344CB8AC3E}">
-        <p14:creationId xmlns="" xmlns:p14="http://schemas.microsoft.com/office/powerpoint/2010/main" val="2556623258"/>
+        <p14:creationId xmlns:p14="http://schemas.microsoft.com/office/powerpoint/2010/main" val="2556623258"/>
       </p:ext>
     </p:extLst>
   </p:cSld>
@@ -15532,10 +13897,6 @@
               <a:rPr lang="en-US" altLang="zh-CN" sz="2400" dirty="0" smtClean="0"/>
               <a:t>, </a:t>
             </a:r>
-            <a:r>
-              <a:rPr lang="en-US" altLang="zh-CN" sz="2400" dirty="0" smtClean="0"/>
-              <a:t/>
-            </a:r>
             <a:br>
               <a:rPr lang="en-US" altLang="zh-CN" sz="2400" dirty="0" smtClean="0"/>
             </a:br>
@@ -15594,11 +13955,7 @@
             </a:r>
             <a:r>
               <a:rPr lang="en-US" altLang="zh-CN" sz="2000" b="1" dirty="0" smtClean="0"/>
-              <a:t>, scope</a:t>
-            </a:r>
-            <a:r>
-              <a:rPr lang="en-US" altLang="zh-CN" sz="2000" b="1" dirty="0" smtClean="0"/>
-              <a:t>="</a:t>
+              <a:t>, scope="</a:t>
             </a:r>
             <a:r>
               <a:rPr lang="en-US" altLang="zh-CN" sz="2000" b="1" dirty="0" err="1" smtClean="0"/>
@@ -15792,7 +14149,7 @@
     </p:spTree>
     <p:extLst>
       <p:ext uri="{BB962C8B-B14F-4D97-AF65-F5344CB8AC3E}">
-        <p14:creationId xmlns="" xmlns:p14="http://schemas.microsoft.com/office/powerpoint/2010/main" val="2556623258"/>
+        <p14:creationId xmlns:p14="http://schemas.microsoft.com/office/powerpoint/2010/main" val="2556623258"/>
       </p:ext>
     </p:extLst>
   </p:cSld>
@@ -15905,10 +14262,6 @@
               <a:rPr lang="en-US" altLang="zh-CN" sz="2400" dirty="0" smtClean="0"/>
               <a:t>, </a:t>
             </a:r>
-            <a:r>
-              <a:rPr lang="en-US" altLang="zh-CN" sz="2400" dirty="0" smtClean="0"/>
-              <a:t/>
-            </a:r>
             <a:br>
               <a:rPr lang="en-US" altLang="zh-CN" sz="2400" dirty="0" smtClean="0"/>
             </a:br>
@@ -15922,11 +14275,7 @@
             </a:r>
             <a:r>
               <a:rPr lang="en-US" altLang="zh-CN" sz="2400" dirty="0" smtClean="0"/>
-              <a:t>), axis=1</a:t>
-            </a:r>
-            <a:r>
-              <a:rPr lang="en-US" altLang="zh-CN" sz="2400" dirty="0" smtClean="0"/>
-              <a:t>, </a:t>
+              <a:t>), axis=1, </a:t>
             </a:r>
             <a:r>
               <a:rPr lang="en-US" altLang="zh-CN" sz="2400" dirty="0" err="1" smtClean="0"/>
@@ -15934,11 +14283,7 @@
             </a:r>
             <a:r>
               <a:rPr lang="en-US" altLang="zh-CN" sz="2400" dirty="0" smtClean="0"/>
-              <a:t>=True</a:t>
-            </a:r>
-            <a:r>
-              <a:rPr lang="en-US" altLang="zh-CN" sz="2400" dirty="0" smtClean="0"/>
-              <a:t>)</a:t>
+              <a:t>=True)</a:t>
             </a:r>
           </a:p>
           <a:p>
@@ -16145,7 +14490,7 @@
     </p:spTree>
     <p:extLst>
       <p:ext uri="{BB962C8B-B14F-4D97-AF65-F5344CB8AC3E}">
-        <p14:creationId xmlns="" xmlns:p14="http://schemas.microsoft.com/office/powerpoint/2010/main" val="2556623258"/>
+        <p14:creationId xmlns:p14="http://schemas.microsoft.com/office/powerpoint/2010/main" val="2556623258"/>
       </p:ext>
     </p:extLst>
   </p:cSld>
@@ -16223,19 +14568,11 @@
             </a:r>
             <a:r>
               <a:rPr lang="en-US" altLang="zh-CN" i="1" dirty="0" smtClean="0"/>
-              <a:t>policy parameters you </a:t>
-            </a:r>
-            <a:r>
-              <a:rPr lang="en-US" altLang="zh-CN" i="1" dirty="0" smtClean="0"/>
-              <a:t>can </a:t>
+              <a:t>policy parameters you can </a:t>
             </a:r>
             <a:r>
               <a:rPr lang="en-US" altLang="zh-CN" dirty="0" smtClean="0"/>
-              <a:t>tweak</a:t>
-            </a:r>
-            <a:r>
-              <a:rPr lang="en-US" altLang="zh-CN" dirty="0" smtClean="0"/>
-              <a:t>: the probability </a:t>
+              <a:t>tweak: the probability </a:t>
             </a:r>
             <a:r>
               <a:rPr lang="en-US" altLang="zh-CN" b="1" i="1" dirty="0" smtClean="0"/>
@@ -16251,75 +14588,27 @@
             </a:r>
             <a:r>
               <a:rPr lang="en-US" altLang="zh-CN" i="1" dirty="0" smtClean="0"/>
-              <a:t>. One possible learning algorithm </a:t>
+              <a:t>. One possible learning algorithm could </a:t>
+            </a:r>
+            <a:r>
+              <a:rPr lang="en-US" altLang="zh-CN" dirty="0" smtClean="0"/>
+              <a:t>be to try out many different values for these parameters, and pick the combination that performs best. This is an example of </a:t>
             </a:r>
             <a:r>
               <a:rPr lang="en-US" altLang="zh-CN" i="1" dirty="0" smtClean="0"/>
-              <a:t>could </a:t>
+              <a:t>policy search, in this case </a:t>
             </a:r>
             <a:r>
               <a:rPr lang="en-US" altLang="zh-CN" dirty="0" smtClean="0"/>
-              <a:t>be </a:t>
+              <a:t>using a brute force approach. However, when the </a:t>
+            </a:r>
+            <a:r>
+              <a:rPr lang="en-US" altLang="zh-CN" i="1" dirty="0" smtClean="0"/>
+              <a:t>policy space is too large (which is </a:t>
             </a:r>
             <a:r>
               <a:rPr lang="en-US" altLang="zh-CN" dirty="0" smtClean="0"/>
-              <a:t>to try out many different values for these parameters, and pick the </a:t>
-            </a:r>
-            <a:r>
-              <a:rPr lang="en-US" altLang="zh-CN" dirty="0" smtClean="0"/>
-              <a:t>combination that </a:t>
-            </a:r>
-            <a:r>
-              <a:rPr lang="en-US" altLang="zh-CN" dirty="0" smtClean="0"/>
-              <a:t>performs </a:t>
-            </a:r>
-            <a:r>
-              <a:rPr lang="en-US" altLang="zh-CN" dirty="0" smtClean="0"/>
-              <a:t>best. </a:t>
-            </a:r>
-            <a:r>
-              <a:rPr lang="en-US" altLang="zh-CN" dirty="0" smtClean="0"/>
-              <a:t>This is an example of </a:t>
-            </a:r>
-            <a:r>
-              <a:rPr lang="en-US" altLang="zh-CN" i="1" dirty="0" smtClean="0"/>
-              <a:t>policy search, in this </a:t>
-            </a:r>
-            <a:r>
-              <a:rPr lang="en-US" altLang="zh-CN" i="1" dirty="0" smtClean="0"/>
-              <a:t>case </a:t>
-            </a:r>
-            <a:r>
-              <a:rPr lang="en-US" altLang="zh-CN" dirty="0" smtClean="0"/>
-              <a:t>using </a:t>
-            </a:r>
-            <a:r>
-              <a:rPr lang="en-US" altLang="zh-CN" dirty="0" smtClean="0"/>
-              <a:t>a brute force approach. However, when the </a:t>
-            </a:r>
-            <a:r>
-              <a:rPr lang="en-US" altLang="zh-CN" i="1" dirty="0" smtClean="0"/>
-              <a:t>policy space is too large (which </a:t>
-            </a:r>
-            <a:r>
-              <a:rPr lang="en-US" altLang="zh-CN" i="1" dirty="0" smtClean="0"/>
-              <a:t>is </a:t>
-            </a:r>
-            <a:r>
-              <a:rPr lang="en-US" altLang="zh-CN" dirty="0" smtClean="0"/>
-              <a:t>generally </a:t>
-            </a:r>
-            <a:r>
-              <a:rPr lang="en-US" altLang="zh-CN" dirty="0" smtClean="0"/>
-              <a:t>the case), finding a good set of parameters this way is like searching for </a:t>
-            </a:r>
-            <a:r>
-              <a:rPr lang="en-US" altLang="zh-CN" dirty="0" smtClean="0"/>
-              <a:t>a needle </a:t>
-            </a:r>
-            <a:r>
-              <a:rPr lang="en-US" altLang="zh-CN" dirty="0" smtClean="0"/>
-              <a:t>in a gigantic haystack.</a:t>
+              <a:t>generally the case), finding a good set of parameters this way is like searching for a needle in a gigantic haystack.</a:t>
             </a:r>
             <a:endParaRPr lang="zh-CN" altLang="en-US" sz="2800" b="1" dirty="0"/>
           </a:p>
@@ -16328,13 +14617,20 @@
     </p:spTree>
     <p:extLst>
       <p:ext uri="{BB962C8B-B14F-4D97-AF65-F5344CB8AC3E}">
-        <p14:creationId xmlns="" xmlns:p14="http://schemas.microsoft.com/office/powerpoint/2010/main" val="2556623258"/>
+        <p14:creationId xmlns:p14="http://schemas.microsoft.com/office/powerpoint/2010/main" val="2556623258"/>
       </p:ext>
     </p:extLst>
   </p:cSld>
   <p:clrMapOvr>
     <a:masterClrMapping/>
   </p:clrMapOvr>
+  <p:timing>
+    <p:tnLst>
+      <p:par>
+        <p:cTn id="1" dur="indefinite" restart="never" nodeType="tmRoot"/>
+      </p:par>
+    </p:tnLst>
+  </p:timing>
 </p:sld>
 </file>
 
@@ -16471,11 +14767,7 @@
             </a:pPr>
             <a:r>
               <a:rPr lang="en-US" altLang="zh-CN" sz="2400" dirty="0" smtClean="0"/>
-              <a:t>    indices </a:t>
-            </a:r>
-            <a:r>
-              <a:rPr lang="en-US" altLang="zh-CN" sz="2400" dirty="0" smtClean="0"/>
-              <a:t>= </a:t>
+              <a:t>    indices = </a:t>
             </a:r>
             <a:r>
               <a:rPr lang="en-US" altLang="zh-CN" sz="2400" dirty="0" err="1" smtClean="0"/>
@@ -16516,11 +14808,7 @@
             </a:pPr>
             <a:r>
               <a:rPr lang="en-US" altLang="zh-CN" sz="2400" dirty="0" smtClean="0"/>
-              <a:t>    cols </a:t>
-            </a:r>
-            <a:r>
-              <a:rPr lang="en-US" altLang="zh-CN" sz="2400" dirty="0" smtClean="0"/>
-              <a:t>= [[], [], [], [], []] </a:t>
+              <a:t>    cols = [[], [], [], [], []] </a:t>
             </a:r>
             <a:r>
               <a:rPr lang="en-US" altLang="zh-CN" sz="2400" i="1" dirty="0" smtClean="0"/>
@@ -16558,11 +14846,7 @@
             </a:pPr>
             <a:r>
               <a:rPr lang="en-US" altLang="zh-CN" sz="2400" dirty="0" smtClean="0"/>
-              <a:t>        memory </a:t>
-            </a:r>
-            <a:r>
-              <a:rPr lang="en-US" altLang="zh-CN" sz="2400" dirty="0" smtClean="0"/>
-              <a:t>= </a:t>
+              <a:t>        memory = </a:t>
             </a:r>
             <a:r>
               <a:rPr lang="en-US" altLang="zh-CN" sz="2400" dirty="0" err="1" smtClean="0"/>
@@ -16612,24 +14896,16 @@
             </a:r>
             <a:r>
               <a:rPr lang="en-US" altLang="zh-CN" sz="2400" dirty="0" smtClean="0"/>
-              <a:t>(value</a:t>
-            </a:r>
-            <a:r>
-              <a:rPr lang="en-US" altLang="zh-CN" sz="2400" dirty="0" smtClean="0"/>
-              <a:t>)</a:t>
-            </a:r>
-          </a:p>
-          <a:p>
-            <a:pPr>
-              <a:buNone/>
-            </a:pPr>
-            <a:r>
-              <a:rPr lang="en-US" altLang="zh-CN" sz="2400" dirty="0" smtClean="0"/>
-              <a:t>    cols </a:t>
-            </a:r>
-            <a:r>
-              <a:rPr lang="en-US" altLang="zh-CN" sz="2400" dirty="0" smtClean="0"/>
-              <a:t>= [</a:t>
+              <a:t>(value)</a:t>
+            </a:r>
+          </a:p>
+          <a:p>
+            <a:pPr>
+              <a:buNone/>
+            </a:pPr>
+            <a:r>
+              <a:rPr lang="en-US" altLang="zh-CN" sz="2400" dirty="0" smtClean="0"/>
+              <a:t>    cols = [</a:t>
             </a:r>
             <a:r>
               <a:rPr lang="en-US" altLang="zh-CN" sz="2400" dirty="0" err="1" smtClean="0"/>
@@ -16666,26 +14942,14 @@
             </a:pPr>
             <a:r>
               <a:rPr lang="en-US" altLang="zh-CN" sz="2400" b="1" dirty="0" smtClean="0"/>
-              <a:t>    return </a:t>
-            </a:r>
-            <a:r>
-              <a:rPr lang="en-US" altLang="zh-CN" sz="2400" b="1" dirty="0" smtClean="0"/>
-              <a:t>(cols[0], cols[1], cols[2].reshape(-1, 1), cols[3</a:t>
-            </a:r>
-            <a:r>
-              <a:rPr lang="en-US" altLang="zh-CN" sz="2400" b="1" dirty="0" smtClean="0"/>
-              <a:t>], </a:t>
+              <a:t>    return (cols[0], cols[1], cols[2].reshape(-1, 1), cols[3], </a:t>
             </a:r>
             <a:br>
               <a:rPr lang="en-US" altLang="zh-CN" sz="2400" b="1" dirty="0" smtClean="0"/>
             </a:br>
             <a:r>
               <a:rPr lang="en-US" altLang="zh-CN" sz="2400" b="1" dirty="0" smtClean="0"/>
-              <a:t>             cols[4</a:t>
-            </a:r>
-            <a:r>
-              <a:rPr lang="en-US" altLang="zh-CN" sz="2400" b="1" dirty="0" smtClean="0"/>
-              <a:t>].reshape(-1, 1))</a:t>
+              <a:t>             cols[4].reshape(-1, 1))</a:t>
             </a:r>
             <a:endParaRPr lang="zh-CN" altLang="en-US" sz="2400" b="1" dirty="0"/>
           </a:p>
@@ -16694,7 +14958,7 @@
     </p:spTree>
     <p:extLst>
       <p:ext uri="{BB962C8B-B14F-4D97-AF65-F5344CB8AC3E}">
-        <p14:creationId xmlns="" xmlns:p14="http://schemas.microsoft.com/office/powerpoint/2010/main" val="2556623258"/>
+        <p14:creationId xmlns:p14="http://schemas.microsoft.com/office/powerpoint/2010/main" val="2556623258"/>
       </p:ext>
     </p:extLst>
   </p:cSld>
@@ -16778,11 +15042,7 @@
             </a:r>
             <a:r>
               <a:rPr lang="en-US" altLang="zh-CN" sz="2400" dirty="0" smtClean="0"/>
-              <a:t> = </a:t>
-            </a:r>
-            <a:r>
-              <a:rPr lang="en-US" altLang="zh-CN" sz="2400" dirty="0" smtClean="0"/>
-              <a:t>50000</a:t>
+              <a:t> = 50000</a:t>
             </a:r>
           </a:p>
           <a:p>
@@ -16822,11 +15082,7 @@
             </a:pPr>
             <a:r>
               <a:rPr lang="en-US" altLang="zh-CN" sz="2400" dirty="0" smtClean="0"/>
-              <a:t>    epsilon </a:t>
-            </a:r>
-            <a:r>
-              <a:rPr lang="en-US" altLang="zh-CN" sz="2400" dirty="0" smtClean="0"/>
-              <a:t>= max(</a:t>
+              <a:t>    epsilon = max(</a:t>
             </a:r>
             <a:r>
               <a:rPr lang="en-US" altLang="zh-CN" sz="2400" dirty="0" err="1" smtClean="0"/>
@@ -16851,10 +15107,6 @@
             <a:r>
               <a:rPr lang="en-US" altLang="zh-CN" sz="2400" dirty="0" smtClean="0"/>
               <a:t>) * </a:t>
-            </a:r>
-            <a:r>
-              <a:rPr lang="en-US" altLang="zh-CN" sz="2400" dirty="0" smtClean="0"/>
-              <a:t/>
             </a:r>
             <a:br>
               <a:rPr lang="en-US" altLang="zh-CN" sz="2400" dirty="0" smtClean="0"/>
@@ -16924,11 +15176,7 @@
             </a:pPr>
             <a:r>
               <a:rPr lang="en-US" altLang="zh-CN" sz="2400" b="1" dirty="0" smtClean="0"/>
-              <a:t>    else</a:t>
-            </a:r>
-            <a:r>
-              <a:rPr lang="en-US" altLang="zh-CN" sz="2400" b="1" dirty="0" smtClean="0"/>
-              <a:t>:</a:t>
+              <a:t>    else:</a:t>
             </a:r>
           </a:p>
           <a:p>
@@ -16957,11 +15205,7 @@
             </a:r>
             <a:r>
               <a:rPr lang="en-US" altLang="zh-CN" sz="2400" b="1" i="1" dirty="0" smtClean="0"/>
-              <a:t># optimal </a:t>
-            </a:r>
-            <a:r>
-              <a:rPr lang="en-US" altLang="zh-CN" sz="2400" b="1" i="1" dirty="0" smtClean="0"/>
-              <a:t>action</a:t>
+              <a:t># optimal action</a:t>
             </a:r>
           </a:p>
           <a:p>
@@ -16981,7 +15225,7 @@
     </p:spTree>
     <p:extLst>
       <p:ext uri="{BB962C8B-B14F-4D97-AF65-F5344CB8AC3E}">
-        <p14:creationId xmlns="" xmlns:p14="http://schemas.microsoft.com/office/powerpoint/2010/main" val="2556623258"/>
+        <p14:creationId xmlns:p14="http://schemas.microsoft.com/office/powerpoint/2010/main" val="2556623258"/>
       </p:ext>
     </p:extLst>
   </p:cSld>
@@ -17218,7 +15462,7 @@
     </p:spTree>
     <p:extLst>
       <p:ext uri="{BB962C8B-B14F-4D97-AF65-F5344CB8AC3E}">
-        <p14:creationId xmlns="" xmlns:p14="http://schemas.microsoft.com/office/powerpoint/2010/main" val="2556623258"/>
+        <p14:creationId xmlns:p14="http://schemas.microsoft.com/office/powerpoint/2010/main" val="2556623258"/>
       </p:ext>
     </p:extLst>
   </p:cSld>
@@ -17272,11 +15516,74 @@
             </a:pPr>
             <a:r>
               <a:rPr lang="en-US" altLang="zh-CN" sz="2400" i="1" dirty="0" smtClean="0"/>
-              <a:t>        # </a:t>
-            </a:r>
+              <a:t>        # Actor plays</a:t>
+            </a:r>
+          </a:p>
+          <a:p>
+            <a:pPr>
+              <a:buNone/>
+            </a:pPr>
+            <a:r>
+              <a:rPr lang="en-US" altLang="zh-CN" sz="2400" dirty="0" smtClean="0"/>
+              <a:t>        </a:t>
+            </a:r>
+            <a:r>
+              <a:rPr lang="en-US" altLang="zh-CN" sz="2400" dirty="0" err="1" smtClean="0"/>
+              <a:t>obs</a:t>
+            </a:r>
+            <a:r>
+              <a:rPr lang="en-US" altLang="zh-CN" sz="2400" dirty="0" smtClean="0"/>
+              <a:t>, reward, done, info = </a:t>
+            </a:r>
+            <a:r>
+              <a:rPr lang="en-US" altLang="zh-CN" sz="2400" dirty="0" err="1" smtClean="0"/>
+              <a:t>env.step</a:t>
+            </a:r>
+            <a:r>
+              <a:rPr lang="en-US" altLang="zh-CN" sz="2400" dirty="0" smtClean="0"/>
+              <a:t>(action)</a:t>
+            </a:r>
+          </a:p>
+          <a:p>
+            <a:pPr>
+              <a:buNone/>
+            </a:pPr>
+            <a:r>
+              <a:rPr lang="en-US" altLang="zh-CN" sz="2400" dirty="0" smtClean="0"/>
+              <a:t>        </a:t>
+            </a:r>
+            <a:r>
+              <a:rPr lang="en-US" altLang="zh-CN" sz="2400" dirty="0" err="1" smtClean="0"/>
+              <a:t>next_state</a:t>
+            </a:r>
+            <a:r>
+              <a:rPr lang="en-US" altLang="zh-CN" sz="2400" dirty="0" smtClean="0"/>
+              <a:t> = </a:t>
+            </a:r>
+            <a:r>
+              <a:rPr lang="en-US" altLang="zh-CN" sz="2400" dirty="0" err="1" smtClean="0"/>
+              <a:t>preprocess_observation</a:t>
+            </a:r>
+            <a:r>
+              <a:rPr lang="en-US" altLang="zh-CN" sz="2400" dirty="0" smtClean="0"/>
+              <a:t>(</a:t>
+            </a:r>
+            <a:r>
+              <a:rPr lang="en-US" altLang="zh-CN" sz="2400" dirty="0" err="1" smtClean="0"/>
+              <a:t>obs</a:t>
+            </a:r>
+            <a:r>
+              <a:rPr lang="en-US" altLang="zh-CN" sz="2400" dirty="0" smtClean="0"/>
+              <a:t>)</a:t>
+            </a:r>
+          </a:p>
+          <a:p>
+            <a:pPr>
+              <a:buNone/>
+            </a:pPr>
             <a:r>
               <a:rPr lang="en-US" altLang="zh-CN" sz="2400" i="1" dirty="0" smtClean="0"/>
-              <a:t>Actor plays</a:t>
+              <a:t>        # Let's memorize what just happened</a:t>
             </a:r>
           </a:p>
           <a:p>
@@ -17289,28 +15596,11 @@
             </a:r>
             <a:r>
               <a:rPr lang="en-US" altLang="zh-CN" sz="2400" dirty="0" err="1" smtClean="0"/>
-              <a:t>obs</a:t>
-            </a:r>
-            <a:r>
-              <a:rPr lang="en-US" altLang="zh-CN" sz="2400" dirty="0" smtClean="0"/>
-              <a:t>, reward, done, info = </a:t>
-            </a:r>
-            <a:r>
-              <a:rPr lang="en-US" altLang="zh-CN" sz="2400" dirty="0" err="1" smtClean="0"/>
-              <a:t>env.step</a:t>
-            </a:r>
-            <a:r>
-              <a:rPr lang="en-US" altLang="zh-CN" sz="2400" dirty="0" smtClean="0"/>
-              <a:t>(action)</a:t>
-            </a:r>
-          </a:p>
-          <a:p>
-            <a:pPr>
-              <a:buNone/>
-            </a:pPr>
-            <a:r>
-              <a:rPr lang="en-US" altLang="zh-CN" sz="2400" dirty="0" smtClean="0"/>
-              <a:t>        </a:t>
+              <a:t>replay_memory.append</a:t>
+            </a:r>
+            <a:r>
+              <a:rPr lang="en-US" altLang="zh-CN" sz="2400" dirty="0" smtClean="0"/>
+              <a:t>((state, action, reward, </a:t>
             </a:r>
             <a:r>
               <a:rPr lang="en-US" altLang="zh-CN" sz="2400" dirty="0" err="1" smtClean="0"/>
@@ -17318,98 +15608,28 @@
             </a:r>
             <a:r>
               <a:rPr lang="en-US" altLang="zh-CN" sz="2400" dirty="0" smtClean="0"/>
-              <a:t> </a:t>
-            </a:r>
-            <a:r>
-              <a:rPr lang="en-US" altLang="zh-CN" sz="2400" dirty="0" smtClean="0"/>
-              <a:t>= </a:t>
-            </a:r>
-            <a:r>
-              <a:rPr lang="en-US" altLang="zh-CN" sz="2400" dirty="0" err="1" smtClean="0"/>
-              <a:t>preprocess_observation</a:t>
-            </a:r>
-            <a:r>
-              <a:rPr lang="en-US" altLang="zh-CN" sz="2400" dirty="0" smtClean="0"/>
-              <a:t>(</a:t>
-            </a:r>
-            <a:r>
-              <a:rPr lang="en-US" altLang="zh-CN" sz="2400" dirty="0" err="1" smtClean="0"/>
-              <a:t>obs</a:t>
-            </a:r>
-            <a:r>
-              <a:rPr lang="en-US" altLang="zh-CN" sz="2400" dirty="0" smtClean="0"/>
-              <a:t>)</a:t>
-            </a:r>
-          </a:p>
-          <a:p>
-            <a:pPr>
-              <a:buNone/>
-            </a:pPr>
-            <a:r>
-              <a:rPr lang="en-US" altLang="zh-CN" sz="2400" i="1" dirty="0" smtClean="0"/>
-              <a:t>        # </a:t>
-            </a:r>
-            <a:r>
-              <a:rPr lang="en-US" altLang="zh-CN" sz="2400" i="1" dirty="0" smtClean="0"/>
-              <a:t>Let's memorize what just happened</a:t>
-            </a:r>
-          </a:p>
-          <a:p>
-            <a:pPr>
-              <a:buNone/>
-            </a:pPr>
-            <a:r>
-              <a:rPr lang="en-US" altLang="zh-CN" sz="2400" dirty="0" smtClean="0"/>
-              <a:t>        </a:t>
-            </a:r>
-            <a:r>
-              <a:rPr lang="en-US" altLang="zh-CN" sz="2400" dirty="0" err="1" smtClean="0"/>
-              <a:t>replay_memory.append</a:t>
-            </a:r>
-            <a:r>
-              <a:rPr lang="en-US" altLang="zh-CN" sz="2400" dirty="0" smtClean="0"/>
-              <a:t>((state, action, reward, </a:t>
+              <a:t>, 1.0 – </a:t>
+            </a:r>
+            <a:br>
+              <a:rPr lang="en-US" altLang="zh-CN" sz="2400" dirty="0" smtClean="0"/>
+            </a:br>
+            <a:r>
+              <a:rPr lang="en-US" altLang="zh-CN" sz="2400" dirty="0" smtClean="0"/>
+              <a:t>                                                 done))</a:t>
+            </a:r>
+          </a:p>
+          <a:p>
+            <a:pPr>
+              <a:buNone/>
+            </a:pPr>
+            <a:r>
+              <a:rPr lang="en-US" altLang="zh-CN" sz="2400" dirty="0" smtClean="0"/>
+              <a:t>        state = </a:t>
             </a:r>
             <a:r>
               <a:rPr lang="en-US" altLang="zh-CN" sz="2400" dirty="0" err="1" smtClean="0"/>
               <a:t>next_state</a:t>
             </a:r>
-            <a:r>
-              <a:rPr lang="en-US" altLang="zh-CN" sz="2400" dirty="0" smtClean="0"/>
-              <a:t>, 1.0 </a:t>
-            </a:r>
-            <a:r>
-              <a:rPr lang="en-US" altLang="zh-CN" sz="2400" dirty="0" smtClean="0"/>
-              <a:t>– </a:t>
-            </a:r>
-            <a:br>
-              <a:rPr lang="en-US" altLang="zh-CN" sz="2400" dirty="0" smtClean="0"/>
-            </a:br>
-            <a:r>
-              <a:rPr lang="en-US" altLang="zh-CN" sz="2400" dirty="0" smtClean="0"/>
-              <a:t>                                                 done</a:t>
-            </a:r>
-            <a:r>
-              <a:rPr lang="en-US" altLang="zh-CN" sz="2400" dirty="0" smtClean="0"/>
-              <a:t>))</a:t>
-            </a:r>
-          </a:p>
-          <a:p>
-            <a:pPr>
-              <a:buNone/>
-            </a:pPr>
-            <a:r>
-              <a:rPr lang="en-US" altLang="zh-CN" sz="2400" dirty="0" smtClean="0"/>
-              <a:t>        state </a:t>
-            </a:r>
-            <a:r>
-              <a:rPr lang="en-US" altLang="zh-CN" sz="2400" dirty="0" smtClean="0"/>
-              <a:t>= </a:t>
-            </a:r>
-            <a:r>
-              <a:rPr lang="en-US" altLang="zh-CN" sz="2400" dirty="0" err="1" smtClean="0"/>
-              <a:t>next_state</a:t>
-            </a:r>
             <a:endParaRPr lang="en-US" altLang="zh-CN" sz="2400" dirty="0" smtClean="0"/>
           </a:p>
           <a:p>
@@ -17418,11 +15638,7 @@
             </a:pPr>
             <a:r>
               <a:rPr lang="en-US" altLang="zh-CN" sz="2400" dirty="0" smtClean="0"/>
-              <a:t>        if </a:t>
-            </a:r>
-            <a:r>
-              <a:rPr lang="en-US" altLang="zh-CN" sz="2400" dirty="0" smtClean="0"/>
-              <a:t>iteration &lt; </a:t>
+              <a:t>        if iteration &lt; </a:t>
             </a:r>
             <a:r>
               <a:rPr lang="en-US" altLang="zh-CN" sz="2400" dirty="0" err="1" smtClean="0"/>
@@ -17456,7 +15672,7 @@
     </p:spTree>
     <p:extLst>
       <p:ext uri="{BB962C8B-B14F-4D97-AF65-F5344CB8AC3E}">
-        <p14:creationId xmlns="" xmlns:p14="http://schemas.microsoft.com/office/powerpoint/2010/main" val="2556623258"/>
+        <p14:creationId xmlns:p14="http://schemas.microsoft.com/office/powerpoint/2010/main" val="2556623258"/>
       </p:ext>
     </p:extLst>
   </p:cSld>
@@ -17510,298 +15726,266 @@
             </a:pPr>
             <a:r>
               <a:rPr lang="en-US" altLang="zh-CN" sz="2400" i="1" dirty="0" smtClean="0"/>
-              <a:t>        # </a:t>
-            </a:r>
+              <a:t>        # Critic learns</a:t>
+            </a:r>
+          </a:p>
+          <a:p>
+            <a:pPr>
+              <a:buNone/>
+            </a:pPr>
+            <a:r>
+              <a:rPr lang="en-US" altLang="zh-CN" sz="2400" dirty="0" smtClean="0"/>
+              <a:t>        </a:t>
+            </a:r>
+            <a:r>
+              <a:rPr lang="en-US" altLang="zh-CN" sz="2400" dirty="0" err="1" smtClean="0"/>
+              <a:t>X_state_val</a:t>
+            </a:r>
+            <a:r>
+              <a:rPr lang="en-US" altLang="zh-CN" sz="2400" dirty="0" smtClean="0"/>
+              <a:t>, </a:t>
+            </a:r>
+            <a:r>
+              <a:rPr lang="en-US" altLang="zh-CN" sz="2400" dirty="0" err="1" smtClean="0"/>
+              <a:t>X_action_val</a:t>
+            </a:r>
+            <a:r>
+              <a:rPr lang="en-US" altLang="zh-CN" sz="2400" dirty="0" smtClean="0"/>
+              <a:t>, rewards, </a:t>
+            </a:r>
+            <a:r>
+              <a:rPr lang="en-US" altLang="zh-CN" sz="2400" dirty="0" err="1" smtClean="0"/>
+              <a:t>X_next_state_val</a:t>
+            </a:r>
+            <a:r>
+              <a:rPr lang="en-US" altLang="zh-CN" sz="2400" dirty="0" smtClean="0"/>
+              <a:t>, continues = (</a:t>
+            </a:r>
+          </a:p>
+          <a:p>
+            <a:pPr>
+              <a:buNone/>
+            </a:pPr>
+            <a:r>
+              <a:rPr lang="en-US" altLang="zh-CN" sz="2400" dirty="0" smtClean="0"/>
+              <a:t>                                                                         </a:t>
+            </a:r>
+            <a:r>
+              <a:rPr lang="en-US" altLang="zh-CN" sz="2400" dirty="0" err="1" smtClean="0"/>
+              <a:t>sample_memories</a:t>
+            </a:r>
+            <a:r>
+              <a:rPr lang="en-US" altLang="zh-CN" sz="2400" dirty="0" smtClean="0"/>
+              <a:t>(</a:t>
+            </a:r>
+            <a:r>
+              <a:rPr lang="en-US" altLang="zh-CN" sz="2400" dirty="0" err="1" smtClean="0"/>
+              <a:t>batch_size</a:t>
+            </a:r>
+            <a:r>
+              <a:rPr lang="en-US" altLang="zh-CN" sz="2400" dirty="0" smtClean="0"/>
+              <a:t>))</a:t>
+            </a:r>
+          </a:p>
+          <a:p>
+            <a:pPr>
+              <a:buNone/>
+            </a:pPr>
+            <a:r>
+              <a:rPr lang="en-US" altLang="zh-CN" sz="2400" dirty="0" smtClean="0"/>
+              <a:t>        </a:t>
+            </a:r>
+            <a:r>
+              <a:rPr lang="en-US" altLang="zh-CN" sz="2400" dirty="0" err="1" smtClean="0"/>
+              <a:t>next_q_values</a:t>
+            </a:r>
+            <a:r>
+              <a:rPr lang="en-US" altLang="zh-CN" sz="2400" dirty="0" smtClean="0"/>
+              <a:t> = </a:t>
+            </a:r>
+            <a:r>
+              <a:rPr lang="en-US" altLang="zh-CN" sz="2400" dirty="0" err="1" smtClean="0"/>
+              <a:t>actor_q_values.eval</a:t>
+            </a:r>
+            <a:r>
+              <a:rPr lang="en-US" altLang="zh-CN" sz="2400" dirty="0" smtClean="0"/>
+              <a:t>( </a:t>
+            </a:r>
+            <a:r>
+              <a:rPr lang="en-US" altLang="zh-CN" sz="2400" dirty="0" err="1" smtClean="0"/>
+              <a:t>feed_dict</a:t>
+            </a:r>
+            <a:r>
+              <a:rPr lang="en-US" altLang="zh-CN" sz="2400" dirty="0" smtClean="0"/>
+              <a:t>={</a:t>
+            </a:r>
+            <a:r>
+              <a:rPr lang="en-US" altLang="zh-CN" sz="2400" dirty="0" err="1" smtClean="0"/>
+              <a:t>X_state</a:t>
+            </a:r>
+            <a:r>
+              <a:rPr lang="en-US" altLang="zh-CN" sz="2400" dirty="0" smtClean="0"/>
+              <a:t>: </a:t>
+            </a:r>
+            <a:br>
+              <a:rPr lang="en-US" altLang="zh-CN" sz="2400" dirty="0" smtClean="0"/>
+            </a:br>
+            <a:r>
+              <a:rPr lang="en-US" altLang="zh-CN" sz="2400" dirty="0" smtClean="0"/>
+              <a:t>                                                                        </a:t>
+            </a:r>
+            <a:r>
+              <a:rPr lang="en-US" altLang="zh-CN" sz="2400" dirty="0" err="1" smtClean="0"/>
+              <a:t>X_next_state_val</a:t>
+            </a:r>
+            <a:r>
+              <a:rPr lang="en-US" altLang="zh-CN" sz="2400" dirty="0" smtClean="0"/>
+              <a:t>})</a:t>
+            </a:r>
+          </a:p>
+          <a:p>
+            <a:pPr>
+              <a:buNone/>
+            </a:pPr>
+            <a:r>
+              <a:rPr lang="en-US" altLang="zh-CN" sz="2400" dirty="0" smtClean="0"/>
+              <a:t>        </a:t>
+            </a:r>
+            <a:r>
+              <a:rPr lang="en-US" altLang="zh-CN" sz="2400" dirty="0" err="1" smtClean="0"/>
+              <a:t>max_next_q_values</a:t>
+            </a:r>
+            <a:r>
+              <a:rPr lang="en-US" altLang="zh-CN" sz="2400" dirty="0" smtClean="0"/>
+              <a:t> = np.max(</a:t>
+            </a:r>
+            <a:r>
+              <a:rPr lang="en-US" altLang="zh-CN" sz="2400" dirty="0" err="1" smtClean="0"/>
+              <a:t>next_q_values</a:t>
+            </a:r>
+            <a:r>
+              <a:rPr lang="en-US" altLang="zh-CN" sz="2400" dirty="0" smtClean="0"/>
+              <a:t>, axis=1, </a:t>
+            </a:r>
+            <a:br>
+              <a:rPr lang="en-US" altLang="zh-CN" sz="2400" dirty="0" smtClean="0"/>
+            </a:br>
+            <a:r>
+              <a:rPr lang="en-US" altLang="zh-CN" sz="2400" dirty="0" smtClean="0"/>
+              <a:t>                                                           </a:t>
+            </a:r>
+            <a:r>
+              <a:rPr lang="en-US" altLang="zh-CN" sz="2400" dirty="0" err="1" smtClean="0"/>
+              <a:t>keepdims</a:t>
+            </a:r>
+            <a:r>
+              <a:rPr lang="en-US" altLang="zh-CN" sz="2400" dirty="0" smtClean="0"/>
+              <a:t>=True)</a:t>
+            </a:r>
+          </a:p>
+          <a:p>
+            <a:pPr>
+              <a:buNone/>
+            </a:pPr>
+            <a:r>
+              <a:rPr lang="en-US" altLang="zh-CN" sz="2400" dirty="0" smtClean="0"/>
+              <a:t>        </a:t>
+            </a:r>
+            <a:r>
+              <a:rPr lang="en-US" altLang="zh-CN" sz="2400" dirty="0" err="1" smtClean="0"/>
+              <a:t>y_val</a:t>
+            </a:r>
+            <a:r>
+              <a:rPr lang="en-US" altLang="zh-CN" sz="2400" dirty="0" smtClean="0"/>
+              <a:t> = rewards + continues * </a:t>
+            </a:r>
+            <a:r>
+              <a:rPr lang="en-US" altLang="zh-CN" sz="2400" dirty="0" err="1" smtClean="0"/>
+              <a:t>discount_rate</a:t>
+            </a:r>
+            <a:r>
+              <a:rPr lang="en-US" altLang="zh-CN" sz="2400" dirty="0" smtClean="0"/>
+              <a:t> * </a:t>
+            </a:r>
+            <a:r>
+              <a:rPr lang="en-US" altLang="zh-CN" sz="2400" dirty="0" err="1" smtClean="0"/>
+              <a:t>max_next_q_values</a:t>
+            </a:r>
+            <a:endParaRPr lang="en-US" altLang="zh-CN" sz="2400" dirty="0" smtClean="0"/>
+          </a:p>
+          <a:p>
+            <a:pPr>
+              <a:buNone/>
+            </a:pPr>
+            <a:r>
+              <a:rPr lang="en-US" altLang="zh-CN" sz="2400" dirty="0" smtClean="0"/>
+              <a:t>        training_op.run(</a:t>
+            </a:r>
+            <a:r>
+              <a:rPr lang="en-US" altLang="zh-CN" sz="2400" dirty="0" err="1" smtClean="0"/>
+              <a:t>feed_dict</a:t>
+            </a:r>
+            <a:r>
+              <a:rPr lang="en-US" altLang="zh-CN" sz="2400" dirty="0" smtClean="0"/>
+              <a:t>={</a:t>
+            </a:r>
+            <a:r>
+              <a:rPr lang="en-US" altLang="zh-CN" sz="2400" dirty="0" err="1" smtClean="0"/>
+              <a:t>X_state</a:t>
+            </a:r>
+            <a:r>
+              <a:rPr lang="en-US" altLang="zh-CN" sz="2400" dirty="0" smtClean="0"/>
+              <a:t>: </a:t>
+            </a:r>
+            <a:r>
+              <a:rPr lang="en-US" altLang="zh-CN" sz="2400" dirty="0" err="1" smtClean="0"/>
+              <a:t>X_state_val</a:t>
+            </a:r>
+            <a:r>
+              <a:rPr lang="en-US" altLang="zh-CN" sz="2400" dirty="0" smtClean="0"/>
+              <a:t>,</a:t>
+            </a:r>
+          </a:p>
+          <a:p>
+            <a:pPr>
+              <a:buNone/>
+            </a:pPr>
+            <a:r>
+              <a:rPr lang="en-US" altLang="zh-CN" sz="2400" dirty="0" smtClean="0"/>
+              <a:t>                                                          </a:t>
+            </a:r>
+            <a:r>
+              <a:rPr lang="en-US" altLang="zh-CN" sz="2400" dirty="0" err="1" smtClean="0"/>
+              <a:t>X_action</a:t>
+            </a:r>
+            <a:r>
+              <a:rPr lang="en-US" altLang="zh-CN" sz="2400" dirty="0" smtClean="0"/>
+              <a:t>: </a:t>
+            </a:r>
+            <a:r>
+              <a:rPr lang="en-US" altLang="zh-CN" sz="2400" dirty="0" err="1" smtClean="0"/>
+              <a:t>X_action_val</a:t>
+            </a:r>
+            <a:r>
+              <a:rPr lang="en-US" altLang="zh-CN" sz="2400" dirty="0" smtClean="0"/>
+              <a:t>, y: </a:t>
+            </a:r>
+            <a:r>
+              <a:rPr lang="en-US" altLang="zh-CN" sz="2400" dirty="0" err="1" smtClean="0"/>
+              <a:t>y_val</a:t>
+            </a:r>
+            <a:r>
+              <a:rPr lang="en-US" altLang="zh-CN" sz="2400" dirty="0" smtClean="0"/>
+              <a:t>})</a:t>
+            </a:r>
+          </a:p>
+          <a:p>
+            <a:pPr>
+              <a:buNone/>
+            </a:pPr>
             <a:r>
               <a:rPr lang="en-US" altLang="zh-CN" sz="2400" i="1" dirty="0" smtClean="0"/>
-              <a:t>Critic learns</a:t>
-            </a:r>
-          </a:p>
-          <a:p>
-            <a:pPr>
-              <a:buNone/>
-            </a:pPr>
-            <a:r>
-              <a:rPr lang="en-US" altLang="zh-CN" sz="2400" dirty="0" smtClean="0"/>
-              <a:t>        </a:t>
-            </a:r>
-            <a:r>
-              <a:rPr lang="en-US" altLang="zh-CN" sz="2400" dirty="0" err="1" smtClean="0"/>
-              <a:t>X_state_val</a:t>
-            </a:r>
-            <a:r>
-              <a:rPr lang="en-US" altLang="zh-CN" sz="2400" dirty="0" smtClean="0"/>
-              <a:t>, </a:t>
-            </a:r>
-            <a:r>
-              <a:rPr lang="en-US" altLang="zh-CN" sz="2400" dirty="0" err="1" smtClean="0"/>
-              <a:t>X_action_val</a:t>
-            </a:r>
-            <a:r>
-              <a:rPr lang="en-US" altLang="zh-CN" sz="2400" dirty="0" smtClean="0"/>
-              <a:t>, rewards, </a:t>
-            </a:r>
-            <a:r>
-              <a:rPr lang="en-US" altLang="zh-CN" sz="2400" dirty="0" err="1" smtClean="0"/>
-              <a:t>X_next_state_val</a:t>
-            </a:r>
-            <a:r>
-              <a:rPr lang="en-US" altLang="zh-CN" sz="2400" dirty="0" smtClean="0"/>
-              <a:t>, continues = (</a:t>
-            </a:r>
-          </a:p>
-          <a:p>
-            <a:pPr>
-              <a:buNone/>
-            </a:pPr>
-            <a:r>
-              <a:rPr lang="en-US" altLang="zh-CN" sz="2400" dirty="0" smtClean="0"/>
-              <a:t>                                                                         </a:t>
-            </a:r>
-            <a:r>
-              <a:rPr lang="en-US" altLang="zh-CN" sz="2400" dirty="0" err="1" smtClean="0"/>
-              <a:t>sample_memories</a:t>
-            </a:r>
-            <a:r>
-              <a:rPr lang="en-US" altLang="zh-CN" sz="2400" dirty="0" smtClean="0"/>
-              <a:t>(</a:t>
-            </a:r>
-            <a:r>
-              <a:rPr lang="en-US" altLang="zh-CN" sz="2400" dirty="0" err="1" smtClean="0"/>
-              <a:t>batch_size</a:t>
-            </a:r>
-            <a:r>
-              <a:rPr lang="en-US" altLang="zh-CN" sz="2400" dirty="0" smtClean="0"/>
-              <a:t>))</a:t>
-            </a:r>
-          </a:p>
-          <a:p>
-            <a:pPr>
-              <a:buNone/>
-            </a:pPr>
-            <a:r>
-              <a:rPr lang="en-US" altLang="zh-CN" sz="2400" dirty="0" smtClean="0"/>
-              <a:t>        </a:t>
-            </a:r>
-            <a:r>
-              <a:rPr lang="en-US" altLang="zh-CN" sz="2400" dirty="0" err="1" smtClean="0"/>
-              <a:t>next_q_values</a:t>
-            </a:r>
-            <a:r>
-              <a:rPr lang="en-US" altLang="zh-CN" sz="2400" dirty="0" smtClean="0"/>
-              <a:t> </a:t>
-            </a:r>
-            <a:r>
-              <a:rPr lang="en-US" altLang="zh-CN" sz="2400" dirty="0" smtClean="0"/>
-              <a:t>= </a:t>
-            </a:r>
-            <a:r>
-              <a:rPr lang="en-US" altLang="zh-CN" sz="2400" dirty="0" err="1" smtClean="0"/>
-              <a:t>actor_q_values.eval</a:t>
-            </a:r>
-            <a:r>
-              <a:rPr lang="en-US" altLang="zh-CN" sz="2400" dirty="0" smtClean="0"/>
-              <a:t>( </a:t>
-            </a:r>
-            <a:r>
-              <a:rPr lang="en-US" altLang="zh-CN" sz="2400" dirty="0" err="1" smtClean="0"/>
-              <a:t>feed_dict</a:t>
-            </a:r>
-            <a:r>
-              <a:rPr lang="en-US" altLang="zh-CN" sz="2400" dirty="0" smtClean="0"/>
-              <a:t>={</a:t>
-            </a:r>
-            <a:r>
-              <a:rPr lang="en-US" altLang="zh-CN" sz="2400" dirty="0" err="1" smtClean="0"/>
-              <a:t>X_state</a:t>
-            </a:r>
-            <a:r>
-              <a:rPr lang="en-US" altLang="zh-CN" sz="2400" dirty="0" smtClean="0"/>
-              <a:t>: </a:t>
-            </a:r>
-            <a:r>
-              <a:rPr lang="en-US" altLang="zh-CN" sz="2400" dirty="0" smtClean="0"/>
-              <a:t/>
-            </a:r>
-            <a:br>
-              <a:rPr lang="en-US" altLang="zh-CN" sz="2400" dirty="0" smtClean="0"/>
-            </a:br>
-            <a:r>
-              <a:rPr lang="en-US" altLang="zh-CN" sz="2400" dirty="0" smtClean="0"/>
-              <a:t>                                                                        </a:t>
-            </a:r>
-            <a:r>
-              <a:rPr lang="en-US" altLang="zh-CN" sz="2400" dirty="0" err="1" smtClean="0"/>
-              <a:t>X_next_state_val</a:t>
-            </a:r>
-            <a:r>
-              <a:rPr lang="en-US" altLang="zh-CN" sz="2400" dirty="0" smtClean="0"/>
-              <a:t>})</a:t>
-            </a:r>
-          </a:p>
-          <a:p>
-            <a:pPr>
-              <a:buNone/>
-            </a:pPr>
-            <a:r>
-              <a:rPr lang="en-US" altLang="zh-CN" sz="2400" dirty="0" smtClean="0"/>
-              <a:t>        </a:t>
-            </a:r>
-            <a:r>
-              <a:rPr lang="en-US" altLang="zh-CN" sz="2400" dirty="0" err="1" smtClean="0"/>
-              <a:t>max_next_q_values</a:t>
-            </a:r>
-            <a:r>
-              <a:rPr lang="en-US" altLang="zh-CN" sz="2400" dirty="0" smtClean="0"/>
-              <a:t> </a:t>
-            </a:r>
-            <a:r>
-              <a:rPr lang="en-US" altLang="zh-CN" sz="2400" dirty="0" smtClean="0"/>
-              <a:t>= np.max(</a:t>
-            </a:r>
-            <a:r>
-              <a:rPr lang="en-US" altLang="zh-CN" sz="2400" dirty="0" err="1" smtClean="0"/>
-              <a:t>next_q_values</a:t>
-            </a:r>
-            <a:r>
-              <a:rPr lang="en-US" altLang="zh-CN" sz="2400" dirty="0" smtClean="0"/>
-              <a:t>, axis=1, </a:t>
-            </a:r>
-            <a:r>
-              <a:rPr lang="en-US" altLang="zh-CN" sz="2400" dirty="0" smtClean="0"/>
-              <a:t/>
-            </a:r>
-            <a:br>
-              <a:rPr lang="en-US" altLang="zh-CN" sz="2400" dirty="0" smtClean="0"/>
-            </a:br>
-            <a:r>
-              <a:rPr lang="en-US" altLang="zh-CN" sz="2400" dirty="0" smtClean="0"/>
-              <a:t>                                                           </a:t>
-            </a:r>
-            <a:r>
-              <a:rPr lang="en-US" altLang="zh-CN" sz="2400" dirty="0" err="1" smtClean="0"/>
-              <a:t>keepdims</a:t>
-            </a:r>
-            <a:r>
-              <a:rPr lang="en-US" altLang="zh-CN" sz="2400" dirty="0" smtClean="0"/>
-              <a:t>=True</a:t>
-            </a:r>
-            <a:r>
-              <a:rPr lang="en-US" altLang="zh-CN" sz="2400" dirty="0" smtClean="0"/>
-              <a:t>)</a:t>
-            </a:r>
-          </a:p>
-          <a:p>
-            <a:pPr>
-              <a:buNone/>
-            </a:pPr>
-            <a:r>
-              <a:rPr lang="en-US" altLang="zh-CN" sz="2400" dirty="0" smtClean="0"/>
-              <a:t>        </a:t>
-            </a:r>
-            <a:r>
-              <a:rPr lang="en-US" altLang="zh-CN" sz="2400" dirty="0" err="1" smtClean="0"/>
-              <a:t>y_val</a:t>
-            </a:r>
-            <a:r>
-              <a:rPr lang="en-US" altLang="zh-CN" sz="2400" dirty="0" smtClean="0"/>
-              <a:t> </a:t>
-            </a:r>
-            <a:r>
-              <a:rPr lang="en-US" altLang="zh-CN" sz="2400" dirty="0" smtClean="0"/>
-              <a:t>= rewards + continues * </a:t>
-            </a:r>
-            <a:r>
-              <a:rPr lang="en-US" altLang="zh-CN" sz="2400" dirty="0" err="1" smtClean="0"/>
-              <a:t>discount_rate</a:t>
-            </a:r>
-            <a:r>
-              <a:rPr lang="en-US" altLang="zh-CN" sz="2400" dirty="0" smtClean="0"/>
-              <a:t> * </a:t>
-            </a:r>
-            <a:r>
-              <a:rPr lang="en-US" altLang="zh-CN" sz="2400" dirty="0" err="1" smtClean="0"/>
-              <a:t>max_next_q_values</a:t>
-            </a:r>
-            <a:endParaRPr lang="en-US" altLang="zh-CN" sz="2400" dirty="0" smtClean="0"/>
-          </a:p>
-          <a:p>
-            <a:pPr>
-              <a:buNone/>
-            </a:pPr>
-            <a:r>
-              <a:rPr lang="en-US" altLang="zh-CN" sz="2400" dirty="0" smtClean="0"/>
-              <a:t>        training_op.run(</a:t>
-            </a:r>
-            <a:r>
-              <a:rPr lang="en-US" altLang="zh-CN" sz="2400" dirty="0" err="1" smtClean="0"/>
-              <a:t>feed_dict</a:t>
-            </a:r>
-            <a:r>
-              <a:rPr lang="en-US" altLang="zh-CN" sz="2400" dirty="0" smtClean="0"/>
-              <a:t>={</a:t>
-            </a:r>
-            <a:r>
-              <a:rPr lang="en-US" altLang="zh-CN" sz="2400" dirty="0" err="1" smtClean="0"/>
-              <a:t>X_state</a:t>
-            </a:r>
-            <a:r>
-              <a:rPr lang="en-US" altLang="zh-CN" sz="2400" dirty="0" smtClean="0"/>
-              <a:t>: </a:t>
-            </a:r>
-            <a:r>
-              <a:rPr lang="en-US" altLang="zh-CN" sz="2400" dirty="0" err="1" smtClean="0"/>
-              <a:t>X_state_val</a:t>
-            </a:r>
-            <a:r>
-              <a:rPr lang="en-US" altLang="zh-CN" sz="2400" dirty="0" smtClean="0"/>
-              <a:t>,</a:t>
-            </a:r>
-          </a:p>
-          <a:p>
-            <a:pPr>
-              <a:buNone/>
-            </a:pPr>
-            <a:r>
-              <a:rPr lang="en-US" altLang="zh-CN" sz="2400" dirty="0" smtClean="0"/>
-              <a:t>                                                          </a:t>
-            </a:r>
-            <a:r>
-              <a:rPr lang="en-US" altLang="zh-CN" sz="2400" dirty="0" err="1" smtClean="0"/>
-              <a:t>X_action</a:t>
-            </a:r>
-            <a:r>
-              <a:rPr lang="en-US" altLang="zh-CN" sz="2400" dirty="0" smtClean="0"/>
-              <a:t>: </a:t>
-            </a:r>
-            <a:r>
-              <a:rPr lang="en-US" altLang="zh-CN" sz="2400" dirty="0" err="1" smtClean="0"/>
-              <a:t>X_action_val</a:t>
-            </a:r>
-            <a:r>
-              <a:rPr lang="en-US" altLang="zh-CN" sz="2400" dirty="0" smtClean="0"/>
-              <a:t>, y: </a:t>
-            </a:r>
-            <a:r>
-              <a:rPr lang="en-US" altLang="zh-CN" sz="2400" dirty="0" err="1" smtClean="0"/>
-              <a:t>y_val</a:t>
-            </a:r>
-            <a:r>
-              <a:rPr lang="en-US" altLang="zh-CN" sz="2400" dirty="0" smtClean="0"/>
-              <a:t>})</a:t>
-            </a:r>
-          </a:p>
-          <a:p>
-            <a:pPr>
-              <a:buNone/>
-            </a:pPr>
-            <a:r>
-              <a:rPr lang="en-US" altLang="zh-CN" sz="2400" i="1" dirty="0" smtClean="0"/>
-              <a:t>        # </a:t>
-            </a:r>
-            <a:r>
-              <a:rPr lang="en-US" altLang="zh-CN" sz="2400" i="1" dirty="0" smtClean="0"/>
-              <a:t>Regularly copy critic to actor</a:t>
+              <a:t>        # Regularly copy critic to actor</a:t>
             </a:r>
           </a:p>
           <a:p>
@@ -17810,11 +15994,7 @@
             </a:pPr>
             <a:r>
               <a:rPr lang="en-US" altLang="zh-CN" sz="2400" b="1" dirty="0" smtClean="0"/>
-              <a:t>        if </a:t>
-            </a:r>
-            <a:r>
-              <a:rPr lang="en-US" altLang="zh-CN" sz="2400" b="1" dirty="0" smtClean="0"/>
-              <a:t>step % </a:t>
+              <a:t>        if step % </a:t>
             </a:r>
             <a:r>
               <a:rPr lang="en-US" altLang="zh-CN" sz="2400" b="1" dirty="0" err="1" smtClean="0"/>
@@ -17831,11 +16011,7 @@
             </a:pPr>
             <a:r>
               <a:rPr lang="en-US" altLang="zh-CN" sz="2400" dirty="0" smtClean="0"/>
-              <a:t>            copy_critic_to_actor.run</a:t>
-            </a:r>
-            <a:r>
-              <a:rPr lang="en-US" altLang="zh-CN" sz="2400" dirty="0" smtClean="0"/>
-              <a:t>()</a:t>
+              <a:t>            copy_critic_to_actor.run()</a:t>
             </a:r>
           </a:p>
           <a:p>
@@ -17844,11 +16020,7 @@
             </a:pPr>
             <a:r>
               <a:rPr lang="en-US" altLang="zh-CN" sz="2400" i="1" dirty="0" smtClean="0"/>
-              <a:t>        # </a:t>
-            </a:r>
-            <a:r>
-              <a:rPr lang="en-US" altLang="zh-CN" sz="2400" i="1" dirty="0" smtClean="0"/>
-              <a:t>And save regularly</a:t>
+              <a:t>        # And save regularly</a:t>
             </a:r>
           </a:p>
           <a:p>
@@ -17857,11 +16029,7 @@
             </a:pPr>
             <a:r>
               <a:rPr lang="en-US" altLang="zh-CN" sz="2400" b="1" dirty="0" smtClean="0"/>
-              <a:t>        if </a:t>
-            </a:r>
-            <a:r>
-              <a:rPr lang="en-US" altLang="zh-CN" sz="2400" b="1" dirty="0" smtClean="0"/>
-              <a:t>step % </a:t>
+              <a:t>        if step % </a:t>
             </a:r>
             <a:r>
               <a:rPr lang="en-US" altLang="zh-CN" sz="2400" b="1" dirty="0" err="1" smtClean="0"/>
@@ -17911,7 +16079,7 @@
     </p:spTree>
     <p:extLst>
       <p:ext uri="{BB962C8B-B14F-4D97-AF65-F5344CB8AC3E}">
-        <p14:creationId xmlns="" xmlns:p14="http://schemas.microsoft.com/office/powerpoint/2010/main" val="2556623258"/>
+        <p14:creationId xmlns:p14="http://schemas.microsoft.com/office/powerpoint/2010/main" val="2556623258"/>
       </p:ext>
     </p:extLst>
   </p:cSld>
@@ -18023,13 +16191,20 @@
     </p:spTree>
     <p:extLst>
       <p:ext uri="{BB962C8B-B14F-4D97-AF65-F5344CB8AC3E}">
-        <p14:creationId xmlns="" xmlns:p14="http://schemas.microsoft.com/office/powerpoint/2010/main" val="2556623258"/>
+        <p14:creationId xmlns:p14="http://schemas.microsoft.com/office/powerpoint/2010/main" val="2556623258"/>
       </p:ext>
     </p:extLst>
   </p:cSld>
   <p:clrMapOvr>
     <a:masterClrMapping/>
   </p:clrMapOvr>
+  <p:timing>
+    <p:tnLst>
+      <p:par>
+        <p:cTn id="1" dur="indefinite" restart="never" nodeType="tmRoot"/>
+      </p:par>
+    </p:tnLst>
+  </p:timing>
 </p:sld>
 </file>
 
@@ -18097,31 +16272,11 @@
           <a:p>
             <a:r>
               <a:rPr lang="en-US" altLang="zh-CN" dirty="0" smtClean="0"/>
-              <a:t>another approach is to use optimization techniques, by evaluating the gradients </a:t>
-            </a:r>
-            <a:r>
-              <a:rPr lang="en-US" altLang="zh-CN" dirty="0" smtClean="0"/>
-              <a:t>of the </a:t>
-            </a:r>
-            <a:r>
-              <a:rPr lang="en-US" altLang="zh-CN" dirty="0" smtClean="0"/>
-              <a:t>rewards with regards to the policy parameters, then tweaking these parameters </a:t>
-            </a:r>
-            <a:r>
-              <a:rPr lang="en-US" altLang="zh-CN" dirty="0" smtClean="0"/>
-              <a:t>by following </a:t>
-            </a:r>
-            <a:r>
-              <a:rPr lang="en-US" altLang="zh-CN" dirty="0" smtClean="0"/>
-              <a:t>the gradient toward higher rewards (</a:t>
+              <a:t>another approach is to use optimization techniques, by evaluating the gradients of the rewards with regards to the policy parameters, then tweaking these parameters by following the gradient toward higher rewards (</a:t>
             </a:r>
             <a:r>
               <a:rPr lang="en-US" altLang="zh-CN" i="1" dirty="0" smtClean="0"/>
-              <a:t>gradient ascent). This approach </a:t>
-            </a:r>
-            <a:r>
-              <a:rPr lang="en-US" altLang="zh-CN" i="1" dirty="0" smtClean="0"/>
-              <a:t>is </a:t>
+              <a:t>gradient ascent). This approach is </a:t>
             </a:r>
             <a:r>
               <a:rPr lang="en-US" altLang="zh-CN" dirty="0" smtClean="0"/>
@@ -18129,25 +16284,13 @@
             </a:r>
             <a:r>
               <a:rPr lang="en-US" altLang="zh-CN" i="1" dirty="0" smtClean="0"/>
-              <a:t>policy gradients (PG</a:t>
-            </a:r>
-            <a:r>
-              <a:rPr lang="en-US" altLang="zh-CN" i="1" dirty="0" smtClean="0"/>
-              <a:t>).</a:t>
+              <a:t>policy gradients (PG).</a:t>
             </a:r>
           </a:p>
           <a:p>
             <a:r>
               <a:rPr lang="en-US" altLang="zh-CN" dirty="0" smtClean="0"/>
-              <a:t>We will implement </a:t>
-            </a:r>
-            <a:r>
-              <a:rPr lang="en-US" altLang="zh-CN" dirty="0" smtClean="0"/>
-              <a:t>a popular </a:t>
-            </a:r>
-            <a:r>
-              <a:rPr lang="en-US" altLang="zh-CN" dirty="0" smtClean="0"/>
-              <a:t>PG algorithm using </a:t>
+              <a:t>We will implement a popular PG algorithm using </a:t>
             </a:r>
             <a:r>
               <a:rPr lang="en-US" altLang="zh-CN" dirty="0" err="1" smtClean="0"/>
@@ -18155,15 +16298,7 @@
             </a:r>
             <a:r>
               <a:rPr lang="en-US" altLang="zh-CN" dirty="0" smtClean="0"/>
-              <a:t>, but before we do we need to create an </a:t>
-            </a:r>
-            <a:r>
-              <a:rPr lang="en-US" altLang="zh-CN" dirty="0" smtClean="0"/>
-              <a:t>environment for </a:t>
-            </a:r>
-            <a:r>
-              <a:rPr lang="en-US" altLang="zh-CN" dirty="0" smtClean="0"/>
-              <a:t>the agent to live in, so it’s time to introduce </a:t>
+              <a:t>, but before we do we need to create an environment for the agent to live in, so it’s time to introduce </a:t>
             </a:r>
             <a:r>
               <a:rPr lang="en-US" altLang="zh-CN" dirty="0" err="1" smtClean="0"/>
@@ -18180,13 +16315,20 @@
     </p:spTree>
     <p:extLst>
       <p:ext uri="{BB962C8B-B14F-4D97-AF65-F5344CB8AC3E}">
-        <p14:creationId xmlns="" xmlns:p14="http://schemas.microsoft.com/office/powerpoint/2010/main" val="2556623258"/>
+        <p14:creationId xmlns:p14="http://schemas.microsoft.com/office/powerpoint/2010/main" val="2556623258"/>
       </p:ext>
     </p:extLst>
   </p:cSld>
   <p:clrMapOvr>
     <a:masterClrMapping/>
   </p:clrMapOvr>
+  <p:timing>
+    <p:tnLst>
+      <p:par>
+        <p:cTn id="1" dur="indefinite" restart="never" nodeType="tmRoot"/>
+      </p:par>
+    </p:tnLst>
+  </p:timing>
 </p:sld>
 </file>
 
@@ -18262,55 +16404,7 @@
           <a:p>
             <a:r>
               <a:rPr lang="en-US" altLang="zh-CN" dirty="0" smtClean="0"/>
-              <a:t>One of the challenges of Reinforcement Learning is that in order to train an </a:t>
-            </a:r>
-            <a:r>
-              <a:rPr lang="en-US" altLang="zh-CN" dirty="0" smtClean="0"/>
-              <a:t>agent, you </a:t>
-            </a:r>
-            <a:r>
-              <a:rPr lang="en-US" altLang="zh-CN" dirty="0" smtClean="0"/>
-              <a:t>first need to have a working environment. If you want to program an agent </a:t>
-            </a:r>
-            <a:r>
-              <a:rPr lang="en-US" altLang="zh-CN" dirty="0" smtClean="0"/>
-              <a:t>that will </a:t>
-            </a:r>
-            <a:r>
-              <a:rPr lang="en-US" altLang="zh-CN" dirty="0" smtClean="0"/>
-              <a:t>learn to play an Atari game, you will need an Atari game simulator. If you want </a:t>
-            </a:r>
-            <a:r>
-              <a:rPr lang="en-US" altLang="zh-CN" dirty="0" smtClean="0"/>
-              <a:t>to program </a:t>
-            </a:r>
-            <a:r>
-              <a:rPr lang="en-US" altLang="zh-CN" dirty="0" smtClean="0"/>
-              <a:t>a walking robot, then the environment is the real world and you can </a:t>
-            </a:r>
-            <a:r>
-              <a:rPr lang="en-US" altLang="zh-CN" dirty="0" smtClean="0"/>
-              <a:t>directly train </a:t>
-            </a:r>
-            <a:r>
-              <a:rPr lang="en-US" altLang="zh-CN" dirty="0" smtClean="0"/>
-              <a:t>your robot in that environment, but this has its </a:t>
-            </a:r>
-            <a:r>
-              <a:rPr lang="en-US" altLang="zh-CN" dirty="0" smtClean="0"/>
-              <a:t>limits. </a:t>
-            </a:r>
-            <a:r>
-              <a:rPr lang="en-US" altLang="zh-CN" dirty="0" smtClean="0"/>
-              <a:t>In short, training is hard and slow in the real world, so </a:t>
-            </a:r>
-            <a:r>
-              <a:rPr lang="en-US" altLang="zh-CN" dirty="0" smtClean="0"/>
-              <a:t>you generally </a:t>
-            </a:r>
-            <a:r>
-              <a:rPr lang="en-US" altLang="zh-CN" dirty="0" smtClean="0"/>
-              <a:t>need a </a:t>
+              <a:t>One of the challenges of Reinforcement Learning is that in order to train an agent, you first need to have a working environment. If you want to program an agent that will learn to play an Atari game, you will need an Atari game simulator. If you want to program a walking robot, then the environment is the real world and you can directly train your robot in that environment, but this has its limits. In short, training is hard and slow in the real world, so you generally need a </a:t>
             </a:r>
             <a:r>
               <a:rPr lang="en-US" altLang="zh-CN" i="1" dirty="0" smtClean="0"/>
@@ -18323,13 +16417,20 @@
     </p:spTree>
     <p:extLst>
       <p:ext uri="{BB962C8B-B14F-4D97-AF65-F5344CB8AC3E}">
-        <p14:creationId xmlns="" xmlns:p14="http://schemas.microsoft.com/office/powerpoint/2010/main" val="2556623258"/>
+        <p14:creationId xmlns:p14="http://schemas.microsoft.com/office/powerpoint/2010/main" val="2556623258"/>
       </p:ext>
     </p:extLst>
   </p:cSld>
   <p:clrMapOvr>
     <a:masterClrMapping/>
   </p:clrMapOvr>
+  <p:timing>
+    <p:tnLst>
+      <p:par>
+        <p:cTn id="1" dur="indefinite" restart="never" nodeType="tmRoot"/>
+      </p:par>
+    </p:tnLst>
+  </p:timing>
 </p:sld>
 </file>
 
